--- a/授業資料/講義資料：テンプレート.pptx
+++ b/授業資料/講義資料：テンプレート.pptx
@@ -4137,7 +4137,19 @@
           <a:p>
             <a:r>
               <a:rPr kumimoji="1" lang="en-US" altLang="ja-JP" sz="2800" dirty="0"/>
-              <a:t>  k1.m_a = 2;</a:t>
+              <a:t>  k1.m_a = </a:t>
+            </a:r>
+            <a:r>
+              <a:rPr kumimoji="1" lang="en-US" altLang="ja-JP" sz="2800" dirty="0">
+                <a:solidFill>
+                  <a:srgbClr val="FF0000"/>
+                </a:solidFill>
+              </a:rPr>
+              <a:t>2</a:t>
+            </a:r>
+            <a:r>
+              <a:rPr kumimoji="1" lang="en-US" altLang="ja-JP" sz="2800" dirty="0"/>
+              <a:t>;</a:t>
             </a:r>
           </a:p>
           <a:p>
@@ -4172,7 +4184,19 @@
             </a:br>
             <a:r>
               <a:rPr kumimoji="1" lang="en-US" altLang="ja-JP" sz="2800" dirty="0"/>
-              <a:t>  k2.m_a = “ABC”</a:t>
+              <a:t>  k2.m_a = </a:t>
+            </a:r>
+            <a:r>
+              <a:rPr kumimoji="1" lang="en-US" altLang="ja-JP" sz="2800" dirty="0">
+                <a:solidFill>
+                  <a:srgbClr val="FF0000"/>
+                </a:solidFill>
+              </a:rPr>
+              <a:t>“ABC”</a:t>
+            </a:r>
+            <a:r>
+              <a:rPr kumimoji="1" lang="en-US" altLang="ja-JP" sz="2800" dirty="0"/>
+              <a:t>;</a:t>
             </a:r>
             <a:br>
               <a:rPr kumimoji="1" lang="en-US" altLang="ja-JP" sz="2800" dirty="0"/>

--- a/授業資料/講義資料：テンプレート.pptx
+++ b/授業資料/講義資料：テンプレート.pptx
@@ -13,8 +13,10 @@
     <p:sldId id="364" r:id="rId7"/>
     <p:sldId id="369" r:id="rId8"/>
     <p:sldId id="370" r:id="rId9"/>
-    <p:sldId id="371" r:id="rId10"/>
-    <p:sldId id="372" r:id="rId11"/>
+    <p:sldId id="373" r:id="rId10"/>
+    <p:sldId id="371" r:id="rId11"/>
+    <p:sldId id="372" r:id="rId12"/>
+    <p:sldId id="374" r:id="rId13"/>
   </p:sldIdLst>
   <p:sldSz cx="12192000" cy="6858000"/>
   <p:notesSz cx="6858000" cy="9144000"/>
@@ -252,7 +254,7 @@
           <a:p>
             <a:fld id="{5B96D3F8-CD2E-4A0D-AC38-517181EABB18}" type="datetimeFigureOut">
               <a:rPr kumimoji="1" lang="ja-JP" altLang="en-US" smtClean="0"/>
-              <a:t>2024/9/24</a:t>
+              <a:t>2024/9/25</a:t>
             </a:fld>
             <a:endParaRPr kumimoji="1" lang="ja-JP" altLang="en-US"/>
           </a:p>
@@ -454,7 +456,7 @@
           <a:p>
             <a:fld id="{5B96D3F8-CD2E-4A0D-AC38-517181EABB18}" type="datetimeFigureOut">
               <a:rPr kumimoji="1" lang="ja-JP" altLang="en-US" smtClean="0"/>
-              <a:t>2024/9/24</a:t>
+              <a:t>2024/9/25</a:t>
             </a:fld>
             <a:endParaRPr kumimoji="1" lang="ja-JP" altLang="en-US"/>
           </a:p>
@@ -666,7 +668,7 @@
           <a:p>
             <a:fld id="{5B96D3F8-CD2E-4A0D-AC38-517181EABB18}" type="datetimeFigureOut">
               <a:rPr kumimoji="1" lang="ja-JP" altLang="en-US" smtClean="0"/>
-              <a:t>2024/9/24</a:t>
+              <a:t>2024/9/25</a:t>
             </a:fld>
             <a:endParaRPr kumimoji="1" lang="ja-JP" altLang="en-US"/>
           </a:p>
@@ -868,7 +870,7 @@
           <a:p>
             <a:fld id="{5B96D3F8-CD2E-4A0D-AC38-517181EABB18}" type="datetimeFigureOut">
               <a:rPr kumimoji="1" lang="ja-JP" altLang="en-US" smtClean="0"/>
-              <a:t>2024/9/24</a:t>
+              <a:t>2024/9/25</a:t>
             </a:fld>
             <a:endParaRPr kumimoji="1" lang="ja-JP" altLang="en-US"/>
           </a:p>
@@ -1114,7 +1116,7 @@
           <a:p>
             <a:fld id="{5B96D3F8-CD2E-4A0D-AC38-517181EABB18}" type="datetimeFigureOut">
               <a:rPr kumimoji="1" lang="ja-JP" altLang="en-US" smtClean="0"/>
-              <a:t>2024/9/24</a:t>
+              <a:t>2024/9/25</a:t>
             </a:fld>
             <a:endParaRPr kumimoji="1" lang="ja-JP" altLang="en-US"/>
           </a:p>
@@ -1410,7 +1412,7 @@
           <a:p>
             <a:fld id="{5B96D3F8-CD2E-4A0D-AC38-517181EABB18}" type="datetimeFigureOut">
               <a:rPr kumimoji="1" lang="ja-JP" altLang="en-US" smtClean="0"/>
-              <a:t>2024/9/24</a:t>
+              <a:t>2024/9/25</a:t>
             </a:fld>
             <a:endParaRPr kumimoji="1" lang="ja-JP" altLang="en-US"/>
           </a:p>
@@ -1841,7 +1843,7 @@
           <a:p>
             <a:fld id="{5B96D3F8-CD2E-4A0D-AC38-517181EABB18}" type="datetimeFigureOut">
               <a:rPr kumimoji="1" lang="ja-JP" altLang="en-US" smtClean="0"/>
-              <a:t>2024/9/24</a:t>
+              <a:t>2024/9/25</a:t>
             </a:fld>
             <a:endParaRPr kumimoji="1" lang="ja-JP" altLang="en-US"/>
           </a:p>
@@ -1959,7 +1961,7 @@
           <a:p>
             <a:fld id="{5B96D3F8-CD2E-4A0D-AC38-517181EABB18}" type="datetimeFigureOut">
               <a:rPr kumimoji="1" lang="ja-JP" altLang="en-US" smtClean="0"/>
-              <a:t>2024/9/24</a:t>
+              <a:t>2024/9/25</a:t>
             </a:fld>
             <a:endParaRPr kumimoji="1" lang="ja-JP" altLang="en-US"/>
           </a:p>
@@ -2054,7 +2056,7 @@
           <a:p>
             <a:fld id="{5B96D3F8-CD2E-4A0D-AC38-517181EABB18}" type="datetimeFigureOut">
               <a:rPr kumimoji="1" lang="ja-JP" altLang="en-US" smtClean="0"/>
-              <a:t>2024/9/24</a:t>
+              <a:t>2024/9/25</a:t>
             </a:fld>
             <a:endParaRPr kumimoji="1" lang="ja-JP" altLang="en-US"/>
           </a:p>
@@ -2363,7 +2365,7 @@
           <a:p>
             <a:fld id="{5B96D3F8-CD2E-4A0D-AC38-517181EABB18}" type="datetimeFigureOut">
               <a:rPr kumimoji="1" lang="ja-JP" altLang="en-US" smtClean="0"/>
-              <a:t>2024/9/24</a:t>
+              <a:t>2024/9/25</a:t>
             </a:fld>
             <a:endParaRPr kumimoji="1" lang="ja-JP" altLang="en-US"/>
           </a:p>
@@ -2620,7 +2622,7 @@
           <a:p>
             <a:fld id="{5B96D3F8-CD2E-4A0D-AC38-517181EABB18}" type="datetimeFigureOut">
               <a:rPr kumimoji="1" lang="ja-JP" altLang="en-US" smtClean="0"/>
-              <a:t>2024/9/24</a:t>
+              <a:t>2024/9/25</a:t>
             </a:fld>
             <a:endParaRPr kumimoji="1" lang="ja-JP" altLang="en-US"/>
           </a:p>
@@ -2865,7 +2867,7 @@
           <a:p>
             <a:fld id="{5B96D3F8-CD2E-4A0D-AC38-517181EABB18}" type="datetimeFigureOut">
               <a:rPr kumimoji="1" lang="ja-JP" altLang="en-US" smtClean="0"/>
-              <a:t>2024/9/24</a:t>
+              <a:t>2024/9/25</a:t>
             </a:fld>
             <a:endParaRPr kumimoji="1" lang="ja-JP" altLang="en-US"/>
           </a:p>
@@ -3841,6 +3843,226 @@
           </a:p>
           <a:p>
             <a:r>
+              <a:rPr lang="ja-JP" altLang="en-US" dirty="0"/>
+              <a:t>クラス定義についてもテンプレートを用いることができる</a:t>
+            </a:r>
+            <a:br>
+              <a:rPr lang="en-US" altLang="ja-JP" dirty="0"/>
+            </a:br>
+            <a:br>
+              <a:rPr lang="en-US" altLang="ja-JP" dirty="0"/>
+            </a:br>
+            <a:r>
+              <a:rPr lang="en-US" altLang="ja-JP" dirty="0"/>
+              <a:t>【</a:t>
+            </a:r>
+            <a:r>
+              <a:rPr lang="ja-JP" altLang="en-US" dirty="0"/>
+              <a:t>宣言方法</a:t>
+            </a:r>
+            <a:r>
+              <a:rPr lang="en-US" altLang="ja-JP" dirty="0"/>
+              <a:t>】</a:t>
+            </a:r>
+            <a:br>
+              <a:rPr lang="en-US" altLang="ja-JP" dirty="0"/>
+            </a:br>
+            <a:r>
+              <a:rPr lang="en-US" altLang="ja-JP" dirty="0">
+                <a:solidFill>
+                  <a:srgbClr val="FF0000"/>
+                </a:solidFill>
+              </a:rPr>
+              <a:t>template &lt;</a:t>
+            </a:r>
+            <a:r>
+              <a:rPr lang="en-US" altLang="ja-JP" dirty="0" err="1">
+                <a:solidFill>
+                  <a:srgbClr val="FF0000"/>
+                </a:solidFill>
+              </a:rPr>
+              <a:t>typename</a:t>
+            </a:r>
+            <a:r>
+              <a:rPr lang="en-US" altLang="ja-JP" dirty="0">
+                <a:solidFill>
+                  <a:srgbClr val="FF0000"/>
+                </a:solidFill>
+              </a:rPr>
+              <a:t> T&gt;</a:t>
+            </a:r>
+            <a:br>
+              <a:rPr lang="en-US" altLang="ja-JP" dirty="0">
+                <a:solidFill>
+                  <a:srgbClr val="FF0000"/>
+                </a:solidFill>
+              </a:rPr>
+            </a:br>
+            <a:r>
+              <a:rPr lang="en-US" altLang="ja-JP" dirty="0">
+                <a:solidFill>
+                  <a:srgbClr val="FF0000"/>
+                </a:solidFill>
+              </a:rPr>
+              <a:t>class </a:t>
+            </a:r>
+            <a:r>
+              <a:rPr lang="ja-JP" altLang="en-US" dirty="0">
+                <a:solidFill>
+                  <a:srgbClr val="FF0000"/>
+                </a:solidFill>
+              </a:rPr>
+              <a:t>クラス名 </a:t>
+            </a:r>
+            <a:r>
+              <a:rPr lang="en-US" altLang="ja-JP" dirty="0">
+                <a:solidFill>
+                  <a:srgbClr val="FF0000"/>
+                </a:solidFill>
+              </a:rPr>
+              <a:t>{</a:t>
+            </a:r>
+            <a:br>
+              <a:rPr lang="en-US" altLang="ja-JP" dirty="0">
+                <a:solidFill>
+                  <a:srgbClr val="FF0000"/>
+                </a:solidFill>
+              </a:rPr>
+            </a:br>
+            <a:r>
+              <a:rPr lang="ja-JP" altLang="en-US" dirty="0">
+                <a:solidFill>
+                  <a:srgbClr val="FF0000"/>
+                </a:solidFill>
+              </a:rPr>
+              <a:t>　　メンバ</a:t>
+            </a:r>
+            <a:r>
+              <a:rPr lang="en-US" altLang="ja-JP" dirty="0">
+                <a:solidFill>
+                  <a:srgbClr val="FF0000"/>
+                </a:solidFill>
+              </a:rPr>
+              <a:t>…</a:t>
+            </a:r>
+            <a:br>
+              <a:rPr lang="en-US" altLang="ja-JP" dirty="0">
+                <a:solidFill>
+                  <a:srgbClr val="FF0000"/>
+                </a:solidFill>
+              </a:rPr>
+            </a:br>
+            <a:r>
+              <a:rPr lang="en-US" altLang="ja-JP" dirty="0">
+                <a:solidFill>
+                  <a:srgbClr val="FF0000"/>
+                </a:solidFill>
+              </a:rPr>
+              <a:t>};</a:t>
+            </a:r>
+            <a:endParaRPr lang="en-US" altLang="ja-JP" sz="3200" dirty="0">
+              <a:solidFill>
+                <a:srgbClr val="0070C0"/>
+              </a:solidFill>
+            </a:endParaRPr>
+          </a:p>
+        </p:txBody>
+      </p:sp>
+    </p:spTree>
+    <p:extLst>
+      <p:ext uri="{BB962C8B-B14F-4D97-AF65-F5344CB8AC3E}">
+        <p14:creationId xmlns:p14="http://schemas.microsoft.com/office/powerpoint/2010/main" val="3723342302"/>
+      </p:ext>
+    </p:extLst>
+  </p:cSld>
+  <p:clrMapOvr>
+    <a:masterClrMapping/>
+  </p:clrMapOvr>
+</p:sld>
+</file>
+
+<file path=ppt/slides/slide11.xml><?xml version="1.0" encoding="utf-8"?>
+<p:sld xmlns:a="http://schemas.openxmlformats.org/drawingml/2006/main" xmlns:r="http://schemas.openxmlformats.org/officeDocument/2006/relationships" xmlns:p="http://schemas.openxmlformats.org/presentationml/2006/main">
+  <p:cSld>
+    <p:spTree>
+      <p:nvGrpSpPr>
+        <p:cNvPr id="1" name=""/>
+        <p:cNvGrpSpPr/>
+        <p:nvPr/>
+      </p:nvGrpSpPr>
+      <p:grpSpPr>
+        <a:xfrm>
+          <a:off x="0" y="0"/>
+          <a:ext cx="0" cy="0"/>
+          <a:chOff x="0" y="0"/>
+          <a:chExt cx="0" cy="0"/>
+        </a:xfrm>
+      </p:grpSpPr>
+      <p:sp>
+        <p:nvSpPr>
+          <p:cNvPr id="2" name="タイトル 1">
+            <a:extLst>
+              <a:ext uri="{FF2B5EF4-FFF2-40B4-BE49-F238E27FC236}">
+                <a16:creationId xmlns:a16="http://schemas.microsoft.com/office/drawing/2014/main" id="{9F789731-37C4-49DD-AEE8-78E5514E279E}"/>
+              </a:ext>
+            </a:extLst>
+          </p:cNvPr>
+          <p:cNvSpPr>
+            <a:spLocks noGrp="1"/>
+          </p:cNvSpPr>
+          <p:nvPr>
+            <p:ph type="title"/>
+          </p:nvPr>
+        </p:nvSpPr>
+        <p:spPr/>
+        <p:txBody>
+          <a:bodyPr/>
+          <a:lstStyle/>
+          <a:p>
+            <a:r>
+              <a:rPr lang="ja-JP" altLang="en-US" dirty="0"/>
+              <a:t>テンプレート</a:t>
+            </a:r>
+            <a:endParaRPr kumimoji="1" lang="ja-JP" altLang="en-US" dirty="0"/>
+          </a:p>
+        </p:txBody>
+      </p:sp>
+      <p:sp>
+        <p:nvSpPr>
+          <p:cNvPr id="3" name="コンテンツ プレースホルダー 2">
+            <a:extLst>
+              <a:ext uri="{FF2B5EF4-FFF2-40B4-BE49-F238E27FC236}">
+                <a16:creationId xmlns:a16="http://schemas.microsoft.com/office/drawing/2014/main" id="{39562F0E-6033-40BD-BCB8-F015661306FD}"/>
+              </a:ext>
+            </a:extLst>
+          </p:cNvPr>
+          <p:cNvSpPr>
+            <a:spLocks noGrp="1"/>
+          </p:cNvSpPr>
+          <p:nvPr>
+            <p:ph idx="1"/>
+          </p:nvPr>
+        </p:nvSpPr>
+        <p:spPr>
+          <a:xfrm>
+            <a:off x="838200" y="1376038"/>
+            <a:ext cx="10515600" cy="5374958"/>
+          </a:xfrm>
+        </p:spPr>
+        <p:txBody>
+          <a:bodyPr>
+            <a:normAutofit/>
+          </a:bodyPr>
+          <a:lstStyle/>
+          <a:p>
+            <a:r>
+              <a:rPr lang="ja-JP" altLang="en-US" sz="4400" b="1" u="sng" dirty="0"/>
+              <a:t>テンプレートクラス</a:t>
+            </a:r>
+            <a:endParaRPr lang="en-US" altLang="ja-JP" sz="4400" dirty="0"/>
+          </a:p>
+          <a:p>
+            <a:r>
               <a:rPr lang="en-US" altLang="ja-JP" dirty="0"/>
               <a:t>【</a:t>
             </a:r>
@@ -4224,6 +4446,155 @@
     <p:extLst>
       <p:ext uri="{BB962C8B-B14F-4D97-AF65-F5344CB8AC3E}">
         <p14:creationId xmlns:p14="http://schemas.microsoft.com/office/powerpoint/2010/main" val="1649240016"/>
+      </p:ext>
+    </p:extLst>
+  </p:cSld>
+  <p:clrMapOvr>
+    <a:masterClrMapping/>
+  </p:clrMapOvr>
+</p:sld>
+</file>
+
+<file path=ppt/slides/slide12.xml><?xml version="1.0" encoding="utf-8"?>
+<p:sld xmlns:a="http://schemas.openxmlformats.org/drawingml/2006/main" xmlns:r="http://schemas.openxmlformats.org/officeDocument/2006/relationships" xmlns:p="http://schemas.openxmlformats.org/presentationml/2006/main">
+  <p:cSld>
+    <p:spTree>
+      <p:nvGrpSpPr>
+        <p:cNvPr id="1" name=""/>
+        <p:cNvGrpSpPr/>
+        <p:nvPr/>
+      </p:nvGrpSpPr>
+      <p:grpSpPr>
+        <a:xfrm>
+          <a:off x="0" y="0"/>
+          <a:ext cx="0" cy="0"/>
+          <a:chOff x="0" y="0"/>
+          <a:chExt cx="0" cy="0"/>
+        </a:xfrm>
+      </p:grpSpPr>
+      <p:sp>
+        <p:nvSpPr>
+          <p:cNvPr id="2" name="タイトル 1">
+            <a:extLst>
+              <a:ext uri="{FF2B5EF4-FFF2-40B4-BE49-F238E27FC236}">
+                <a16:creationId xmlns:a16="http://schemas.microsoft.com/office/drawing/2014/main" id="{9F789731-37C4-49DD-AEE8-78E5514E279E}"/>
+              </a:ext>
+            </a:extLst>
+          </p:cNvPr>
+          <p:cNvSpPr>
+            <a:spLocks noGrp="1"/>
+          </p:cNvSpPr>
+          <p:nvPr>
+            <p:ph type="title"/>
+          </p:nvPr>
+        </p:nvSpPr>
+        <p:spPr/>
+        <p:txBody>
+          <a:bodyPr/>
+          <a:lstStyle/>
+          <a:p>
+            <a:r>
+              <a:rPr lang="ja-JP" altLang="en-US" dirty="0"/>
+              <a:t>テンプレート</a:t>
+            </a:r>
+            <a:endParaRPr kumimoji="1" lang="ja-JP" altLang="en-US" dirty="0"/>
+          </a:p>
+        </p:txBody>
+      </p:sp>
+      <p:sp>
+        <p:nvSpPr>
+          <p:cNvPr id="3" name="コンテンツ プレースホルダー 2">
+            <a:extLst>
+              <a:ext uri="{FF2B5EF4-FFF2-40B4-BE49-F238E27FC236}">
+                <a16:creationId xmlns:a16="http://schemas.microsoft.com/office/drawing/2014/main" id="{39562F0E-6033-40BD-BCB8-F015661306FD}"/>
+              </a:ext>
+            </a:extLst>
+          </p:cNvPr>
+          <p:cNvSpPr>
+            <a:spLocks noGrp="1"/>
+          </p:cNvSpPr>
+          <p:nvPr>
+            <p:ph idx="1"/>
+          </p:nvPr>
+        </p:nvSpPr>
+        <p:spPr>
+          <a:xfrm>
+            <a:off x="838200" y="1376038"/>
+            <a:ext cx="10515600" cy="5374958"/>
+          </a:xfrm>
+        </p:spPr>
+        <p:txBody>
+          <a:bodyPr>
+            <a:normAutofit/>
+          </a:bodyPr>
+          <a:lstStyle/>
+          <a:p>
+            <a:r>
+              <a:rPr lang="ja-JP" altLang="en-US" b="1" u="sng" dirty="0"/>
+              <a:t>まとめ</a:t>
+            </a:r>
+            <a:br>
+              <a:rPr lang="en-US" altLang="ja-JP" b="1" u="sng" dirty="0"/>
+            </a:br>
+            <a:br>
+              <a:rPr lang="en-US" altLang="ja-JP" sz="1800" dirty="0"/>
+            </a:br>
+            <a:r>
+              <a:rPr lang="ja-JP" altLang="en-US" dirty="0"/>
+              <a:t>テンプレートを用いると、“</a:t>
+            </a:r>
+            <a:r>
+              <a:rPr lang="ja-JP" altLang="en-US" b="1" dirty="0">
+                <a:solidFill>
+                  <a:srgbClr val="FF0000"/>
+                </a:solidFill>
+              </a:rPr>
+              <a:t>型</a:t>
+            </a:r>
+            <a:r>
+              <a:rPr lang="ja-JP" altLang="en-US" dirty="0"/>
+              <a:t>”に囚われないプログラミングが可能になる</a:t>
+            </a:r>
+            <a:br>
+              <a:rPr lang="en-US" altLang="ja-JP" dirty="0"/>
+            </a:br>
+            <a:endParaRPr lang="en-US" altLang="ja-JP" dirty="0"/>
+          </a:p>
+          <a:p>
+            <a:r>
+              <a:rPr lang="ja-JP" altLang="en-US" dirty="0"/>
+              <a:t>関数の</a:t>
+            </a:r>
+            <a:r>
+              <a:rPr lang="ja-JP" altLang="en-US" dirty="0">
+                <a:solidFill>
+                  <a:srgbClr val="0070C0"/>
+                </a:solidFill>
+              </a:rPr>
+              <a:t>オーバーロード（多重定義）</a:t>
+            </a:r>
+            <a:r>
+              <a:rPr lang="ja-JP" altLang="en-US" dirty="0"/>
+              <a:t>の処理を簡略化することができる</a:t>
+            </a:r>
+            <a:br>
+              <a:rPr lang="en-US" altLang="ja-JP" dirty="0"/>
+            </a:br>
+            <a:endParaRPr lang="en-US" altLang="ja-JP" dirty="0"/>
+          </a:p>
+          <a:p>
+            <a:r>
+              <a:rPr lang="ja-JP" altLang="en-US" dirty="0"/>
+              <a:t>クラスにテンプレートを用いることで、クラス内のメンバの型を自由に変更することが可能になる</a:t>
+            </a:r>
+            <a:endParaRPr lang="en-US" altLang="ja-JP" sz="3200" dirty="0"/>
+          </a:p>
+        </p:txBody>
+      </p:sp>
+    </p:spTree>
+    <p:extLst>
+      <p:ext uri="{BB962C8B-B14F-4D97-AF65-F5344CB8AC3E}">
+        <p14:creationId xmlns:p14="http://schemas.microsoft.com/office/powerpoint/2010/main" val="1041833517"/>
       </p:ext>
     </p:extLst>
   </p:cSld>
@@ -5095,7 +5466,7 @@
         <p:spPr>
           <a:xfrm>
             <a:off x="1048255" y="1942532"/>
-            <a:ext cx="10688220" cy="4893647"/>
+            <a:ext cx="10688220" cy="4524315"/>
           </a:xfrm>
           <a:prstGeom prst="rect">
             <a:avLst/>
@@ -5222,25 +5593,6 @@
             </a:br>
             <a:r>
               <a:rPr kumimoji="1" lang="en-US" altLang="ja-JP" sz="2400" dirty="0"/>
-              <a:t>	</a:t>
-            </a:r>
-            <a:r>
-              <a:rPr kumimoji="1" lang="en-US" altLang="ja-JP" sz="2400" dirty="0" err="1"/>
-              <a:t>setValue</a:t>
-            </a:r>
-            <a:r>
-              <a:rPr kumimoji="1" lang="en-US" altLang="ja-JP" sz="2400" dirty="0"/>
-              <a:t>…</a:t>
-            </a:r>
-            <a:br>
-              <a:rPr kumimoji="1" lang="en-US" altLang="ja-JP" sz="2400" dirty="0"/>
-            </a:br>
-            <a:r>
-              <a:rPr kumimoji="1" lang="en-US" altLang="ja-JP" sz="2400" dirty="0">
-                <a:solidFill>
-                  <a:srgbClr val="FF0000"/>
-                </a:solidFill>
-              </a:rPr>
               <a:t>	</a:t>
             </a:r>
             <a:r>
@@ -6913,7 +7265,7 @@
           <p:cNvPr id="2" name="タイトル 1">
             <a:extLst>
               <a:ext uri="{FF2B5EF4-FFF2-40B4-BE49-F238E27FC236}">
-                <a16:creationId xmlns:a16="http://schemas.microsoft.com/office/drawing/2014/main" id="{9F789731-37C4-49DD-AEE8-78E5514E279E}"/>
+                <a16:creationId xmlns:a16="http://schemas.microsoft.com/office/drawing/2014/main" id="{F11F3668-F205-48C5-AC01-19611EFE561B}"/>
               </a:ext>
             </a:extLst>
           </p:cNvPr>
@@ -6942,7 +7294,7 @@
           <p:cNvPr id="3" name="コンテンツ プレースホルダー 2">
             <a:extLst>
               <a:ext uri="{FF2B5EF4-FFF2-40B4-BE49-F238E27FC236}">
-                <a16:creationId xmlns:a16="http://schemas.microsoft.com/office/drawing/2014/main" id="{39562F0E-6033-40BD-BCB8-F015661306FD}"/>
+                <a16:creationId xmlns:a16="http://schemas.microsoft.com/office/drawing/2014/main" id="{64DBE417-57E9-44A6-BB52-B2F9986BB7B2}"/>
               </a:ext>
             </a:extLst>
           </p:cNvPr>
@@ -6955,8 +7307,8 @@
         </p:nvSpPr>
         <p:spPr>
           <a:xfrm>
-            <a:off x="838200" y="1376038"/>
-            <a:ext cx="10515600" cy="5374958"/>
+            <a:off x="838200" y="1162976"/>
+            <a:ext cx="10515600" cy="5193373"/>
           </a:xfrm>
         </p:spPr>
         <p:txBody>
@@ -6966,39 +7318,92 @@
           <a:lstStyle/>
           <a:p>
             <a:r>
-              <a:rPr lang="ja-JP" altLang="en-US" sz="4400" b="1" u="sng" dirty="0"/>
-              <a:t>テンプレートクラス</a:t>
-            </a:r>
-            <a:endParaRPr lang="en-US" altLang="ja-JP" sz="4400" dirty="0"/>
-          </a:p>
-          <a:p>
-            <a:r>
-              <a:rPr lang="ja-JP" altLang="en-US" dirty="0"/>
-              <a:t>クラス定義についてもテンプレートを用いることができる</a:t>
+              <a:rPr kumimoji="1" lang="en-US" altLang="ja-JP" dirty="0" err="1"/>
+              <a:t>calc.h</a:t>
+            </a:r>
+            <a:r>
+              <a:rPr kumimoji="1" lang="ja-JP" altLang="en-US" dirty="0"/>
+              <a:t>　</a:t>
+            </a:r>
+            <a:r>
+              <a:rPr kumimoji="1" lang="en-US" altLang="ja-JP" dirty="0"/>
+              <a:t>(Sample503t)</a:t>
+            </a:r>
+            <a:br>
+              <a:rPr kumimoji="1" lang="en-US" altLang="ja-JP" dirty="0"/>
+            </a:br>
+            <a:br>
+              <a:rPr kumimoji="1" lang="en-US" altLang="ja-JP" dirty="0"/>
+            </a:br>
+            <a:br>
+              <a:rPr kumimoji="1" lang="en-US" altLang="ja-JP" dirty="0"/>
+            </a:br>
+            <a:br>
+              <a:rPr kumimoji="1" lang="en-US" altLang="ja-JP" dirty="0"/>
+            </a:br>
+            <a:br>
+              <a:rPr kumimoji="1" lang="en-US" altLang="ja-JP" dirty="0"/>
+            </a:br>
+            <a:endParaRPr kumimoji="1" lang="en-US" altLang="ja-JP" dirty="0"/>
+          </a:p>
+          <a:p>
+            <a:r>
+              <a:rPr kumimoji="1" lang="en-US" altLang="ja-JP" dirty="0"/>
+              <a:t>main.cpp</a:t>
+            </a:r>
+            <a:r>
+              <a:rPr kumimoji="1" lang="ja-JP" altLang="en-US" dirty="0"/>
+              <a:t>　</a:t>
+            </a:r>
+            <a:r>
+              <a:rPr kumimoji="1" lang="en-US" altLang="ja-JP" dirty="0"/>
+              <a:t>(Sample503t)</a:t>
             </a:r>
             <a:br>
               <a:rPr lang="en-US" altLang="ja-JP" dirty="0"/>
             </a:br>
-            <a:br>
-              <a:rPr lang="en-US" altLang="ja-JP" dirty="0"/>
-            </a:br>
-            <a:r>
-              <a:rPr lang="en-US" altLang="ja-JP" dirty="0"/>
-              <a:t>【</a:t>
-            </a:r>
-            <a:r>
-              <a:rPr lang="ja-JP" altLang="en-US" dirty="0"/>
-              <a:t>宣言方法</a:t>
-            </a:r>
-            <a:r>
-              <a:rPr lang="en-US" altLang="ja-JP" dirty="0"/>
-              <a:t>】</a:t>
-            </a:r>
-            <a:br>
-              <a:rPr lang="en-US" altLang="ja-JP" dirty="0"/>
-            </a:br>
-            <a:r>
-              <a:rPr lang="en-US" altLang="ja-JP" dirty="0">
+            <a:endParaRPr lang="en-US" altLang="ja-JP" dirty="0"/>
+          </a:p>
+          <a:p>
+            <a:endParaRPr lang="en-US" altLang="ja-JP" dirty="0"/>
+          </a:p>
+        </p:txBody>
+      </p:sp>
+      <p:sp>
+        <p:nvSpPr>
+          <p:cNvPr id="5" name="テキスト ボックス 4">
+            <a:extLst>
+              <a:ext uri="{FF2B5EF4-FFF2-40B4-BE49-F238E27FC236}">
+                <a16:creationId xmlns:a16="http://schemas.microsoft.com/office/drawing/2014/main" id="{9E32883C-0E37-4F07-9861-27609819CE8C}"/>
+              </a:ext>
+            </a:extLst>
+          </p:cNvPr>
+          <p:cNvSpPr txBox="1"/>
+          <p:nvPr/>
+        </p:nvSpPr>
+        <p:spPr>
+          <a:xfrm>
+            <a:off x="1048256" y="1786889"/>
+            <a:ext cx="10688220" cy="2062103"/>
+          </a:xfrm>
+          <a:prstGeom prst="rect">
+            <a:avLst/>
+          </a:prstGeom>
+          <a:noFill/>
+          <a:ln>
+            <a:solidFill>
+              <a:schemeClr val="tx1"/>
+            </a:solidFill>
+          </a:ln>
+        </p:spPr>
+        <p:txBody>
+          <a:bodyPr wrap="square" rtlCol="0">
+            <a:spAutoFit/>
+          </a:bodyPr>
+          <a:lstStyle/>
+          <a:p>
+            <a:r>
+              <a:rPr kumimoji="1" lang="en-US" altLang="ja-JP" sz="3200" dirty="0">
                 <a:solidFill>
                   <a:srgbClr val="FF0000"/>
                 </a:solidFill>
@@ -7006,7 +7411,7 @@
               <a:t>template &lt;</a:t>
             </a:r>
             <a:r>
-              <a:rPr lang="en-US" altLang="ja-JP" dirty="0" err="1">
+              <a:rPr kumimoji="1" lang="en-US" altLang="ja-JP" sz="3200" dirty="0" err="1">
                 <a:solidFill>
                   <a:srgbClr val="FF0000"/>
                 </a:solidFill>
@@ -7014,62 +7419,190 @@
               <a:t>typename</a:t>
             </a:r>
             <a:r>
-              <a:rPr lang="en-US" altLang="ja-JP" dirty="0">
-                <a:solidFill>
-                  <a:srgbClr val="FF0000"/>
-                </a:solidFill>
-              </a:rPr>
-              <a:t> T&gt;</a:t>
-            </a:r>
-            <a:br>
-              <a:rPr lang="en-US" altLang="ja-JP" dirty="0">
-                <a:solidFill>
-                  <a:srgbClr val="FF0000"/>
-                </a:solidFill>
-              </a:rPr>
-            </a:br>
-            <a:r>
-              <a:rPr lang="en-US" altLang="ja-JP" dirty="0">
-                <a:solidFill>
-                  <a:srgbClr val="FF0000"/>
-                </a:solidFill>
-              </a:rPr>
-              <a:t>class </a:t>
-            </a:r>
-            <a:r>
-              <a:rPr lang="ja-JP" altLang="en-US" dirty="0">
-                <a:solidFill>
-                  <a:srgbClr val="FF0000"/>
-                </a:solidFill>
-              </a:rPr>
-              <a:t>クラス名 </a:t>
-            </a:r>
-            <a:r>
-              <a:rPr lang="en-US" altLang="ja-JP" dirty="0">
-                <a:solidFill>
-                  <a:srgbClr val="FF0000"/>
-                </a:solidFill>
-              </a:rPr>
-              <a:t>{</a:t>
-            </a:r>
-            <a:br>
-              <a:rPr lang="en-US" altLang="ja-JP" dirty="0">
-                <a:solidFill>
-                  <a:srgbClr val="FF0000"/>
-                </a:solidFill>
-              </a:rPr>
-            </a:br>
-            <a:r>
-              <a:rPr lang="en-US" altLang="ja-JP" dirty="0">
+              <a:rPr kumimoji="1" lang="en-US" altLang="ja-JP" sz="3200" dirty="0">
+                <a:solidFill>
+                  <a:srgbClr val="FF0000"/>
+                </a:solidFill>
+              </a:rPr>
+              <a:t> T, </a:t>
+            </a:r>
+            <a:r>
+              <a:rPr kumimoji="1" lang="en-US" altLang="ja-JP" sz="3200" dirty="0" err="1">
+                <a:solidFill>
+                  <a:srgbClr val="FF0000"/>
+                </a:solidFill>
+              </a:rPr>
+              <a:t>typename</a:t>
+            </a:r>
+            <a:r>
+              <a:rPr kumimoji="1" lang="en-US" altLang="ja-JP" sz="3200" dirty="0">
+                <a:solidFill>
+                  <a:srgbClr val="FF0000"/>
+                </a:solidFill>
+              </a:rPr>
+              <a:t> U&gt;</a:t>
+            </a:r>
+          </a:p>
+          <a:p>
+            <a:r>
+              <a:rPr kumimoji="1" lang="en-US" altLang="ja-JP" sz="3200" dirty="0">
+                <a:solidFill>
+                  <a:srgbClr val="FF0000"/>
+                </a:solidFill>
+              </a:rPr>
+              <a:t>auto add(T a, U b) {</a:t>
+            </a:r>
+            <a:br>
+              <a:rPr kumimoji="1" lang="en-US" altLang="ja-JP" sz="3200" dirty="0">
+                <a:solidFill>
+                  <a:srgbClr val="FF0000"/>
+                </a:solidFill>
+              </a:rPr>
+            </a:br>
+            <a:r>
+              <a:rPr kumimoji="1" lang="en-US" altLang="ja-JP" sz="3200" dirty="0">
+                <a:solidFill>
+                  <a:srgbClr val="FF0000"/>
+                </a:solidFill>
+              </a:rPr>
+              <a:t>		return a + b;</a:t>
+            </a:r>
+          </a:p>
+          <a:p>
+            <a:r>
+              <a:rPr kumimoji="1" lang="en-US" altLang="ja-JP" sz="3200" dirty="0">
                 <a:solidFill>
                   <a:srgbClr val="FF0000"/>
                 </a:solidFill>
               </a:rPr>
               <a:t>};</a:t>
             </a:r>
-            <a:endParaRPr lang="en-US" altLang="ja-JP" sz="3200" dirty="0">
+            <a:endParaRPr kumimoji="1" lang="ja-JP" altLang="en-US" sz="3200" dirty="0"/>
+          </a:p>
+        </p:txBody>
+      </p:sp>
+      <p:sp>
+        <p:nvSpPr>
+          <p:cNvPr id="6" name="テキスト ボックス 5">
+            <a:extLst>
+              <a:ext uri="{FF2B5EF4-FFF2-40B4-BE49-F238E27FC236}">
+                <a16:creationId xmlns:a16="http://schemas.microsoft.com/office/drawing/2014/main" id="{6CD96987-1B2A-8258-0019-E86C27889FA7}"/>
+              </a:ext>
+            </a:extLst>
+          </p:cNvPr>
+          <p:cNvSpPr txBox="1"/>
+          <p:nvPr/>
+        </p:nvSpPr>
+        <p:spPr>
+          <a:xfrm>
+            <a:off x="1048256" y="4804709"/>
+            <a:ext cx="10688220" cy="1569660"/>
+          </a:xfrm>
+          <a:prstGeom prst="rect">
+            <a:avLst/>
+          </a:prstGeom>
+          <a:noFill/>
+          <a:ln>
+            <a:solidFill>
+              <a:schemeClr val="tx1"/>
+            </a:solidFill>
+          </a:ln>
+        </p:spPr>
+        <p:txBody>
+          <a:bodyPr wrap="square" rtlCol="0">
+            <a:spAutoFit/>
+          </a:bodyPr>
+          <a:lstStyle/>
+          <a:p>
+            <a:r>
+              <a:rPr kumimoji="1" lang="en-US" altLang="ja-JP" sz="3200" dirty="0" err="1">
+                <a:solidFill>
+                  <a:srgbClr val="FF0000"/>
+                </a:solidFill>
+              </a:rPr>
+              <a:t>cout</a:t>
+            </a:r>
+            <a:r>
+              <a:rPr kumimoji="1" lang="en-US" altLang="ja-JP" sz="3200" dirty="0">
+                <a:solidFill>
+                  <a:srgbClr val="FF0000"/>
+                </a:solidFill>
+              </a:rPr>
+              <a:t> &lt;&lt; 5 &lt;&lt; “+” &lt;&lt; 3.2 &lt;&lt; “=“ </a:t>
+            </a:r>
+            <a:br>
+              <a:rPr kumimoji="1" lang="en-US" altLang="ja-JP" sz="3200" dirty="0">
+                <a:solidFill>
+                  <a:srgbClr val="FF0000"/>
+                </a:solidFill>
+              </a:rPr>
+            </a:br>
+            <a:r>
+              <a:rPr kumimoji="1" lang="en-US" altLang="ja-JP" sz="3200" dirty="0">
+                <a:solidFill>
+                  <a:srgbClr val="FF0000"/>
+                </a:solidFill>
+              </a:rPr>
+              <a:t>	&lt;&lt; pC1-&gt;add(5, 3.2) &lt;&lt; </a:t>
+            </a:r>
+            <a:r>
+              <a:rPr kumimoji="1" lang="en-US" altLang="ja-JP" sz="3200" dirty="0" err="1">
+                <a:solidFill>
+                  <a:srgbClr val="FF0000"/>
+                </a:solidFill>
+              </a:rPr>
+              <a:t>endl</a:t>
+            </a:r>
+            <a:r>
+              <a:rPr kumimoji="1" lang="en-US" altLang="ja-JP" sz="3200" dirty="0">
+                <a:solidFill>
+                  <a:srgbClr val="FF0000"/>
+                </a:solidFill>
+              </a:rPr>
+              <a:t>;</a:t>
+            </a:r>
+            <a:br>
+              <a:rPr kumimoji="1" lang="en-US" altLang="ja-JP" sz="3200" dirty="0">
+                <a:solidFill>
+                  <a:srgbClr val="FF0000"/>
+                </a:solidFill>
+              </a:rPr>
+            </a:br>
+            <a:r>
+              <a:rPr kumimoji="1" lang="en-US" altLang="ja-JP" sz="3200" dirty="0">
+                <a:solidFill>
+                  <a:srgbClr val="FF0000"/>
+                </a:solidFill>
+              </a:rPr>
+              <a:t>         </a:t>
+            </a:r>
+            <a:r>
+              <a:rPr kumimoji="1" lang="ja-JP" altLang="en-US" sz="3200" dirty="0">
+                <a:solidFill>
+                  <a:srgbClr val="FF0000"/>
+                </a:solidFill>
+              </a:rPr>
+              <a:t>　　</a:t>
+            </a:r>
+            <a:r>
+              <a:rPr kumimoji="1" lang="en-US" altLang="ja-JP" sz="2800" dirty="0">
+                <a:solidFill>
+                  <a:srgbClr val="00B050"/>
+                </a:solidFill>
+              </a:rPr>
+              <a:t>//</a:t>
+            </a:r>
+            <a:r>
+              <a:rPr kumimoji="1" lang="ja-JP" altLang="en-US" sz="2800" dirty="0">
+                <a:solidFill>
+                  <a:srgbClr val="00B050"/>
+                </a:solidFill>
+              </a:rPr>
+              <a:t>整数と実数の足し算</a:t>
+            </a:r>
+            <a:endParaRPr kumimoji="1" lang="en-US" altLang="ja-JP" sz="3200" dirty="0">
               <a:solidFill>
-                <a:srgbClr val="0070C0"/>
+                <a:srgbClr val="00B050"/>
               </a:solidFill>
             </a:endParaRPr>
           </a:p>
@@ -7078,7 +7611,7 @@
     </p:spTree>
     <p:extLst>
       <p:ext uri="{BB962C8B-B14F-4D97-AF65-F5344CB8AC3E}">
-        <p14:creationId xmlns:p14="http://schemas.microsoft.com/office/powerpoint/2010/main" val="3723342302"/>
+        <p14:creationId xmlns:p14="http://schemas.microsoft.com/office/powerpoint/2010/main" val="699213161"/>
       </p:ext>
     </p:extLst>
   </p:cSld>

--- a/授業資料/講義資料：テンプレート.pptx
+++ b/授業資料/講義資料：テンプレート.pptx
@@ -5,18 +5,21 @@
     <p:sldMasterId id="2147483672" r:id="rId1"/>
   </p:sldMasterIdLst>
   <p:sldIdLst>
-    <p:sldId id="359" r:id="rId2"/>
-    <p:sldId id="360" r:id="rId3"/>
-    <p:sldId id="361" r:id="rId4"/>
-    <p:sldId id="362" r:id="rId5"/>
-    <p:sldId id="363" r:id="rId6"/>
-    <p:sldId id="364" r:id="rId7"/>
-    <p:sldId id="369" r:id="rId8"/>
-    <p:sldId id="370" r:id="rId9"/>
-    <p:sldId id="373" r:id="rId10"/>
-    <p:sldId id="371" r:id="rId11"/>
-    <p:sldId id="372" r:id="rId12"/>
-    <p:sldId id="374" r:id="rId13"/>
+    <p:sldId id="361" r:id="rId2"/>
+    <p:sldId id="375" r:id="rId3"/>
+    <p:sldId id="345" r:id="rId4"/>
+    <p:sldId id="376" r:id="rId5"/>
+    <p:sldId id="359" r:id="rId6"/>
+    <p:sldId id="360" r:id="rId7"/>
+    <p:sldId id="362" r:id="rId8"/>
+    <p:sldId id="363" r:id="rId9"/>
+    <p:sldId id="364" r:id="rId10"/>
+    <p:sldId id="369" r:id="rId11"/>
+    <p:sldId id="370" r:id="rId12"/>
+    <p:sldId id="373" r:id="rId13"/>
+    <p:sldId id="371" r:id="rId14"/>
+    <p:sldId id="372" r:id="rId15"/>
+    <p:sldId id="374" r:id="rId16"/>
   </p:sldIdLst>
   <p:sldSz cx="12192000" cy="6858000"/>
   <p:notesSz cx="6858000" cy="9144000"/>
@@ -254,7 +257,7 @@
           <a:p>
             <a:fld id="{5B96D3F8-CD2E-4A0D-AC38-517181EABB18}" type="datetimeFigureOut">
               <a:rPr kumimoji="1" lang="ja-JP" altLang="en-US" smtClean="0"/>
-              <a:t>2024/9/25</a:t>
+              <a:t>2024/10/4</a:t>
             </a:fld>
             <a:endParaRPr kumimoji="1" lang="ja-JP" altLang="en-US"/>
           </a:p>
@@ -456,7 +459,7 @@
           <a:p>
             <a:fld id="{5B96D3F8-CD2E-4A0D-AC38-517181EABB18}" type="datetimeFigureOut">
               <a:rPr kumimoji="1" lang="ja-JP" altLang="en-US" smtClean="0"/>
-              <a:t>2024/9/25</a:t>
+              <a:t>2024/10/4</a:t>
             </a:fld>
             <a:endParaRPr kumimoji="1" lang="ja-JP" altLang="en-US"/>
           </a:p>
@@ -668,7 +671,7 @@
           <a:p>
             <a:fld id="{5B96D3F8-CD2E-4A0D-AC38-517181EABB18}" type="datetimeFigureOut">
               <a:rPr kumimoji="1" lang="ja-JP" altLang="en-US" smtClean="0"/>
-              <a:t>2024/9/25</a:t>
+              <a:t>2024/10/4</a:t>
             </a:fld>
             <a:endParaRPr kumimoji="1" lang="ja-JP" altLang="en-US"/>
           </a:p>
@@ -870,7 +873,7 @@
           <a:p>
             <a:fld id="{5B96D3F8-CD2E-4A0D-AC38-517181EABB18}" type="datetimeFigureOut">
               <a:rPr kumimoji="1" lang="ja-JP" altLang="en-US" smtClean="0"/>
-              <a:t>2024/9/25</a:t>
+              <a:t>2024/10/4</a:t>
             </a:fld>
             <a:endParaRPr kumimoji="1" lang="ja-JP" altLang="en-US"/>
           </a:p>
@@ -1116,7 +1119,7 @@
           <a:p>
             <a:fld id="{5B96D3F8-CD2E-4A0D-AC38-517181EABB18}" type="datetimeFigureOut">
               <a:rPr kumimoji="1" lang="ja-JP" altLang="en-US" smtClean="0"/>
-              <a:t>2024/9/25</a:t>
+              <a:t>2024/10/4</a:t>
             </a:fld>
             <a:endParaRPr kumimoji="1" lang="ja-JP" altLang="en-US"/>
           </a:p>
@@ -1412,7 +1415,7 @@
           <a:p>
             <a:fld id="{5B96D3F8-CD2E-4A0D-AC38-517181EABB18}" type="datetimeFigureOut">
               <a:rPr kumimoji="1" lang="ja-JP" altLang="en-US" smtClean="0"/>
-              <a:t>2024/9/25</a:t>
+              <a:t>2024/10/4</a:t>
             </a:fld>
             <a:endParaRPr kumimoji="1" lang="ja-JP" altLang="en-US"/>
           </a:p>
@@ -1843,7 +1846,7 @@
           <a:p>
             <a:fld id="{5B96D3F8-CD2E-4A0D-AC38-517181EABB18}" type="datetimeFigureOut">
               <a:rPr kumimoji="1" lang="ja-JP" altLang="en-US" smtClean="0"/>
-              <a:t>2024/9/25</a:t>
+              <a:t>2024/10/4</a:t>
             </a:fld>
             <a:endParaRPr kumimoji="1" lang="ja-JP" altLang="en-US"/>
           </a:p>
@@ -1961,7 +1964,7 @@
           <a:p>
             <a:fld id="{5B96D3F8-CD2E-4A0D-AC38-517181EABB18}" type="datetimeFigureOut">
               <a:rPr kumimoji="1" lang="ja-JP" altLang="en-US" smtClean="0"/>
-              <a:t>2024/9/25</a:t>
+              <a:t>2024/10/4</a:t>
             </a:fld>
             <a:endParaRPr kumimoji="1" lang="ja-JP" altLang="en-US"/>
           </a:p>
@@ -2056,7 +2059,7 @@
           <a:p>
             <a:fld id="{5B96D3F8-CD2E-4A0D-AC38-517181EABB18}" type="datetimeFigureOut">
               <a:rPr kumimoji="1" lang="ja-JP" altLang="en-US" smtClean="0"/>
-              <a:t>2024/9/25</a:t>
+              <a:t>2024/10/4</a:t>
             </a:fld>
             <a:endParaRPr kumimoji="1" lang="ja-JP" altLang="en-US"/>
           </a:p>
@@ -2365,7 +2368,7 @@
           <a:p>
             <a:fld id="{5B96D3F8-CD2E-4A0D-AC38-517181EABB18}" type="datetimeFigureOut">
               <a:rPr kumimoji="1" lang="ja-JP" altLang="en-US" smtClean="0"/>
-              <a:t>2024/9/25</a:t>
+              <a:t>2024/10/4</a:t>
             </a:fld>
             <a:endParaRPr kumimoji="1" lang="ja-JP" altLang="en-US"/>
           </a:p>
@@ -2622,7 +2625,7 @@
           <a:p>
             <a:fld id="{5B96D3F8-CD2E-4A0D-AC38-517181EABB18}" type="datetimeFigureOut">
               <a:rPr kumimoji="1" lang="ja-JP" altLang="en-US" smtClean="0"/>
-              <a:t>2024/9/25</a:t>
+              <a:t>2024/10/4</a:t>
             </a:fld>
             <a:endParaRPr kumimoji="1" lang="ja-JP" altLang="en-US"/>
           </a:p>
@@ -2867,7 +2870,7 @@
           <a:p>
             <a:fld id="{5B96D3F8-CD2E-4A0D-AC38-517181EABB18}" type="datetimeFigureOut">
               <a:rPr kumimoji="1" lang="ja-JP" altLang="en-US" smtClean="0"/>
-              <a:t>2024/9/25</a:t>
+              <a:t>2024/10/4</a:t>
             </a:fld>
             <a:endParaRPr kumimoji="1" lang="ja-JP" altLang="en-US"/>
           </a:p>
@@ -3437,321 +3440,107 @@
               <a:rPr lang="ja-JP" altLang="en-US" sz="4400" b="1" u="sng" dirty="0"/>
               <a:t>関数テンプレート</a:t>
             </a:r>
-            <a:br>
-              <a:rPr lang="en-US" altLang="ja-JP" b="1" u="sng" dirty="0"/>
-            </a:br>
-            <a:br>
-              <a:rPr lang="en-US" altLang="ja-JP" sz="1800" dirty="0"/>
-            </a:br>
+            <a:endParaRPr lang="en-US" altLang="ja-JP" sz="4400" dirty="0"/>
+          </a:p>
+          <a:p>
+            <a:r>
+              <a:rPr lang="en-US" altLang="ja-JP" dirty="0"/>
+              <a:t>C++</a:t>
+            </a:r>
             <a:r>
               <a:rPr lang="ja-JP" altLang="en-US" dirty="0"/>
-              <a:t>メンバ関数のオーバーロード（多重定義）を行う</a:t>
+              <a:t>作業フォルダ内の</a:t>
+            </a:r>
+            <a:r>
+              <a:rPr lang="en-US" altLang="ja-JP" b="1" dirty="0"/>
+              <a:t>Sample503</a:t>
+            </a:r>
+            <a:r>
+              <a:rPr lang="ja-JP" altLang="en-US" dirty="0"/>
+              <a:t>フォルダを</a:t>
+            </a:r>
+            <a:r>
+              <a:rPr lang="en-US" altLang="ja-JP" b="1" dirty="0"/>
+              <a:t>Sample503t</a:t>
+            </a:r>
+            <a:r>
+              <a:rPr lang="ja-JP" altLang="en-US" dirty="0"/>
+              <a:t>フォルダとしてコピー</a:t>
             </a:r>
             <a:br>
               <a:rPr lang="en-US" altLang="ja-JP" dirty="0"/>
             </a:br>
+            <a:br>
+              <a:rPr lang="en-US" altLang="ja-JP" dirty="0">
+                <a:solidFill>
+                  <a:srgbClr val="00B0F0"/>
+                </a:solidFill>
+              </a:rPr>
+            </a:br>
+            <a:r>
+              <a:rPr lang="en-US" altLang="ja-JP" dirty="0">
+                <a:solidFill>
+                  <a:srgbClr val="00B0F0"/>
+                </a:solidFill>
+              </a:rPr>
+              <a:t>robocopy Sample503 Sample503t</a:t>
+            </a:r>
+            <a:br>
+              <a:rPr lang="en-US" altLang="ja-JP" dirty="0"/>
+            </a:br>
+            <a:r>
+              <a:rPr lang="en-US" altLang="ja-JP" dirty="0">
+                <a:solidFill>
+                  <a:srgbClr val="00B0F0"/>
+                </a:solidFill>
+              </a:rPr>
+              <a:t>cd Sample503t</a:t>
+            </a:r>
+            <a:br>
+              <a:rPr lang="en-US" altLang="ja-JP" dirty="0"/>
+            </a:br>
+            <a:endParaRPr lang="en-US" altLang="ja-JP" dirty="0"/>
+          </a:p>
+          <a:p>
+            <a:r>
+              <a:rPr lang="en-US" altLang="ja-JP" dirty="0" err="1"/>
+              <a:t>calc.h</a:t>
+            </a:r>
             <a:r>
               <a:rPr lang="ja-JP" altLang="en-US" dirty="0"/>
-              <a:t>ときに引数の数は同じだが、引数の型が異なる</a:t>
-            </a:r>
-            <a:br>
+              <a:t>， </a:t>
+            </a:r>
+            <a:r>
               <a:rPr lang="en-US" altLang="ja-JP" dirty="0"/>
-            </a:br>
+              <a:t>calc.cpp</a:t>
+            </a:r>
+            <a:r>
+              <a:rPr lang="ja-JP" altLang="en-US" dirty="0" err="1"/>
+              <a:t>，</a:t>
+            </a:r>
             <a:r>
               <a:rPr lang="ja-JP" altLang="en-US" dirty="0"/>
-              <a:t>と、似たような記述を何回もしないといけない</a:t>
-            </a:r>
-            <a:br>
+              <a:t> </a:t>
+            </a:r>
+            <a:r>
               <a:rPr lang="en-US" altLang="ja-JP" dirty="0"/>
-            </a:br>
+              <a:t>main.cpp</a:t>
+            </a:r>
+            <a:r>
+              <a:rPr lang="ja-JP" altLang="en-US" dirty="0"/>
+              <a:t>を変更</a:t>
+            </a:r>
             <a:br>
               <a:rPr lang="en-US" altLang="ja-JP" dirty="0"/>
             </a:br>
-            <a:br>
-              <a:rPr lang="en-US" altLang="ja-JP" dirty="0"/>
-            </a:br>
             <a:endParaRPr lang="en-US" altLang="ja-JP" sz="3200" dirty="0"/>
-          </a:p>
-        </p:txBody>
-      </p:sp>
-      <p:sp>
-        <p:nvSpPr>
-          <p:cNvPr id="4" name="テキスト ボックス 3">
-            <a:extLst>
-              <a:ext uri="{FF2B5EF4-FFF2-40B4-BE49-F238E27FC236}">
-                <a16:creationId xmlns:a16="http://schemas.microsoft.com/office/drawing/2014/main" id="{13D7D604-E293-095C-3CE4-9C5587FC1A86}"/>
-              </a:ext>
-            </a:extLst>
-          </p:cNvPr>
-          <p:cNvSpPr txBox="1"/>
-          <p:nvPr/>
-        </p:nvSpPr>
-        <p:spPr>
-          <a:xfrm>
-            <a:off x="1003804" y="3769679"/>
-            <a:ext cx="6699324" cy="2862322"/>
-          </a:xfrm>
-          <a:prstGeom prst="rect">
-            <a:avLst/>
-          </a:prstGeom>
-          <a:solidFill>
-            <a:schemeClr val="bg1"/>
-          </a:solidFill>
-          <a:ln>
-            <a:solidFill>
-              <a:schemeClr val="tx1"/>
-            </a:solidFill>
-          </a:ln>
-          <a:effectLst>
-            <a:outerShdw blurRad="50800" dist="38100" dir="2700000" algn="tl" rotWithShape="0">
-              <a:prstClr val="black">
-                <a:alpha val="40000"/>
-              </a:prstClr>
-            </a:outerShdw>
-          </a:effectLst>
-        </p:spPr>
-        <p:txBody>
-          <a:bodyPr wrap="square" rtlCol="0">
-            <a:spAutoFit/>
-          </a:bodyPr>
-          <a:lstStyle/>
-          <a:p>
-            <a:r>
-              <a:rPr kumimoji="1" lang="en-US" altLang="ja-JP" sz="2000" b="1" dirty="0">
-                <a:solidFill>
-                  <a:srgbClr val="00B0F0"/>
-                </a:solidFill>
-              </a:rPr>
-              <a:t>double</a:t>
-            </a:r>
-            <a:r>
-              <a:rPr kumimoji="1" lang="en-US" altLang="ja-JP" sz="2000" dirty="0"/>
-              <a:t> Calc::add(</a:t>
-            </a:r>
-            <a:r>
-              <a:rPr kumimoji="1" lang="en-US" altLang="ja-JP" sz="2000" dirty="0">
-                <a:solidFill>
-                  <a:srgbClr val="00B0F0"/>
-                </a:solidFill>
-              </a:rPr>
-              <a:t>double </a:t>
-            </a:r>
-            <a:r>
-              <a:rPr kumimoji="1" lang="en-US" altLang="ja-JP" sz="2000" dirty="0" err="1"/>
-              <a:t>a,</a:t>
-            </a:r>
-            <a:r>
-              <a:rPr kumimoji="1" lang="en-US" altLang="ja-JP" sz="2000" dirty="0" err="1">
-                <a:solidFill>
-                  <a:srgbClr val="00B0F0"/>
-                </a:solidFill>
-              </a:rPr>
-              <a:t>double</a:t>
-            </a:r>
-            <a:r>
-              <a:rPr kumimoji="1" lang="en-US" altLang="ja-JP" sz="2000" dirty="0">
-                <a:solidFill>
-                  <a:srgbClr val="00B0F0"/>
-                </a:solidFill>
-              </a:rPr>
-              <a:t> </a:t>
-            </a:r>
-            <a:r>
-              <a:rPr kumimoji="1" lang="en-US" altLang="ja-JP" sz="2000" dirty="0"/>
-              <a:t>b)</a:t>
-            </a:r>
-            <a:r>
-              <a:rPr kumimoji="1" lang="en-US" altLang="ja-JP" sz="2000" dirty="0">
-                <a:solidFill>
-                  <a:srgbClr val="00B0F0"/>
-                </a:solidFill>
-              </a:rPr>
-              <a:t> </a:t>
-            </a:r>
-            <a:r>
-              <a:rPr kumimoji="1" lang="en-US" altLang="ja-JP" sz="2000" dirty="0"/>
-              <a:t>{</a:t>
-            </a:r>
-          </a:p>
-          <a:p>
-            <a:r>
-              <a:rPr kumimoji="1" lang="en-US" altLang="ja-JP" sz="2000" dirty="0"/>
-              <a:t>	return a + b;</a:t>
-            </a:r>
-          </a:p>
-          <a:p>
-            <a:r>
-              <a:rPr kumimoji="1" lang="en-US" altLang="ja-JP" sz="2000" dirty="0"/>
-              <a:t>}</a:t>
-            </a:r>
-          </a:p>
-          <a:p>
-            <a:r>
-              <a:rPr kumimoji="1" lang="en-US" altLang="ja-JP" sz="2000" b="1" dirty="0">
-                <a:solidFill>
-                  <a:srgbClr val="FF0000"/>
-                </a:solidFill>
-              </a:rPr>
-              <a:t>int</a:t>
-            </a:r>
-            <a:r>
-              <a:rPr kumimoji="1" lang="en-US" altLang="ja-JP" sz="2000" dirty="0"/>
-              <a:t> Calc::add(</a:t>
-            </a:r>
-            <a:r>
-              <a:rPr kumimoji="1" lang="en-US" altLang="ja-JP" sz="2000" dirty="0">
-                <a:solidFill>
-                  <a:srgbClr val="FF0000"/>
-                </a:solidFill>
-              </a:rPr>
-              <a:t>int </a:t>
-            </a:r>
-            <a:r>
-              <a:rPr kumimoji="1" lang="en-US" altLang="ja-JP" sz="2000" dirty="0"/>
-              <a:t>a,</a:t>
-            </a:r>
-            <a:r>
-              <a:rPr kumimoji="1" lang="en-US" altLang="ja-JP" sz="2000" dirty="0">
-                <a:solidFill>
-                  <a:srgbClr val="FF0000"/>
-                </a:solidFill>
-              </a:rPr>
-              <a:t> int </a:t>
-            </a:r>
-            <a:r>
-              <a:rPr kumimoji="1" lang="en-US" altLang="ja-JP" sz="2000" dirty="0"/>
-              <a:t>b)</a:t>
-            </a:r>
-            <a:r>
-              <a:rPr kumimoji="1" lang="en-US" altLang="ja-JP" sz="2000" dirty="0">
-                <a:solidFill>
-                  <a:srgbClr val="FF0000"/>
-                </a:solidFill>
-              </a:rPr>
-              <a:t> </a:t>
-            </a:r>
-            <a:r>
-              <a:rPr kumimoji="1" lang="en-US" altLang="ja-JP" sz="2000" dirty="0"/>
-              <a:t>{</a:t>
-            </a:r>
-          </a:p>
-          <a:p>
-            <a:r>
-              <a:rPr kumimoji="1" lang="en-US" altLang="ja-JP" sz="2000" dirty="0"/>
-              <a:t>	return a + b;</a:t>
-            </a:r>
-          </a:p>
-          <a:p>
-            <a:r>
-              <a:rPr kumimoji="1" lang="en-US" altLang="ja-JP" sz="2000" dirty="0"/>
-              <a:t>}</a:t>
-            </a:r>
-            <a:br>
-              <a:rPr kumimoji="1" lang="en-US" altLang="ja-JP" sz="2000" dirty="0"/>
-            </a:br>
-            <a:r>
-              <a:rPr kumimoji="1" lang="en-US" altLang="ja-JP" sz="2000" b="1" dirty="0">
-                <a:solidFill>
-                  <a:srgbClr val="00B050"/>
-                </a:solidFill>
-              </a:rPr>
-              <a:t>string</a:t>
-            </a:r>
-            <a:r>
-              <a:rPr kumimoji="1" lang="en-US" altLang="ja-JP" sz="2000" dirty="0"/>
-              <a:t> Calc::add(</a:t>
-            </a:r>
-            <a:r>
-              <a:rPr kumimoji="1" lang="en-US" altLang="ja-JP" sz="2000" dirty="0">
-                <a:solidFill>
-                  <a:srgbClr val="00B050"/>
-                </a:solidFill>
-              </a:rPr>
-              <a:t>string </a:t>
-            </a:r>
-            <a:r>
-              <a:rPr kumimoji="1" lang="en-US" altLang="ja-JP" sz="2000" dirty="0"/>
-              <a:t>a,</a:t>
-            </a:r>
-            <a:r>
-              <a:rPr kumimoji="1" lang="en-US" altLang="ja-JP" sz="2000" dirty="0">
-                <a:solidFill>
-                  <a:srgbClr val="00B050"/>
-                </a:solidFill>
-              </a:rPr>
-              <a:t> string </a:t>
-            </a:r>
-            <a:r>
-              <a:rPr kumimoji="1" lang="en-US" altLang="ja-JP" sz="2000" dirty="0"/>
-              <a:t>b) {</a:t>
-            </a:r>
-          </a:p>
-          <a:p>
-            <a:r>
-              <a:rPr kumimoji="1" lang="en-US" altLang="ja-JP" sz="2000" dirty="0"/>
-              <a:t>  return a + b;</a:t>
-            </a:r>
-          </a:p>
-          <a:p>
-            <a:r>
-              <a:rPr kumimoji="1" lang="en-US" altLang="ja-JP" sz="2000" dirty="0"/>
-              <a:t>}</a:t>
-            </a:r>
-            <a:endParaRPr kumimoji="1" lang="ja-JP" altLang="en-US" sz="2000" dirty="0"/>
-          </a:p>
-        </p:txBody>
-      </p:sp>
-      <p:sp>
-        <p:nvSpPr>
-          <p:cNvPr id="6" name="テキスト ボックス 5">
-            <a:extLst>
-              <a:ext uri="{FF2B5EF4-FFF2-40B4-BE49-F238E27FC236}">
-                <a16:creationId xmlns:a16="http://schemas.microsoft.com/office/drawing/2014/main" id="{E57DA12E-3F50-9D67-8DC8-05794E67A480}"/>
-              </a:ext>
-            </a:extLst>
-          </p:cNvPr>
-          <p:cNvSpPr txBox="1"/>
-          <p:nvPr/>
-        </p:nvSpPr>
-        <p:spPr>
-          <a:xfrm>
-            <a:off x="7786254" y="5666509"/>
-            <a:ext cx="3597460" cy="954107"/>
-          </a:xfrm>
-          <a:prstGeom prst="rect">
-            <a:avLst/>
-          </a:prstGeom>
-          <a:noFill/>
-        </p:spPr>
-        <p:txBody>
-          <a:bodyPr wrap="none" rtlCol="0">
-            <a:spAutoFit/>
-          </a:bodyPr>
-          <a:lstStyle/>
-          <a:p>
-            <a:r>
-              <a:rPr kumimoji="1" lang="ja-JP" altLang="en-US" sz="2800" dirty="0"/>
-              <a:t>型名が異なるだけで</a:t>
-            </a:r>
-            <a:endParaRPr kumimoji="1" lang="en-US" altLang="ja-JP" sz="2800" dirty="0"/>
-          </a:p>
-          <a:p>
-            <a:r>
-              <a:rPr kumimoji="1" lang="ja-JP" altLang="en-US" sz="2800" dirty="0"/>
-              <a:t>処理内容はほぼ同じ</a:t>
-            </a:r>
-            <a:r>
-              <a:rPr kumimoji="1" lang="en-US" altLang="ja-JP" sz="2800" dirty="0"/>
-              <a:t>…</a:t>
-            </a:r>
-            <a:endParaRPr kumimoji="1" lang="ja-JP" altLang="en-US" sz="2800" dirty="0"/>
           </a:p>
         </p:txBody>
       </p:sp>
     </p:spTree>
     <p:extLst>
       <p:ext uri="{BB962C8B-B14F-4D97-AF65-F5344CB8AC3E}">
-        <p14:creationId xmlns:p14="http://schemas.microsoft.com/office/powerpoint/2010/main" val="4029243710"/>
+        <p14:creationId xmlns:p14="http://schemas.microsoft.com/office/powerpoint/2010/main" val="1946997171"/>
       </p:ext>
     </p:extLst>
   </p:cSld>
@@ -3837,18 +3626,15 @@
           <a:p>
             <a:r>
               <a:rPr lang="ja-JP" altLang="en-US" sz="4400" b="1" u="sng" dirty="0"/>
-              <a:t>テンプレートクラス</a:t>
+              <a:t>関数テンプレート</a:t>
             </a:r>
             <a:endParaRPr lang="en-US" altLang="ja-JP" sz="4400" dirty="0"/>
           </a:p>
           <a:p>
             <a:r>
               <a:rPr lang="ja-JP" altLang="en-US" dirty="0"/>
-              <a:t>クラス定義についてもテンプレートを用いることができる</a:t>
-            </a:r>
-            <a:br>
-              <a:rPr lang="en-US" altLang="ja-JP" dirty="0"/>
-            </a:br>
+              <a:t>テンプレートを用いることで、引数の数が同じだが引数の戻り値や型だけが異なる関数の記述をまとめることができる</a:t>
+            </a:r>
             <a:br>
               <a:rPr lang="en-US" altLang="ja-JP" dirty="0"/>
             </a:br>
@@ -3904,7 +3690,7 @@
                   <a:srgbClr val="FF0000"/>
                 </a:solidFill>
               </a:rPr>
-              <a:t>class </a:t>
+              <a:t>T </a:t>
             </a:r>
             <a:r>
               <a:rPr lang="ja-JP" altLang="en-US" dirty="0">
@@ -3912,7 +3698,7 @@
                   <a:srgbClr val="FF0000"/>
                 </a:solidFill>
               </a:rPr>
-              <a:t>クラス名 </a:t>
+              <a:t>関数名</a:t>
             </a:r>
             <a:r>
               <a:rPr lang="en-US" altLang="ja-JP" dirty="0">
@@ -3920,22 +3706,31 @@
                   <a:srgbClr val="FF0000"/>
                 </a:solidFill>
               </a:rPr>
-              <a:t>{</a:t>
-            </a:r>
-            <a:br>
+              <a:t>(T </a:t>
+            </a:r>
+            <a:r>
+              <a:rPr lang="ja-JP" altLang="en-US" dirty="0">
+                <a:solidFill>
+                  <a:srgbClr val="FF0000"/>
+                </a:solidFill>
+              </a:rPr>
+              <a:t>引数</a:t>
+            </a:r>
+            <a:r>
               <a:rPr lang="en-US" altLang="ja-JP" dirty="0">
                 <a:solidFill>
                   <a:srgbClr val="FF0000"/>
                 </a:solidFill>
               </a:rPr>
-            </a:br>
+              <a:t>1, T </a:t>
+            </a:r>
             <a:r>
               <a:rPr lang="ja-JP" altLang="en-US" dirty="0">
                 <a:solidFill>
                   <a:srgbClr val="FF0000"/>
                 </a:solidFill>
               </a:rPr>
-              <a:t>　　メンバ</a:t>
+              <a:t>引数</a:t>
             </a:r>
             <a:r>
               <a:rPr lang="en-US" altLang="ja-JP" dirty="0">
@@ -3943,22 +3738,128 @@
                   <a:srgbClr val="FF0000"/>
                 </a:solidFill>
               </a:rPr>
-              <a:t>…</a:t>
-            </a:r>
-            <a:br>
+              <a:t>2,</a:t>
+            </a:r>
+            <a:r>
+              <a:rPr lang="ja-JP" altLang="en-US" dirty="0">
+                <a:solidFill>
+                  <a:srgbClr val="FF0000"/>
+                </a:solidFill>
+              </a:rPr>
+              <a:t>・・・</a:t>
+            </a:r>
+            <a:r>
               <a:rPr lang="en-US" altLang="ja-JP" dirty="0">
                 <a:solidFill>
                   <a:srgbClr val="FF0000"/>
                 </a:solidFill>
               </a:rPr>
-            </a:br>
-            <a:r>
+              <a:t>)</a:t>
+            </a:r>
+            <a:br>
               <a:rPr lang="en-US" altLang="ja-JP" dirty="0">
                 <a:solidFill>
                   <a:srgbClr val="FF0000"/>
                 </a:solidFill>
               </a:rPr>
-              <a:t>};</a:t>
+            </a:br>
+            <a:br>
+              <a:rPr lang="en-US" altLang="ja-JP" dirty="0"/>
+            </a:br>
+            <a:r>
+              <a:rPr lang="en-US" altLang="ja-JP" dirty="0"/>
+              <a:t>【</a:t>
+            </a:r>
+            <a:r>
+              <a:rPr lang="ja-JP" altLang="en-US" dirty="0"/>
+              <a:t>実行方法</a:t>
+            </a:r>
+            <a:r>
+              <a:rPr lang="en-US" altLang="ja-JP" dirty="0"/>
+              <a:t>】</a:t>
+            </a:r>
+            <a:br>
+              <a:rPr lang="en-US" altLang="ja-JP" dirty="0"/>
+            </a:br>
+            <a:r>
+              <a:rPr lang="ja-JP" altLang="en-US" dirty="0">
+                <a:solidFill>
+                  <a:srgbClr val="0070C0"/>
+                </a:solidFill>
+              </a:rPr>
+              <a:t>関数名</a:t>
+            </a:r>
+            <a:r>
+              <a:rPr lang="en-US" altLang="ja-JP" dirty="0">
+                <a:solidFill>
+                  <a:srgbClr val="0070C0"/>
+                </a:solidFill>
+              </a:rPr>
+              <a:t>&lt;</a:t>
+            </a:r>
+            <a:r>
+              <a:rPr lang="ja-JP" altLang="en-US" dirty="0">
+                <a:solidFill>
+                  <a:srgbClr val="0070C0"/>
+                </a:solidFill>
+              </a:rPr>
+              <a:t>型名</a:t>
+            </a:r>
+            <a:r>
+              <a:rPr lang="en-US" altLang="ja-JP" dirty="0">
+                <a:solidFill>
+                  <a:srgbClr val="0070C0"/>
+                </a:solidFill>
+              </a:rPr>
+              <a:t>&gt;(</a:t>
+            </a:r>
+            <a:r>
+              <a:rPr lang="ja-JP" altLang="en-US" dirty="0">
+                <a:solidFill>
+                  <a:srgbClr val="0070C0"/>
+                </a:solidFill>
+              </a:rPr>
+              <a:t>引数</a:t>
+            </a:r>
+            <a:r>
+              <a:rPr lang="en-US" altLang="ja-JP" dirty="0">
+                <a:solidFill>
+                  <a:srgbClr val="0070C0"/>
+                </a:solidFill>
+              </a:rPr>
+              <a:t>1, </a:t>
+            </a:r>
+            <a:r>
+              <a:rPr lang="ja-JP" altLang="en-US" dirty="0">
+                <a:solidFill>
+                  <a:srgbClr val="0070C0"/>
+                </a:solidFill>
+              </a:rPr>
+              <a:t>引数</a:t>
+            </a:r>
+            <a:r>
+              <a:rPr lang="en-US" altLang="ja-JP" dirty="0">
+                <a:solidFill>
+                  <a:srgbClr val="0070C0"/>
+                </a:solidFill>
+              </a:rPr>
+              <a:t>2,</a:t>
+            </a:r>
+            <a:r>
+              <a:rPr lang="ja-JP" altLang="en-US" dirty="0">
+                <a:solidFill>
+                  <a:srgbClr val="0070C0"/>
+                </a:solidFill>
+              </a:rPr>
+              <a:t>・・・</a:t>
+            </a:r>
+            <a:r>
+              <a:rPr lang="en-US" altLang="ja-JP" dirty="0">
+                <a:solidFill>
+                  <a:srgbClr val="0070C0"/>
+                </a:solidFill>
+              </a:rPr>
+              <a:t>)</a:t>
             </a:r>
             <a:endParaRPr lang="en-US" altLang="ja-JP" sz="3200" dirty="0">
               <a:solidFill>
@@ -3971,7 +3872,7 @@
     </p:spTree>
     <p:extLst>
       <p:ext uri="{BB962C8B-B14F-4D97-AF65-F5344CB8AC3E}">
-        <p14:creationId xmlns:p14="http://schemas.microsoft.com/office/powerpoint/2010/main" val="3723342302"/>
+        <p14:creationId xmlns:p14="http://schemas.microsoft.com/office/powerpoint/2010/main" val="4247757912"/>
       </p:ext>
     </p:extLst>
   </p:cSld>
@@ -4057,6 +3958,979 @@
           <a:p>
             <a:r>
               <a:rPr lang="ja-JP" altLang="en-US" sz="4400" b="1" u="sng" dirty="0"/>
+              <a:t>関数テンプレート</a:t>
+            </a:r>
+            <a:endParaRPr lang="en-US" altLang="ja-JP" sz="4400" dirty="0"/>
+          </a:p>
+          <a:p>
+            <a:r>
+              <a:rPr lang="ja-JP" altLang="en-US" dirty="0"/>
+              <a:t>引数の型を複数もつテンプレート関数も定義可能</a:t>
+            </a:r>
+            <a:br>
+              <a:rPr lang="en-US" altLang="ja-JP" dirty="0"/>
+            </a:br>
+            <a:br>
+              <a:rPr lang="en-US" altLang="ja-JP" dirty="0"/>
+            </a:br>
+            <a:r>
+              <a:rPr lang="en-US" altLang="ja-JP" dirty="0"/>
+              <a:t>【</a:t>
+            </a:r>
+            <a:r>
+              <a:rPr lang="ja-JP" altLang="en-US" dirty="0"/>
+              <a:t>宣言方法</a:t>
+            </a:r>
+            <a:r>
+              <a:rPr lang="en-US" altLang="ja-JP" dirty="0"/>
+              <a:t>】</a:t>
+            </a:r>
+            <a:br>
+              <a:rPr lang="en-US" altLang="ja-JP" dirty="0"/>
+            </a:br>
+            <a:r>
+              <a:rPr lang="en-US" altLang="ja-JP" dirty="0">
+                <a:solidFill>
+                  <a:srgbClr val="FF0000"/>
+                </a:solidFill>
+              </a:rPr>
+              <a:t>template &lt;</a:t>
+            </a:r>
+            <a:r>
+              <a:rPr lang="en-US" altLang="ja-JP" dirty="0" err="1">
+                <a:solidFill>
+                  <a:srgbClr val="FF0000"/>
+                </a:solidFill>
+              </a:rPr>
+              <a:t>typename</a:t>
+            </a:r>
+            <a:r>
+              <a:rPr lang="en-US" altLang="ja-JP" dirty="0">
+                <a:solidFill>
+                  <a:srgbClr val="FF0000"/>
+                </a:solidFill>
+              </a:rPr>
+              <a:t> </a:t>
+            </a:r>
+            <a:r>
+              <a:rPr lang="en-US" altLang="ja-JP" b="1" dirty="0">
+                <a:solidFill>
+                  <a:srgbClr val="FF0000"/>
+                </a:solidFill>
+              </a:rPr>
+              <a:t>T</a:t>
+            </a:r>
+            <a:r>
+              <a:rPr lang="en-US" altLang="ja-JP" dirty="0">
+                <a:solidFill>
+                  <a:srgbClr val="FF0000"/>
+                </a:solidFill>
+              </a:rPr>
+              <a:t>, </a:t>
+            </a:r>
+            <a:r>
+              <a:rPr lang="en-US" altLang="ja-JP" dirty="0" err="1">
+                <a:solidFill>
+                  <a:srgbClr val="FF0000"/>
+                </a:solidFill>
+              </a:rPr>
+              <a:t>typename</a:t>
+            </a:r>
+            <a:r>
+              <a:rPr lang="en-US" altLang="ja-JP" dirty="0">
+                <a:solidFill>
+                  <a:srgbClr val="FF0000"/>
+                </a:solidFill>
+              </a:rPr>
+              <a:t> </a:t>
+            </a:r>
+            <a:r>
+              <a:rPr lang="en-US" altLang="ja-JP" b="1" dirty="0">
+                <a:solidFill>
+                  <a:srgbClr val="FF0000"/>
+                </a:solidFill>
+              </a:rPr>
+              <a:t>U</a:t>
+            </a:r>
+            <a:r>
+              <a:rPr lang="en-US" altLang="ja-JP" dirty="0">
+                <a:solidFill>
+                  <a:srgbClr val="FF0000"/>
+                </a:solidFill>
+              </a:rPr>
+              <a:t>&gt;</a:t>
+            </a:r>
+            <a:br>
+              <a:rPr lang="en-US" altLang="ja-JP" dirty="0">
+                <a:solidFill>
+                  <a:srgbClr val="FF0000"/>
+                </a:solidFill>
+              </a:rPr>
+            </a:br>
+            <a:r>
+              <a:rPr lang="en-US" altLang="ja-JP" b="1" dirty="0">
+                <a:solidFill>
+                  <a:srgbClr val="FF0000"/>
+                </a:solidFill>
+              </a:rPr>
+              <a:t>auto</a:t>
+            </a:r>
+            <a:r>
+              <a:rPr lang="en-US" altLang="ja-JP" dirty="0">
+                <a:solidFill>
+                  <a:srgbClr val="FF0000"/>
+                </a:solidFill>
+              </a:rPr>
+              <a:t> </a:t>
+            </a:r>
+            <a:r>
+              <a:rPr lang="ja-JP" altLang="en-US" dirty="0">
+                <a:solidFill>
+                  <a:srgbClr val="FF0000"/>
+                </a:solidFill>
+              </a:rPr>
+              <a:t>関数名</a:t>
+            </a:r>
+            <a:r>
+              <a:rPr lang="en-US" altLang="ja-JP" dirty="0">
+                <a:solidFill>
+                  <a:srgbClr val="FF0000"/>
+                </a:solidFill>
+              </a:rPr>
+              <a:t>(</a:t>
+            </a:r>
+            <a:r>
+              <a:rPr lang="en-US" altLang="ja-JP" b="1" dirty="0">
+                <a:solidFill>
+                  <a:srgbClr val="FF0000"/>
+                </a:solidFill>
+              </a:rPr>
+              <a:t>T</a:t>
+            </a:r>
+            <a:r>
+              <a:rPr lang="en-US" altLang="ja-JP" dirty="0">
+                <a:solidFill>
+                  <a:srgbClr val="FF0000"/>
+                </a:solidFill>
+              </a:rPr>
+              <a:t> </a:t>
+            </a:r>
+            <a:r>
+              <a:rPr lang="ja-JP" altLang="en-US" dirty="0">
+                <a:solidFill>
+                  <a:srgbClr val="FF0000"/>
+                </a:solidFill>
+              </a:rPr>
+              <a:t>引数</a:t>
+            </a:r>
+            <a:r>
+              <a:rPr lang="en-US" altLang="ja-JP" dirty="0">
+                <a:solidFill>
+                  <a:srgbClr val="FF0000"/>
+                </a:solidFill>
+              </a:rPr>
+              <a:t>1, </a:t>
+            </a:r>
+            <a:r>
+              <a:rPr lang="en-US" altLang="ja-JP" b="1" dirty="0">
+                <a:solidFill>
+                  <a:srgbClr val="FF0000"/>
+                </a:solidFill>
+              </a:rPr>
+              <a:t>U</a:t>
+            </a:r>
+            <a:r>
+              <a:rPr lang="en-US" altLang="ja-JP" dirty="0">
+                <a:solidFill>
+                  <a:srgbClr val="FF0000"/>
+                </a:solidFill>
+              </a:rPr>
+              <a:t> </a:t>
+            </a:r>
+            <a:r>
+              <a:rPr lang="ja-JP" altLang="en-US" dirty="0">
+                <a:solidFill>
+                  <a:srgbClr val="FF0000"/>
+                </a:solidFill>
+              </a:rPr>
+              <a:t>引数</a:t>
+            </a:r>
+            <a:r>
+              <a:rPr lang="en-US" altLang="ja-JP" dirty="0">
+                <a:solidFill>
+                  <a:srgbClr val="FF0000"/>
+                </a:solidFill>
+              </a:rPr>
+              <a:t>2)</a:t>
+            </a:r>
+            <a:br>
+              <a:rPr lang="en-US" altLang="ja-JP" dirty="0">
+                <a:solidFill>
+                  <a:srgbClr val="FF0000"/>
+                </a:solidFill>
+              </a:rPr>
+            </a:br>
+            <a:br>
+              <a:rPr lang="en-US" altLang="ja-JP" dirty="0"/>
+            </a:br>
+            <a:r>
+              <a:rPr lang="en-US" altLang="ja-JP" dirty="0"/>
+              <a:t>【</a:t>
+            </a:r>
+            <a:r>
+              <a:rPr lang="ja-JP" altLang="en-US" dirty="0"/>
+              <a:t>実行方法</a:t>
+            </a:r>
+            <a:r>
+              <a:rPr lang="en-US" altLang="ja-JP" dirty="0"/>
+              <a:t>】</a:t>
+            </a:r>
+            <a:br>
+              <a:rPr lang="en-US" altLang="ja-JP" dirty="0"/>
+            </a:br>
+            <a:r>
+              <a:rPr lang="ja-JP" altLang="en-US" dirty="0">
+                <a:solidFill>
+                  <a:srgbClr val="0070C0"/>
+                </a:solidFill>
+              </a:rPr>
+              <a:t>関数名</a:t>
+            </a:r>
+            <a:r>
+              <a:rPr lang="en-US" altLang="ja-JP" dirty="0">
+                <a:solidFill>
+                  <a:srgbClr val="0070C0"/>
+                </a:solidFill>
+              </a:rPr>
+              <a:t>(</a:t>
+            </a:r>
+            <a:r>
+              <a:rPr lang="ja-JP" altLang="en-US" dirty="0">
+                <a:solidFill>
+                  <a:srgbClr val="0070C0"/>
+                </a:solidFill>
+              </a:rPr>
+              <a:t>引数</a:t>
+            </a:r>
+            <a:r>
+              <a:rPr lang="en-US" altLang="ja-JP" dirty="0">
+                <a:solidFill>
+                  <a:srgbClr val="0070C0"/>
+                </a:solidFill>
+              </a:rPr>
+              <a:t>1, </a:t>
+            </a:r>
+            <a:r>
+              <a:rPr lang="ja-JP" altLang="en-US" dirty="0">
+                <a:solidFill>
+                  <a:srgbClr val="0070C0"/>
+                </a:solidFill>
+              </a:rPr>
+              <a:t>引数</a:t>
+            </a:r>
+            <a:r>
+              <a:rPr lang="en-US" altLang="ja-JP" dirty="0">
+                <a:solidFill>
+                  <a:srgbClr val="0070C0"/>
+                </a:solidFill>
+              </a:rPr>
+              <a:t>2)</a:t>
+            </a:r>
+            <a:endParaRPr lang="en-US" altLang="ja-JP" sz="3200" dirty="0">
+              <a:solidFill>
+                <a:srgbClr val="0070C0"/>
+              </a:solidFill>
+            </a:endParaRPr>
+          </a:p>
+        </p:txBody>
+      </p:sp>
+    </p:spTree>
+    <p:extLst>
+      <p:ext uri="{BB962C8B-B14F-4D97-AF65-F5344CB8AC3E}">
+        <p14:creationId xmlns:p14="http://schemas.microsoft.com/office/powerpoint/2010/main" val="2495998508"/>
+      </p:ext>
+    </p:extLst>
+  </p:cSld>
+  <p:clrMapOvr>
+    <a:masterClrMapping/>
+  </p:clrMapOvr>
+</p:sld>
+</file>
+
+<file path=ppt/slides/slide12.xml><?xml version="1.0" encoding="utf-8"?>
+<p:sld xmlns:a="http://schemas.openxmlformats.org/drawingml/2006/main" xmlns:r="http://schemas.openxmlformats.org/officeDocument/2006/relationships" xmlns:p="http://schemas.openxmlformats.org/presentationml/2006/main">
+  <p:cSld>
+    <p:spTree>
+      <p:nvGrpSpPr>
+        <p:cNvPr id="1" name=""/>
+        <p:cNvGrpSpPr/>
+        <p:nvPr/>
+      </p:nvGrpSpPr>
+      <p:grpSpPr>
+        <a:xfrm>
+          <a:off x="0" y="0"/>
+          <a:ext cx="0" cy="0"/>
+          <a:chOff x="0" y="0"/>
+          <a:chExt cx="0" cy="0"/>
+        </a:xfrm>
+      </p:grpSpPr>
+      <p:sp>
+        <p:nvSpPr>
+          <p:cNvPr id="2" name="タイトル 1">
+            <a:extLst>
+              <a:ext uri="{FF2B5EF4-FFF2-40B4-BE49-F238E27FC236}">
+                <a16:creationId xmlns:a16="http://schemas.microsoft.com/office/drawing/2014/main" id="{F11F3668-F205-48C5-AC01-19611EFE561B}"/>
+              </a:ext>
+            </a:extLst>
+          </p:cNvPr>
+          <p:cNvSpPr>
+            <a:spLocks noGrp="1"/>
+          </p:cNvSpPr>
+          <p:nvPr>
+            <p:ph type="title"/>
+          </p:nvPr>
+        </p:nvSpPr>
+        <p:spPr/>
+        <p:txBody>
+          <a:bodyPr/>
+          <a:lstStyle/>
+          <a:p>
+            <a:r>
+              <a:rPr lang="ja-JP" altLang="en-US" dirty="0"/>
+              <a:t>テンプレート</a:t>
+            </a:r>
+            <a:endParaRPr kumimoji="1" lang="ja-JP" altLang="en-US" dirty="0"/>
+          </a:p>
+        </p:txBody>
+      </p:sp>
+      <p:sp>
+        <p:nvSpPr>
+          <p:cNvPr id="3" name="コンテンツ プレースホルダー 2">
+            <a:extLst>
+              <a:ext uri="{FF2B5EF4-FFF2-40B4-BE49-F238E27FC236}">
+                <a16:creationId xmlns:a16="http://schemas.microsoft.com/office/drawing/2014/main" id="{64DBE417-57E9-44A6-BB52-B2F9986BB7B2}"/>
+              </a:ext>
+            </a:extLst>
+          </p:cNvPr>
+          <p:cNvSpPr>
+            <a:spLocks noGrp="1"/>
+          </p:cNvSpPr>
+          <p:nvPr>
+            <p:ph idx="1"/>
+          </p:nvPr>
+        </p:nvSpPr>
+        <p:spPr>
+          <a:xfrm>
+            <a:off x="838200" y="1162976"/>
+            <a:ext cx="10515600" cy="5193373"/>
+          </a:xfrm>
+        </p:spPr>
+        <p:txBody>
+          <a:bodyPr>
+            <a:normAutofit/>
+          </a:bodyPr>
+          <a:lstStyle/>
+          <a:p>
+            <a:r>
+              <a:rPr kumimoji="1" lang="en-US" altLang="ja-JP" dirty="0" err="1"/>
+              <a:t>calc.h</a:t>
+            </a:r>
+            <a:r>
+              <a:rPr kumimoji="1" lang="ja-JP" altLang="en-US" dirty="0"/>
+              <a:t>　</a:t>
+            </a:r>
+            <a:r>
+              <a:rPr kumimoji="1" lang="en-US" altLang="ja-JP" dirty="0"/>
+              <a:t>(Sample503t)</a:t>
+            </a:r>
+            <a:br>
+              <a:rPr kumimoji="1" lang="en-US" altLang="ja-JP" dirty="0"/>
+            </a:br>
+            <a:br>
+              <a:rPr kumimoji="1" lang="en-US" altLang="ja-JP" dirty="0"/>
+            </a:br>
+            <a:br>
+              <a:rPr kumimoji="1" lang="en-US" altLang="ja-JP" dirty="0"/>
+            </a:br>
+            <a:br>
+              <a:rPr kumimoji="1" lang="en-US" altLang="ja-JP" dirty="0"/>
+            </a:br>
+            <a:br>
+              <a:rPr kumimoji="1" lang="en-US" altLang="ja-JP" dirty="0"/>
+            </a:br>
+            <a:endParaRPr kumimoji="1" lang="en-US" altLang="ja-JP" dirty="0"/>
+          </a:p>
+          <a:p>
+            <a:r>
+              <a:rPr kumimoji="1" lang="en-US" altLang="ja-JP" dirty="0"/>
+              <a:t>main.cpp</a:t>
+            </a:r>
+            <a:r>
+              <a:rPr kumimoji="1" lang="ja-JP" altLang="en-US" dirty="0"/>
+              <a:t>　</a:t>
+            </a:r>
+            <a:r>
+              <a:rPr kumimoji="1" lang="en-US" altLang="ja-JP" dirty="0"/>
+              <a:t>(Sample503t)</a:t>
+            </a:r>
+            <a:br>
+              <a:rPr lang="en-US" altLang="ja-JP" dirty="0"/>
+            </a:br>
+            <a:endParaRPr lang="en-US" altLang="ja-JP" dirty="0"/>
+          </a:p>
+          <a:p>
+            <a:endParaRPr lang="en-US" altLang="ja-JP" dirty="0"/>
+          </a:p>
+        </p:txBody>
+      </p:sp>
+      <p:sp>
+        <p:nvSpPr>
+          <p:cNvPr id="5" name="テキスト ボックス 4">
+            <a:extLst>
+              <a:ext uri="{FF2B5EF4-FFF2-40B4-BE49-F238E27FC236}">
+                <a16:creationId xmlns:a16="http://schemas.microsoft.com/office/drawing/2014/main" id="{9E32883C-0E37-4F07-9861-27609819CE8C}"/>
+              </a:ext>
+            </a:extLst>
+          </p:cNvPr>
+          <p:cNvSpPr txBox="1"/>
+          <p:nvPr/>
+        </p:nvSpPr>
+        <p:spPr>
+          <a:xfrm>
+            <a:off x="1048256" y="1786889"/>
+            <a:ext cx="10688220" cy="2062103"/>
+          </a:xfrm>
+          <a:prstGeom prst="rect">
+            <a:avLst/>
+          </a:prstGeom>
+          <a:noFill/>
+          <a:ln>
+            <a:solidFill>
+              <a:schemeClr val="tx1"/>
+            </a:solidFill>
+          </a:ln>
+        </p:spPr>
+        <p:txBody>
+          <a:bodyPr wrap="square" rtlCol="0">
+            <a:spAutoFit/>
+          </a:bodyPr>
+          <a:lstStyle/>
+          <a:p>
+            <a:r>
+              <a:rPr kumimoji="1" lang="en-US" altLang="ja-JP" sz="3200" dirty="0">
+                <a:solidFill>
+                  <a:srgbClr val="FF0000"/>
+                </a:solidFill>
+              </a:rPr>
+              <a:t>template &lt;</a:t>
+            </a:r>
+            <a:r>
+              <a:rPr kumimoji="1" lang="en-US" altLang="ja-JP" sz="3200" dirty="0" err="1">
+                <a:solidFill>
+                  <a:srgbClr val="FF0000"/>
+                </a:solidFill>
+              </a:rPr>
+              <a:t>typename</a:t>
+            </a:r>
+            <a:r>
+              <a:rPr kumimoji="1" lang="en-US" altLang="ja-JP" sz="3200" dirty="0">
+                <a:solidFill>
+                  <a:srgbClr val="FF0000"/>
+                </a:solidFill>
+              </a:rPr>
+              <a:t> T, </a:t>
+            </a:r>
+            <a:r>
+              <a:rPr kumimoji="1" lang="en-US" altLang="ja-JP" sz="3200" dirty="0" err="1">
+                <a:solidFill>
+                  <a:srgbClr val="FF0000"/>
+                </a:solidFill>
+              </a:rPr>
+              <a:t>typename</a:t>
+            </a:r>
+            <a:r>
+              <a:rPr kumimoji="1" lang="en-US" altLang="ja-JP" sz="3200" dirty="0">
+                <a:solidFill>
+                  <a:srgbClr val="FF0000"/>
+                </a:solidFill>
+              </a:rPr>
+              <a:t> U&gt;</a:t>
+            </a:r>
+          </a:p>
+          <a:p>
+            <a:r>
+              <a:rPr kumimoji="1" lang="en-US" altLang="ja-JP" sz="3200" dirty="0">
+                <a:solidFill>
+                  <a:srgbClr val="FF0000"/>
+                </a:solidFill>
+              </a:rPr>
+              <a:t>auto add(T a, U b) {</a:t>
+            </a:r>
+            <a:br>
+              <a:rPr kumimoji="1" lang="en-US" altLang="ja-JP" sz="3200" dirty="0">
+                <a:solidFill>
+                  <a:srgbClr val="FF0000"/>
+                </a:solidFill>
+              </a:rPr>
+            </a:br>
+            <a:r>
+              <a:rPr kumimoji="1" lang="en-US" altLang="ja-JP" sz="3200" dirty="0">
+                <a:solidFill>
+                  <a:srgbClr val="FF0000"/>
+                </a:solidFill>
+              </a:rPr>
+              <a:t>		return a + b;</a:t>
+            </a:r>
+          </a:p>
+          <a:p>
+            <a:r>
+              <a:rPr kumimoji="1" lang="en-US" altLang="ja-JP" sz="3200" dirty="0">
+                <a:solidFill>
+                  <a:srgbClr val="FF0000"/>
+                </a:solidFill>
+              </a:rPr>
+              <a:t>};</a:t>
+            </a:r>
+            <a:endParaRPr kumimoji="1" lang="ja-JP" altLang="en-US" sz="3200" dirty="0"/>
+          </a:p>
+        </p:txBody>
+      </p:sp>
+      <p:sp>
+        <p:nvSpPr>
+          <p:cNvPr id="6" name="テキスト ボックス 5">
+            <a:extLst>
+              <a:ext uri="{FF2B5EF4-FFF2-40B4-BE49-F238E27FC236}">
+                <a16:creationId xmlns:a16="http://schemas.microsoft.com/office/drawing/2014/main" id="{6CD96987-1B2A-8258-0019-E86C27889FA7}"/>
+              </a:ext>
+            </a:extLst>
+          </p:cNvPr>
+          <p:cNvSpPr txBox="1"/>
+          <p:nvPr/>
+        </p:nvSpPr>
+        <p:spPr>
+          <a:xfrm>
+            <a:off x="1048256" y="4804709"/>
+            <a:ext cx="10688220" cy="1569660"/>
+          </a:xfrm>
+          <a:prstGeom prst="rect">
+            <a:avLst/>
+          </a:prstGeom>
+          <a:noFill/>
+          <a:ln>
+            <a:solidFill>
+              <a:schemeClr val="tx1"/>
+            </a:solidFill>
+          </a:ln>
+        </p:spPr>
+        <p:txBody>
+          <a:bodyPr wrap="square" rtlCol="0">
+            <a:spAutoFit/>
+          </a:bodyPr>
+          <a:lstStyle/>
+          <a:p>
+            <a:r>
+              <a:rPr kumimoji="1" lang="en-US" altLang="ja-JP" sz="3200" dirty="0" err="1">
+                <a:solidFill>
+                  <a:srgbClr val="FF0000"/>
+                </a:solidFill>
+              </a:rPr>
+              <a:t>cout</a:t>
+            </a:r>
+            <a:r>
+              <a:rPr kumimoji="1" lang="en-US" altLang="ja-JP" sz="3200" dirty="0">
+                <a:solidFill>
+                  <a:srgbClr val="FF0000"/>
+                </a:solidFill>
+              </a:rPr>
+              <a:t> &lt;&lt; 5 &lt;&lt; “+” &lt;&lt; 3.2 &lt;&lt; “=“ </a:t>
+            </a:r>
+            <a:br>
+              <a:rPr kumimoji="1" lang="en-US" altLang="ja-JP" sz="3200" dirty="0">
+                <a:solidFill>
+                  <a:srgbClr val="FF0000"/>
+                </a:solidFill>
+              </a:rPr>
+            </a:br>
+            <a:r>
+              <a:rPr kumimoji="1" lang="en-US" altLang="ja-JP" sz="3200" dirty="0">
+                <a:solidFill>
+                  <a:srgbClr val="FF0000"/>
+                </a:solidFill>
+              </a:rPr>
+              <a:t>	&lt;&lt; pC1-&gt;add(5, 3.2) &lt;&lt; </a:t>
+            </a:r>
+            <a:r>
+              <a:rPr kumimoji="1" lang="en-US" altLang="ja-JP" sz="3200" dirty="0" err="1">
+                <a:solidFill>
+                  <a:srgbClr val="FF0000"/>
+                </a:solidFill>
+              </a:rPr>
+              <a:t>endl</a:t>
+            </a:r>
+            <a:r>
+              <a:rPr kumimoji="1" lang="en-US" altLang="ja-JP" sz="3200" dirty="0">
+                <a:solidFill>
+                  <a:srgbClr val="FF0000"/>
+                </a:solidFill>
+              </a:rPr>
+              <a:t>;</a:t>
+            </a:r>
+            <a:br>
+              <a:rPr kumimoji="1" lang="en-US" altLang="ja-JP" sz="3200" dirty="0">
+                <a:solidFill>
+                  <a:srgbClr val="FF0000"/>
+                </a:solidFill>
+              </a:rPr>
+            </a:br>
+            <a:r>
+              <a:rPr kumimoji="1" lang="en-US" altLang="ja-JP" sz="3200" dirty="0">
+                <a:solidFill>
+                  <a:srgbClr val="FF0000"/>
+                </a:solidFill>
+              </a:rPr>
+              <a:t>         </a:t>
+            </a:r>
+            <a:r>
+              <a:rPr kumimoji="1" lang="ja-JP" altLang="en-US" sz="3200" dirty="0">
+                <a:solidFill>
+                  <a:srgbClr val="FF0000"/>
+                </a:solidFill>
+              </a:rPr>
+              <a:t>　　</a:t>
+            </a:r>
+            <a:r>
+              <a:rPr kumimoji="1" lang="en-US" altLang="ja-JP" sz="2800" dirty="0">
+                <a:solidFill>
+                  <a:srgbClr val="00B050"/>
+                </a:solidFill>
+              </a:rPr>
+              <a:t>//</a:t>
+            </a:r>
+            <a:r>
+              <a:rPr kumimoji="1" lang="ja-JP" altLang="en-US" sz="2800" dirty="0">
+                <a:solidFill>
+                  <a:srgbClr val="00B050"/>
+                </a:solidFill>
+              </a:rPr>
+              <a:t>整数と実数の足し算</a:t>
+            </a:r>
+            <a:endParaRPr kumimoji="1" lang="en-US" altLang="ja-JP" sz="3200" dirty="0">
+              <a:solidFill>
+                <a:srgbClr val="00B050"/>
+              </a:solidFill>
+            </a:endParaRPr>
+          </a:p>
+        </p:txBody>
+      </p:sp>
+    </p:spTree>
+    <p:extLst>
+      <p:ext uri="{BB962C8B-B14F-4D97-AF65-F5344CB8AC3E}">
+        <p14:creationId xmlns:p14="http://schemas.microsoft.com/office/powerpoint/2010/main" val="699213161"/>
+      </p:ext>
+    </p:extLst>
+  </p:cSld>
+  <p:clrMapOvr>
+    <a:masterClrMapping/>
+  </p:clrMapOvr>
+</p:sld>
+</file>
+
+<file path=ppt/slides/slide13.xml><?xml version="1.0" encoding="utf-8"?>
+<p:sld xmlns:a="http://schemas.openxmlformats.org/drawingml/2006/main" xmlns:r="http://schemas.openxmlformats.org/officeDocument/2006/relationships" xmlns:p="http://schemas.openxmlformats.org/presentationml/2006/main">
+  <p:cSld>
+    <p:spTree>
+      <p:nvGrpSpPr>
+        <p:cNvPr id="1" name=""/>
+        <p:cNvGrpSpPr/>
+        <p:nvPr/>
+      </p:nvGrpSpPr>
+      <p:grpSpPr>
+        <a:xfrm>
+          <a:off x="0" y="0"/>
+          <a:ext cx="0" cy="0"/>
+          <a:chOff x="0" y="0"/>
+          <a:chExt cx="0" cy="0"/>
+        </a:xfrm>
+      </p:grpSpPr>
+      <p:sp>
+        <p:nvSpPr>
+          <p:cNvPr id="2" name="タイトル 1">
+            <a:extLst>
+              <a:ext uri="{FF2B5EF4-FFF2-40B4-BE49-F238E27FC236}">
+                <a16:creationId xmlns:a16="http://schemas.microsoft.com/office/drawing/2014/main" id="{9F789731-37C4-49DD-AEE8-78E5514E279E}"/>
+              </a:ext>
+            </a:extLst>
+          </p:cNvPr>
+          <p:cNvSpPr>
+            <a:spLocks noGrp="1"/>
+          </p:cNvSpPr>
+          <p:nvPr>
+            <p:ph type="title"/>
+          </p:nvPr>
+        </p:nvSpPr>
+        <p:spPr/>
+        <p:txBody>
+          <a:bodyPr/>
+          <a:lstStyle/>
+          <a:p>
+            <a:r>
+              <a:rPr lang="ja-JP" altLang="en-US" dirty="0"/>
+              <a:t>テンプレート</a:t>
+            </a:r>
+            <a:endParaRPr kumimoji="1" lang="ja-JP" altLang="en-US" dirty="0"/>
+          </a:p>
+        </p:txBody>
+      </p:sp>
+      <p:sp>
+        <p:nvSpPr>
+          <p:cNvPr id="3" name="コンテンツ プレースホルダー 2">
+            <a:extLst>
+              <a:ext uri="{FF2B5EF4-FFF2-40B4-BE49-F238E27FC236}">
+                <a16:creationId xmlns:a16="http://schemas.microsoft.com/office/drawing/2014/main" id="{39562F0E-6033-40BD-BCB8-F015661306FD}"/>
+              </a:ext>
+            </a:extLst>
+          </p:cNvPr>
+          <p:cNvSpPr>
+            <a:spLocks noGrp="1"/>
+          </p:cNvSpPr>
+          <p:nvPr>
+            <p:ph idx="1"/>
+          </p:nvPr>
+        </p:nvSpPr>
+        <p:spPr>
+          <a:xfrm>
+            <a:off x="838200" y="1376038"/>
+            <a:ext cx="10515600" cy="5374958"/>
+          </a:xfrm>
+        </p:spPr>
+        <p:txBody>
+          <a:bodyPr>
+            <a:normAutofit/>
+          </a:bodyPr>
+          <a:lstStyle/>
+          <a:p>
+            <a:r>
+              <a:rPr lang="ja-JP" altLang="en-US" sz="4400" b="1" u="sng" dirty="0"/>
+              <a:t>テンプレートクラス</a:t>
+            </a:r>
+            <a:endParaRPr lang="en-US" altLang="ja-JP" sz="4400" dirty="0"/>
+          </a:p>
+          <a:p>
+            <a:r>
+              <a:rPr lang="ja-JP" altLang="en-US" dirty="0"/>
+              <a:t>クラス定義についてもテンプレートを用いることができる</a:t>
+            </a:r>
+            <a:br>
+              <a:rPr lang="en-US" altLang="ja-JP" dirty="0"/>
+            </a:br>
+            <a:br>
+              <a:rPr lang="en-US" altLang="ja-JP" dirty="0"/>
+            </a:br>
+            <a:r>
+              <a:rPr lang="en-US" altLang="ja-JP" dirty="0"/>
+              <a:t>【</a:t>
+            </a:r>
+            <a:r>
+              <a:rPr lang="ja-JP" altLang="en-US" dirty="0"/>
+              <a:t>宣言方法</a:t>
+            </a:r>
+            <a:r>
+              <a:rPr lang="en-US" altLang="ja-JP" dirty="0"/>
+              <a:t>】</a:t>
+            </a:r>
+            <a:br>
+              <a:rPr lang="en-US" altLang="ja-JP" dirty="0"/>
+            </a:br>
+            <a:r>
+              <a:rPr lang="en-US" altLang="ja-JP" dirty="0">
+                <a:solidFill>
+                  <a:srgbClr val="FF0000"/>
+                </a:solidFill>
+              </a:rPr>
+              <a:t>template &lt;</a:t>
+            </a:r>
+            <a:r>
+              <a:rPr lang="en-US" altLang="ja-JP" dirty="0" err="1">
+                <a:solidFill>
+                  <a:srgbClr val="FF0000"/>
+                </a:solidFill>
+              </a:rPr>
+              <a:t>typename</a:t>
+            </a:r>
+            <a:r>
+              <a:rPr lang="en-US" altLang="ja-JP" dirty="0">
+                <a:solidFill>
+                  <a:srgbClr val="FF0000"/>
+                </a:solidFill>
+              </a:rPr>
+              <a:t> T&gt;</a:t>
+            </a:r>
+            <a:br>
+              <a:rPr lang="en-US" altLang="ja-JP" dirty="0">
+                <a:solidFill>
+                  <a:srgbClr val="FF0000"/>
+                </a:solidFill>
+              </a:rPr>
+            </a:br>
+            <a:r>
+              <a:rPr lang="en-US" altLang="ja-JP" dirty="0">
+                <a:solidFill>
+                  <a:srgbClr val="FF0000"/>
+                </a:solidFill>
+              </a:rPr>
+              <a:t>class </a:t>
+            </a:r>
+            <a:r>
+              <a:rPr lang="ja-JP" altLang="en-US" dirty="0">
+                <a:solidFill>
+                  <a:srgbClr val="FF0000"/>
+                </a:solidFill>
+              </a:rPr>
+              <a:t>クラス名 </a:t>
+            </a:r>
+            <a:r>
+              <a:rPr lang="en-US" altLang="ja-JP" dirty="0">
+                <a:solidFill>
+                  <a:srgbClr val="FF0000"/>
+                </a:solidFill>
+              </a:rPr>
+              <a:t>{</a:t>
+            </a:r>
+            <a:br>
+              <a:rPr lang="en-US" altLang="ja-JP" dirty="0">
+                <a:solidFill>
+                  <a:srgbClr val="FF0000"/>
+                </a:solidFill>
+              </a:rPr>
+            </a:br>
+            <a:r>
+              <a:rPr lang="ja-JP" altLang="en-US" dirty="0">
+                <a:solidFill>
+                  <a:srgbClr val="FF0000"/>
+                </a:solidFill>
+              </a:rPr>
+              <a:t>　　メンバ</a:t>
+            </a:r>
+            <a:r>
+              <a:rPr lang="en-US" altLang="ja-JP" dirty="0">
+                <a:solidFill>
+                  <a:srgbClr val="FF0000"/>
+                </a:solidFill>
+              </a:rPr>
+              <a:t>…</a:t>
+            </a:r>
+            <a:br>
+              <a:rPr lang="en-US" altLang="ja-JP" dirty="0">
+                <a:solidFill>
+                  <a:srgbClr val="FF0000"/>
+                </a:solidFill>
+              </a:rPr>
+            </a:br>
+            <a:r>
+              <a:rPr lang="en-US" altLang="ja-JP" dirty="0">
+                <a:solidFill>
+                  <a:srgbClr val="FF0000"/>
+                </a:solidFill>
+              </a:rPr>
+              <a:t>};</a:t>
+            </a:r>
+            <a:endParaRPr lang="en-US" altLang="ja-JP" sz="3200" dirty="0">
+              <a:solidFill>
+                <a:srgbClr val="0070C0"/>
+              </a:solidFill>
+            </a:endParaRPr>
+          </a:p>
+        </p:txBody>
+      </p:sp>
+    </p:spTree>
+    <p:extLst>
+      <p:ext uri="{BB962C8B-B14F-4D97-AF65-F5344CB8AC3E}">
+        <p14:creationId xmlns:p14="http://schemas.microsoft.com/office/powerpoint/2010/main" val="3723342302"/>
+      </p:ext>
+    </p:extLst>
+  </p:cSld>
+  <p:clrMapOvr>
+    <a:masterClrMapping/>
+  </p:clrMapOvr>
+</p:sld>
+</file>
+
+<file path=ppt/slides/slide14.xml><?xml version="1.0" encoding="utf-8"?>
+<p:sld xmlns:a="http://schemas.openxmlformats.org/drawingml/2006/main" xmlns:r="http://schemas.openxmlformats.org/officeDocument/2006/relationships" xmlns:p="http://schemas.openxmlformats.org/presentationml/2006/main">
+  <p:cSld>
+    <p:spTree>
+      <p:nvGrpSpPr>
+        <p:cNvPr id="1" name=""/>
+        <p:cNvGrpSpPr/>
+        <p:nvPr/>
+      </p:nvGrpSpPr>
+      <p:grpSpPr>
+        <a:xfrm>
+          <a:off x="0" y="0"/>
+          <a:ext cx="0" cy="0"/>
+          <a:chOff x="0" y="0"/>
+          <a:chExt cx="0" cy="0"/>
+        </a:xfrm>
+      </p:grpSpPr>
+      <p:sp>
+        <p:nvSpPr>
+          <p:cNvPr id="2" name="タイトル 1">
+            <a:extLst>
+              <a:ext uri="{FF2B5EF4-FFF2-40B4-BE49-F238E27FC236}">
+                <a16:creationId xmlns:a16="http://schemas.microsoft.com/office/drawing/2014/main" id="{9F789731-37C4-49DD-AEE8-78E5514E279E}"/>
+              </a:ext>
+            </a:extLst>
+          </p:cNvPr>
+          <p:cNvSpPr>
+            <a:spLocks noGrp="1"/>
+          </p:cNvSpPr>
+          <p:nvPr>
+            <p:ph type="title"/>
+          </p:nvPr>
+        </p:nvSpPr>
+        <p:spPr/>
+        <p:txBody>
+          <a:bodyPr/>
+          <a:lstStyle/>
+          <a:p>
+            <a:r>
+              <a:rPr lang="ja-JP" altLang="en-US" dirty="0"/>
+              <a:t>テンプレート</a:t>
+            </a:r>
+            <a:endParaRPr kumimoji="1" lang="ja-JP" altLang="en-US" dirty="0"/>
+          </a:p>
+        </p:txBody>
+      </p:sp>
+      <p:sp>
+        <p:nvSpPr>
+          <p:cNvPr id="3" name="コンテンツ プレースホルダー 2">
+            <a:extLst>
+              <a:ext uri="{FF2B5EF4-FFF2-40B4-BE49-F238E27FC236}">
+                <a16:creationId xmlns:a16="http://schemas.microsoft.com/office/drawing/2014/main" id="{39562F0E-6033-40BD-BCB8-F015661306FD}"/>
+              </a:ext>
+            </a:extLst>
+          </p:cNvPr>
+          <p:cNvSpPr>
+            <a:spLocks noGrp="1"/>
+          </p:cNvSpPr>
+          <p:nvPr>
+            <p:ph idx="1"/>
+          </p:nvPr>
+        </p:nvSpPr>
+        <p:spPr>
+          <a:xfrm>
+            <a:off x="838200" y="1376038"/>
+            <a:ext cx="10515600" cy="5374958"/>
+          </a:xfrm>
+        </p:spPr>
+        <p:txBody>
+          <a:bodyPr>
+            <a:normAutofit/>
+          </a:bodyPr>
+          <a:lstStyle/>
+          <a:p>
+            <a:r>
+              <a:rPr lang="ja-JP" altLang="en-US" sz="4400" b="1" u="sng" dirty="0"/>
               <a:t>テンプレートクラス</a:t>
             </a:r>
             <a:endParaRPr lang="en-US" altLang="ja-JP" sz="4400" dirty="0"/>
@@ -4455,7 +5329,7 @@
 </p:sld>
 </file>
 
-<file path=ppt/slides/slide12.xml><?xml version="1.0" encoding="utf-8"?>
+<file path=ppt/slides/slide15.xml><?xml version="1.0" encoding="utf-8"?>
 <p:sld xmlns:a="http://schemas.openxmlformats.org/drawingml/2006/main" xmlns:r="http://schemas.openxmlformats.org/officeDocument/2006/relationships" xmlns:p="http://schemas.openxmlformats.org/presentationml/2006/main">
   <p:cSld>
     <p:spTree>
@@ -4626,7 +5500,7 @@
           <p:cNvPr id="2" name="タイトル 1">
             <a:extLst>
               <a:ext uri="{FF2B5EF4-FFF2-40B4-BE49-F238E27FC236}">
-                <a16:creationId xmlns:a16="http://schemas.microsoft.com/office/drawing/2014/main" id="{9F789731-37C4-49DD-AEE8-78E5514E279E}"/>
+                <a16:creationId xmlns:a16="http://schemas.microsoft.com/office/drawing/2014/main" id="{F11F3668-F205-48C5-AC01-19611EFE561B}"/>
               </a:ext>
             </a:extLst>
           </p:cNvPr>
@@ -4655,7 +5529,7 @@
           <p:cNvPr id="3" name="コンテンツ プレースホルダー 2">
             <a:extLst>
               <a:ext uri="{FF2B5EF4-FFF2-40B4-BE49-F238E27FC236}">
-                <a16:creationId xmlns:a16="http://schemas.microsoft.com/office/drawing/2014/main" id="{39562F0E-6033-40BD-BCB8-F015661306FD}"/>
+                <a16:creationId xmlns:a16="http://schemas.microsoft.com/office/drawing/2014/main" id="{64DBE417-57E9-44A6-BB52-B2F9986BB7B2}"/>
               </a:ext>
             </a:extLst>
           </p:cNvPr>
@@ -4668,8 +5542,8 @@
         </p:nvSpPr>
         <p:spPr>
           <a:xfrm>
-            <a:off x="838200" y="1376038"/>
-            <a:ext cx="10515600" cy="5374958"/>
+            <a:off x="838200" y="1162976"/>
+            <a:ext cx="10515600" cy="5193373"/>
           </a:xfrm>
         </p:spPr>
         <p:txBody>
@@ -4679,39 +5553,64 @@
           <a:lstStyle/>
           <a:p>
             <a:r>
-              <a:rPr lang="ja-JP" altLang="en-US" sz="4400" b="1" u="sng" dirty="0"/>
-              <a:t>関数テンプレート</a:t>
-            </a:r>
-            <a:br>
-              <a:rPr lang="en-US" altLang="ja-JP" b="1" u="sng" dirty="0"/>
-            </a:br>
-            <a:br>
-              <a:rPr lang="en-US" altLang="ja-JP" sz="1800" dirty="0"/>
-            </a:br>
-            <a:r>
-              <a:rPr lang="ja-JP" altLang="en-US" dirty="0"/>
-              <a:t>メンバ型名のところをテンプレート機能を使って、別の文字に置き換えて関数を定義することで</a:t>
+              <a:rPr kumimoji="1" lang="en-US" altLang="ja-JP" dirty="0" err="1"/>
+              <a:t>calc.h</a:t>
+            </a:r>
+            <a:r>
+              <a:rPr kumimoji="1" lang="ja-JP" altLang="en-US" dirty="0"/>
+              <a:t>　</a:t>
+            </a:r>
+            <a:r>
+              <a:rPr kumimoji="1" lang="en-US" altLang="ja-JP" dirty="0"/>
+              <a:t>(Sample503t)</a:t>
             </a:r>
             <a:br>
               <a:rPr lang="en-US" altLang="ja-JP" dirty="0"/>
             </a:br>
-            <a:r>
-              <a:rPr lang="ja-JP" altLang="en-US" dirty="0"/>
-              <a:t>ひとつにまとめることが可能な仕組み</a:t>
-            </a:r>
+            <a:endParaRPr lang="en-US" altLang="ja-JP" dirty="0"/>
+          </a:p>
+          <a:p>
+            <a:pPr marL="0" indent="0">
+              <a:buNone/>
+            </a:pPr>
             <a:br>
               <a:rPr lang="en-US" altLang="ja-JP" dirty="0"/>
             </a:br>
-            <a:endParaRPr lang="en-US" altLang="ja-JP" sz="3200" dirty="0"/>
-          </a:p>
-        </p:txBody>
-      </p:sp>
-      <p:sp>
-        <p:nvSpPr>
-          <p:cNvPr id="4" name="テキスト ボックス 3">
+            <a:br>
+              <a:rPr lang="en-US" altLang="ja-JP" dirty="0"/>
+            </a:br>
+            <a:br>
+              <a:rPr lang="en-US" altLang="ja-JP" dirty="0"/>
+            </a:br>
+            <a:br>
+              <a:rPr lang="en-US" altLang="ja-JP" sz="2400" dirty="0"/>
+            </a:br>
+            <a:br>
+              <a:rPr lang="en-US" altLang="ja-JP" sz="2400" dirty="0"/>
+            </a:br>
+            <a:endParaRPr lang="en-US" altLang="ja-JP" sz="2400" dirty="0"/>
+          </a:p>
+          <a:p>
+            <a:pPr marL="0" indent="0">
+              <a:buNone/>
+            </a:pPr>
+            <a:br>
+              <a:rPr lang="en-US" altLang="ja-JP" sz="2400" dirty="0"/>
+            </a:br>
+            <a:endParaRPr lang="en-US" altLang="ja-JP" dirty="0">
+              <a:solidFill>
+                <a:srgbClr val="FF0000"/>
+              </a:solidFill>
+            </a:endParaRPr>
+          </a:p>
+        </p:txBody>
+      </p:sp>
+      <p:sp>
+        <p:nvSpPr>
+          <p:cNvPr id="6" name="テキスト ボックス 5">
             <a:extLst>
               <a:ext uri="{FF2B5EF4-FFF2-40B4-BE49-F238E27FC236}">
-                <a16:creationId xmlns:a16="http://schemas.microsoft.com/office/drawing/2014/main" id="{13D7D604-E293-095C-3CE4-9C5587FC1A86}"/>
+                <a16:creationId xmlns:a16="http://schemas.microsoft.com/office/drawing/2014/main" id="{216E7CEB-8179-81F3-F9F8-933F2C32AC48}"/>
               </a:ext>
             </a:extLst>
           </p:cNvPr>
@@ -4720,27 +5619,18 @@
         </p:nvSpPr>
         <p:spPr>
           <a:xfrm>
-            <a:off x="366494" y="3922079"/>
-            <a:ext cx="5009069" cy="2339102"/>
+            <a:off x="1048255" y="1942532"/>
+            <a:ext cx="10688220" cy="4524315"/>
           </a:xfrm>
           <a:prstGeom prst="rect">
             <a:avLst/>
           </a:prstGeom>
-          <a:solidFill>
-            <a:schemeClr val="bg1"/>
-          </a:solidFill>
+          <a:noFill/>
           <a:ln>
             <a:solidFill>
               <a:schemeClr val="tx1"/>
             </a:solidFill>
           </a:ln>
-          <a:effectLst>
-            <a:outerShdw blurRad="50800" dist="38100" dir="2700000" algn="tl" rotWithShape="0">
-              <a:prstClr val="black">
-                <a:alpha val="40000"/>
-              </a:prstClr>
-            </a:outerShdw>
-          </a:effectLst>
         </p:spPr>
         <p:txBody>
           <a:bodyPr wrap="square" rtlCol="0">
@@ -4749,340 +5639,120 @@
           <a:lstStyle/>
           <a:p>
             <a:r>
-              <a:rPr kumimoji="1" lang="en-US" altLang="ja-JP" sz="1600" b="1" dirty="0">
-                <a:solidFill>
-                  <a:srgbClr val="00B0F0"/>
-                </a:solidFill>
-              </a:rPr>
-              <a:t>double</a:t>
-            </a:r>
-            <a:r>
-              <a:rPr kumimoji="1" lang="en-US" altLang="ja-JP" sz="1600" dirty="0"/>
-              <a:t> Calc::add(</a:t>
-            </a:r>
-            <a:r>
-              <a:rPr kumimoji="1" lang="en-US" altLang="ja-JP" sz="1600" dirty="0">
-                <a:solidFill>
-                  <a:srgbClr val="00B0F0"/>
-                </a:solidFill>
-              </a:rPr>
-              <a:t>double </a:t>
-            </a:r>
-            <a:r>
-              <a:rPr kumimoji="1" lang="en-US" altLang="ja-JP" sz="1600" dirty="0" err="1"/>
-              <a:t>a,</a:t>
-            </a:r>
-            <a:r>
-              <a:rPr kumimoji="1" lang="en-US" altLang="ja-JP" sz="1600" dirty="0" err="1">
-                <a:solidFill>
-                  <a:srgbClr val="00B0F0"/>
-                </a:solidFill>
-              </a:rPr>
-              <a:t>double</a:t>
-            </a:r>
-            <a:r>
-              <a:rPr kumimoji="1" lang="en-US" altLang="ja-JP" sz="1600" dirty="0">
-                <a:solidFill>
-                  <a:srgbClr val="00B0F0"/>
-                </a:solidFill>
-              </a:rPr>
-              <a:t> </a:t>
-            </a:r>
-            <a:r>
-              <a:rPr kumimoji="1" lang="en-US" altLang="ja-JP" sz="1600" dirty="0"/>
-              <a:t>b)</a:t>
-            </a:r>
-            <a:r>
-              <a:rPr kumimoji="1" lang="en-US" altLang="ja-JP" sz="1600" dirty="0">
-                <a:solidFill>
-                  <a:srgbClr val="00B0F0"/>
-                </a:solidFill>
-              </a:rPr>
-              <a:t> </a:t>
-            </a:r>
-            <a:r>
-              <a:rPr kumimoji="1" lang="en-US" altLang="ja-JP" sz="1600" dirty="0"/>
-              <a:t>{</a:t>
-            </a:r>
-          </a:p>
-          <a:p>
-            <a:r>
-              <a:rPr kumimoji="1" lang="en-US" altLang="ja-JP" sz="1600" dirty="0"/>
-              <a:t>	return a + b;</a:t>
-            </a:r>
-          </a:p>
-          <a:p>
-            <a:r>
-              <a:rPr kumimoji="1" lang="en-US" altLang="ja-JP" sz="1600" dirty="0"/>
-              <a:t>}</a:t>
-            </a:r>
-          </a:p>
-          <a:p>
-            <a:r>
-              <a:rPr kumimoji="1" lang="en-US" altLang="ja-JP" sz="1600" b="1" dirty="0">
-                <a:solidFill>
-                  <a:srgbClr val="FF0000"/>
-                </a:solidFill>
-              </a:rPr>
-              <a:t>int</a:t>
-            </a:r>
-            <a:r>
-              <a:rPr kumimoji="1" lang="en-US" altLang="ja-JP" sz="1600" dirty="0"/>
-              <a:t> Calc::add(</a:t>
-            </a:r>
-            <a:r>
-              <a:rPr kumimoji="1" lang="en-US" altLang="ja-JP" sz="1600" dirty="0">
-                <a:solidFill>
-                  <a:srgbClr val="FF0000"/>
-                </a:solidFill>
-              </a:rPr>
-              <a:t>int </a:t>
-            </a:r>
-            <a:r>
-              <a:rPr kumimoji="1" lang="en-US" altLang="ja-JP" sz="1600" dirty="0"/>
-              <a:t>a,</a:t>
-            </a:r>
-            <a:r>
-              <a:rPr kumimoji="1" lang="en-US" altLang="ja-JP" sz="1600" dirty="0">
-                <a:solidFill>
-                  <a:srgbClr val="FF0000"/>
-                </a:solidFill>
-              </a:rPr>
-              <a:t> int </a:t>
-            </a:r>
-            <a:r>
-              <a:rPr kumimoji="1" lang="en-US" altLang="ja-JP" sz="1600" dirty="0"/>
-              <a:t>b)</a:t>
-            </a:r>
-            <a:r>
-              <a:rPr kumimoji="1" lang="en-US" altLang="ja-JP" sz="1600" dirty="0">
-                <a:solidFill>
-                  <a:srgbClr val="FF0000"/>
-                </a:solidFill>
-              </a:rPr>
-              <a:t> </a:t>
-            </a:r>
-            <a:r>
-              <a:rPr kumimoji="1" lang="en-US" altLang="ja-JP" sz="1600" dirty="0"/>
-              <a:t>{</a:t>
-            </a:r>
-          </a:p>
-          <a:p>
-            <a:r>
-              <a:rPr kumimoji="1" lang="en-US" altLang="ja-JP" sz="1600" dirty="0"/>
-              <a:t>	return a + b;</a:t>
-            </a:r>
-          </a:p>
-          <a:p>
-            <a:r>
-              <a:rPr kumimoji="1" lang="en-US" altLang="ja-JP" sz="1600" dirty="0"/>
-              <a:t>}</a:t>
-            </a:r>
-            <a:br>
-              <a:rPr kumimoji="1" lang="en-US" altLang="ja-JP" sz="1600" dirty="0"/>
-            </a:br>
-            <a:r>
-              <a:rPr kumimoji="1" lang="en-US" altLang="ja-JP" sz="1600" b="1" dirty="0">
-                <a:solidFill>
-                  <a:srgbClr val="00B050"/>
-                </a:solidFill>
-              </a:rPr>
-              <a:t>string</a:t>
-            </a:r>
-            <a:r>
-              <a:rPr kumimoji="1" lang="en-US" altLang="ja-JP" sz="1600" dirty="0"/>
-              <a:t> Calc::add(</a:t>
-            </a:r>
-            <a:r>
-              <a:rPr kumimoji="1" lang="en-US" altLang="ja-JP" sz="1600" dirty="0">
-                <a:solidFill>
-                  <a:srgbClr val="00B050"/>
-                </a:solidFill>
-              </a:rPr>
-              <a:t>string </a:t>
-            </a:r>
-            <a:r>
-              <a:rPr kumimoji="1" lang="en-US" altLang="ja-JP" sz="1600" dirty="0"/>
-              <a:t>a,</a:t>
-            </a:r>
-            <a:r>
-              <a:rPr kumimoji="1" lang="en-US" altLang="ja-JP" sz="1600" dirty="0">
-                <a:solidFill>
-                  <a:srgbClr val="00B050"/>
-                </a:solidFill>
-              </a:rPr>
-              <a:t> string </a:t>
-            </a:r>
-            <a:r>
-              <a:rPr kumimoji="1" lang="en-US" altLang="ja-JP" sz="1600" dirty="0"/>
-              <a:t>b) {</a:t>
-            </a:r>
-          </a:p>
-          <a:p>
-            <a:r>
-              <a:rPr kumimoji="1" lang="en-US" altLang="ja-JP" sz="1600" dirty="0"/>
-              <a:t>  return a + b;</a:t>
-            </a:r>
-          </a:p>
-          <a:p>
-            <a:r>
-              <a:rPr kumimoji="1" lang="en-US" altLang="ja-JP" sz="1600" dirty="0"/>
-              <a:t>}</a:t>
-            </a:r>
-            <a:endParaRPr kumimoji="1" lang="ja-JP" altLang="en-US" sz="1600" dirty="0"/>
-          </a:p>
-        </p:txBody>
-      </p:sp>
-      <p:sp>
-        <p:nvSpPr>
-          <p:cNvPr id="5" name="テキスト ボックス 4">
+              <a:rPr kumimoji="1" lang="en-US" altLang="ja-JP" sz="2400" dirty="0"/>
+              <a:t>#pragma once</a:t>
+            </a:r>
+          </a:p>
+          <a:p>
+            <a:r>
+              <a:rPr kumimoji="1" lang="en-US" altLang="ja-JP" sz="2400" dirty="0"/>
+              <a:t>class Calc {</a:t>
+            </a:r>
+          </a:p>
+          <a:p>
+            <a:r>
+              <a:rPr kumimoji="1" lang="en-US" altLang="ja-JP" sz="2400" dirty="0"/>
+              <a:t>private:</a:t>
+            </a:r>
+          </a:p>
+          <a:p>
+            <a:r>
+              <a:rPr kumimoji="1" lang="en-US" altLang="ja-JP" sz="2400" dirty="0"/>
+              <a:t>	int </a:t>
+            </a:r>
+            <a:r>
+              <a:rPr kumimoji="1" lang="en-US" altLang="ja-JP" sz="2400" dirty="0" err="1"/>
+              <a:t>m_a</a:t>
+            </a:r>
+            <a:r>
+              <a:rPr kumimoji="1" lang="en-US" altLang="ja-JP" sz="2400" dirty="0"/>
+              <a:t>, </a:t>
+            </a:r>
+            <a:r>
+              <a:rPr kumimoji="1" lang="en-US" altLang="ja-JP" sz="2400" dirty="0" err="1"/>
+              <a:t>m_b</a:t>
+            </a:r>
+            <a:r>
+              <a:rPr kumimoji="1" lang="en-US" altLang="ja-JP" sz="2400" dirty="0"/>
+              <a:t>;</a:t>
+            </a:r>
+          </a:p>
+          <a:p>
+            <a:r>
+              <a:rPr kumimoji="1" lang="en-US" altLang="ja-JP" sz="2400" dirty="0"/>
+              <a:t>public:</a:t>
+            </a:r>
+          </a:p>
+          <a:p>
+            <a:r>
+              <a:rPr kumimoji="1" lang="en-US" altLang="ja-JP" sz="2400" dirty="0"/>
+              <a:t>	Calc();</a:t>
+            </a:r>
+          </a:p>
+          <a:p>
+            <a:r>
+              <a:rPr kumimoji="1" lang="en-US" altLang="ja-JP" sz="2400" dirty="0"/>
+              <a:t>	Calc(int a, int b);</a:t>
+            </a:r>
+          </a:p>
+          <a:p>
+            <a:r>
+              <a:rPr kumimoji="1" lang="en-US" altLang="ja-JP" sz="2400" dirty="0"/>
+              <a:t>	int add();</a:t>
+            </a:r>
+          </a:p>
+          <a:p>
+            <a:r>
+              <a:rPr kumimoji="1" lang="en-US" altLang="ja-JP" sz="2400" dirty="0"/>
+              <a:t>	int add(int a, int b);</a:t>
+            </a:r>
+          </a:p>
+          <a:p>
+            <a:r>
+              <a:rPr kumimoji="1" lang="en-US" altLang="ja-JP" sz="2400" dirty="0"/>
+              <a:t>	</a:t>
+            </a:r>
+            <a:r>
+              <a:rPr kumimoji="1" lang="en-US" altLang="ja-JP" sz="2400" dirty="0">
+                <a:solidFill>
+                  <a:srgbClr val="FF0000"/>
+                </a:solidFill>
+              </a:rPr>
+              <a:t>double add(double a, double b);</a:t>
+            </a:r>
+          </a:p>
+          <a:p>
+            <a:r>
+              <a:rPr kumimoji="1" lang="en-US" altLang="ja-JP" sz="2400" dirty="0">
+                <a:solidFill>
+                  <a:srgbClr val="FF0000"/>
+                </a:solidFill>
+              </a:rPr>
+              <a:t>	string add(string a, string b);</a:t>
+            </a:r>
+          </a:p>
+          <a:p>
+            <a:r>
+              <a:rPr kumimoji="1" lang="en-US" altLang="ja-JP" sz="2400" dirty="0"/>
+              <a:t>	void </a:t>
+            </a:r>
+            <a:r>
+              <a:rPr kumimoji="1" lang="en-US" altLang="ja-JP" sz="2400" dirty="0" err="1"/>
+              <a:t>setValue</a:t>
+            </a:r>
+            <a:r>
+              <a:rPr kumimoji="1" lang="en-US" altLang="ja-JP" sz="2400" dirty="0"/>
+              <a:t>(int a, int b);</a:t>
+            </a:r>
+          </a:p>
+        </p:txBody>
+      </p:sp>
+      <p:sp>
+        <p:nvSpPr>
+          <p:cNvPr id="7" name="矢印: 下 6">
             <a:extLst>
               <a:ext uri="{FF2B5EF4-FFF2-40B4-BE49-F238E27FC236}">
-                <a16:creationId xmlns:a16="http://schemas.microsoft.com/office/drawing/2014/main" id="{F4C36944-7C12-A9B5-143B-DD53B781E29C}"/>
-              </a:ext>
-            </a:extLst>
-          </p:cNvPr>
-          <p:cNvSpPr txBox="1"/>
-          <p:nvPr/>
-        </p:nvSpPr>
-        <p:spPr>
-          <a:xfrm>
-            <a:off x="5811329" y="4143752"/>
-            <a:ext cx="6228271" cy="2062103"/>
-          </a:xfrm>
-          <a:prstGeom prst="rect">
-            <a:avLst/>
-          </a:prstGeom>
-          <a:solidFill>
-            <a:schemeClr val="bg1"/>
-          </a:solidFill>
-          <a:ln>
-            <a:solidFill>
-              <a:schemeClr val="tx1"/>
-            </a:solidFill>
-          </a:ln>
-          <a:effectLst>
-            <a:outerShdw blurRad="50800" dist="38100" dir="2700000" algn="tl" rotWithShape="0">
-              <a:prstClr val="black">
-                <a:alpha val="40000"/>
-              </a:prstClr>
-            </a:outerShdw>
-          </a:effectLst>
-        </p:spPr>
-        <p:txBody>
-          <a:bodyPr wrap="square" rtlCol="0">
-            <a:spAutoFit/>
-          </a:bodyPr>
-          <a:lstStyle/>
-          <a:p>
-            <a:r>
-              <a:rPr kumimoji="1" lang="en-US" altLang="ja-JP" sz="3200" dirty="0">
-                <a:solidFill>
-                  <a:srgbClr val="00B050"/>
-                </a:solidFill>
-              </a:rPr>
-              <a:t>template &lt;</a:t>
-            </a:r>
-            <a:r>
-              <a:rPr kumimoji="1" lang="en-US" altLang="ja-JP" sz="3200" dirty="0" err="1">
-                <a:solidFill>
-                  <a:srgbClr val="00B050"/>
-                </a:solidFill>
-              </a:rPr>
-              <a:t>typename</a:t>
-            </a:r>
-            <a:r>
-              <a:rPr kumimoji="1" lang="en-US" altLang="ja-JP" sz="3200" dirty="0"/>
-              <a:t> </a:t>
-            </a:r>
-            <a:r>
-              <a:rPr kumimoji="1" lang="en-US" altLang="ja-JP" sz="3200" dirty="0">
-                <a:solidFill>
-                  <a:srgbClr val="FF0000"/>
-                </a:solidFill>
-              </a:rPr>
-              <a:t>T</a:t>
-            </a:r>
-            <a:r>
-              <a:rPr kumimoji="1" lang="en-US" altLang="ja-JP" sz="3200" dirty="0">
-                <a:solidFill>
-                  <a:srgbClr val="00B050"/>
-                </a:solidFill>
-              </a:rPr>
-              <a:t>&gt;</a:t>
-            </a:r>
-          </a:p>
-          <a:p>
-            <a:r>
-              <a:rPr kumimoji="1" lang="en-US" altLang="ja-JP" sz="3200" b="1" dirty="0">
-                <a:solidFill>
-                  <a:srgbClr val="FF0000"/>
-                </a:solidFill>
-              </a:rPr>
-              <a:t>T</a:t>
-            </a:r>
-            <a:r>
-              <a:rPr kumimoji="1" lang="en-US" altLang="ja-JP" sz="3200" dirty="0"/>
-              <a:t> Calc::add(</a:t>
-            </a:r>
-            <a:r>
-              <a:rPr kumimoji="1" lang="en-US" altLang="ja-JP" sz="3200" dirty="0">
-                <a:solidFill>
-                  <a:srgbClr val="FF0000"/>
-                </a:solidFill>
-              </a:rPr>
-              <a:t>T </a:t>
-            </a:r>
-            <a:r>
-              <a:rPr kumimoji="1" lang="en-US" altLang="ja-JP" sz="3200" dirty="0"/>
-              <a:t>a,</a:t>
-            </a:r>
-            <a:r>
-              <a:rPr kumimoji="1" lang="en-US" altLang="ja-JP" sz="3200" dirty="0">
-                <a:solidFill>
-                  <a:srgbClr val="FF0000"/>
-                </a:solidFill>
-              </a:rPr>
-              <a:t> T </a:t>
-            </a:r>
-            <a:r>
-              <a:rPr kumimoji="1" lang="en-US" altLang="ja-JP" sz="3200" dirty="0"/>
-              <a:t>b)</a:t>
-            </a:r>
-            <a:r>
-              <a:rPr kumimoji="1" lang="en-US" altLang="ja-JP" sz="3200" dirty="0">
-                <a:solidFill>
-                  <a:srgbClr val="FF0000"/>
-                </a:solidFill>
-              </a:rPr>
-              <a:t> </a:t>
-            </a:r>
-            <a:r>
-              <a:rPr kumimoji="1" lang="en-US" altLang="ja-JP" sz="3200" dirty="0"/>
-              <a:t>{</a:t>
-            </a:r>
-          </a:p>
-          <a:p>
-            <a:r>
-              <a:rPr kumimoji="1" lang="en-US" altLang="ja-JP" sz="3200" dirty="0"/>
-              <a:t>	return a + b;</a:t>
-            </a:r>
-          </a:p>
-          <a:p>
-            <a:r>
-              <a:rPr kumimoji="1" lang="en-US" altLang="ja-JP" sz="3200" dirty="0"/>
-              <a:t>}</a:t>
-            </a:r>
-            <a:endParaRPr kumimoji="1" lang="ja-JP" altLang="en-US" sz="3200" dirty="0"/>
-          </a:p>
-        </p:txBody>
-      </p:sp>
-      <p:sp>
-        <p:nvSpPr>
-          <p:cNvPr id="7" name="矢印: 右 6">
-            <a:extLst>
-              <a:ext uri="{FF2B5EF4-FFF2-40B4-BE49-F238E27FC236}">
-                <a16:creationId xmlns:a16="http://schemas.microsoft.com/office/drawing/2014/main" id="{E30CD400-6522-537C-7B43-8BCD61923C2C}"/>
+                <a16:creationId xmlns:a16="http://schemas.microsoft.com/office/drawing/2014/main" id="{2E352646-50A7-9B7A-5EB3-E36F0CF5B0E1}"/>
               </a:ext>
             </a:extLst>
           </p:cNvPr>
@@ -5090,11 +5760,11 @@
           <p:nvPr/>
         </p:nvSpPr>
         <p:spPr>
-          <a:xfrm>
-            <a:off x="5195454" y="4876800"/>
-            <a:ext cx="554182" cy="401782"/>
+          <a:xfrm rot="2899444">
+            <a:off x="7366560" y="4545533"/>
+            <a:ext cx="369651" cy="749029"/>
           </a:xfrm>
-          <a:prstGeom prst="rightArrow">
+          <a:prstGeom prst="downArrow">
             <a:avLst/>
           </a:prstGeom>
         </p:spPr>
@@ -5123,10 +5793,49 @@
           </a:p>
         </p:txBody>
       </p:sp>
+      <p:sp>
+        <p:nvSpPr>
+          <p:cNvPr id="8" name="テキスト ボックス 7">
+            <a:extLst>
+              <a:ext uri="{FF2B5EF4-FFF2-40B4-BE49-F238E27FC236}">
+                <a16:creationId xmlns:a16="http://schemas.microsoft.com/office/drawing/2014/main" id="{FB6222AD-022E-4C5C-2739-2023648DD1E2}"/>
+              </a:ext>
+            </a:extLst>
+          </p:cNvPr>
+          <p:cNvSpPr txBox="1"/>
+          <p:nvPr/>
+        </p:nvSpPr>
+        <p:spPr>
+          <a:xfrm>
+            <a:off x="7885917" y="4209811"/>
+            <a:ext cx="1856598" cy="646331"/>
+          </a:xfrm>
+          <a:prstGeom prst="rect">
+            <a:avLst/>
+          </a:prstGeom>
+          <a:noFill/>
+        </p:spPr>
+        <p:txBody>
+          <a:bodyPr wrap="none" rtlCol="0">
+            <a:spAutoFit/>
+          </a:bodyPr>
+          <a:lstStyle/>
+          <a:p>
+            <a:r>
+              <a:rPr kumimoji="1" lang="en-US" altLang="ja-JP" sz="3600" dirty="0"/>
+              <a:t>2</a:t>
+            </a:r>
+            <a:r>
+              <a:rPr kumimoji="1" lang="ja-JP" altLang="en-US" sz="3600" dirty="0"/>
+              <a:t>行追加</a:t>
+            </a:r>
+          </a:p>
+        </p:txBody>
+      </p:sp>
     </p:spTree>
     <p:extLst>
       <p:ext uri="{BB962C8B-B14F-4D97-AF65-F5344CB8AC3E}">
-        <p14:creationId xmlns:p14="http://schemas.microsoft.com/office/powerpoint/2010/main" val="1331575307"/>
+        <p14:creationId xmlns:p14="http://schemas.microsoft.com/office/powerpoint/2010/main" val="3141716570"/>
       </p:ext>
     </p:extLst>
   </p:cSld>
@@ -5158,7 +5867,7 @@
           <p:cNvPr id="2" name="タイトル 1">
             <a:extLst>
               <a:ext uri="{FF2B5EF4-FFF2-40B4-BE49-F238E27FC236}">
-                <a16:creationId xmlns:a16="http://schemas.microsoft.com/office/drawing/2014/main" id="{9F789731-37C4-49DD-AEE8-78E5514E279E}"/>
+                <a16:creationId xmlns:a16="http://schemas.microsoft.com/office/drawing/2014/main" id="{F11F3668-F205-48C5-AC01-19611EFE561B}"/>
               </a:ext>
             </a:extLst>
           </p:cNvPr>
@@ -5175,10 +5884,9 @@
           <a:lstStyle/>
           <a:p>
             <a:r>
-              <a:rPr lang="ja-JP" altLang="en-US" dirty="0"/>
+              <a:rPr kumimoji="1" lang="ja-JP" altLang="en-US" dirty="0"/>
               <a:t>テンプレート</a:t>
             </a:r>
-            <a:endParaRPr kumimoji="1" lang="ja-JP" altLang="en-US" dirty="0"/>
           </a:p>
         </p:txBody>
       </p:sp>
@@ -5187,7 +5895,7 @@
           <p:cNvPr id="3" name="コンテンツ プレースホルダー 2">
             <a:extLst>
               <a:ext uri="{FF2B5EF4-FFF2-40B4-BE49-F238E27FC236}">
-                <a16:creationId xmlns:a16="http://schemas.microsoft.com/office/drawing/2014/main" id="{39562F0E-6033-40BD-BCB8-F015661306FD}"/>
+                <a16:creationId xmlns:a16="http://schemas.microsoft.com/office/drawing/2014/main" id="{64DBE417-57E9-44A6-BB52-B2F9986BB7B2}"/>
               </a:ext>
             </a:extLst>
           </p:cNvPr>
@@ -5200,8 +5908,8 @@
         </p:nvSpPr>
         <p:spPr>
           <a:xfrm>
-            <a:off x="838200" y="1376038"/>
-            <a:ext cx="10515600" cy="5374958"/>
+            <a:off x="838200" y="1162976"/>
+            <a:ext cx="10515600" cy="5193373"/>
           </a:xfrm>
         </p:spPr>
         <p:txBody>
@@ -5211,110 +5919,223 @@
           <a:lstStyle/>
           <a:p>
             <a:r>
-              <a:rPr lang="ja-JP" altLang="en-US" sz="4400" b="1" u="sng" dirty="0"/>
-              <a:t>関数テンプレート</a:t>
-            </a:r>
-            <a:endParaRPr lang="en-US" altLang="ja-JP" sz="4400" dirty="0"/>
-          </a:p>
-          <a:p>
+              <a:rPr kumimoji="1" lang="en-US" altLang="ja-JP" dirty="0"/>
+              <a:t>calc.</a:t>
+            </a:r>
             <a:r>
               <a:rPr lang="en-US" altLang="ja-JP" dirty="0"/>
-              <a:t>C++</a:t>
-            </a:r>
-            <a:r>
-              <a:rPr lang="ja-JP" altLang="en-US" dirty="0"/>
-              <a:t>作業フォルダ内の</a:t>
-            </a:r>
-            <a:r>
-              <a:rPr lang="en-US" altLang="ja-JP" b="1" dirty="0"/>
-              <a:t>Sample503</a:t>
-            </a:r>
-            <a:r>
-              <a:rPr lang="ja-JP" altLang="en-US" dirty="0"/>
-              <a:t>フォルダを</a:t>
-            </a:r>
-            <a:r>
-              <a:rPr lang="en-US" altLang="ja-JP" b="1" dirty="0"/>
-              <a:t>Sample503t</a:t>
-            </a:r>
-            <a:r>
-              <a:rPr lang="ja-JP" altLang="en-US" dirty="0"/>
-              <a:t>フォルダとしてコピー</a:t>
+              <a:t>cpp</a:t>
+            </a:r>
+            <a:r>
+              <a:rPr kumimoji="1" lang="ja-JP" altLang="en-US" dirty="0"/>
+              <a:t>　</a:t>
+            </a:r>
+            <a:r>
+              <a:rPr kumimoji="1" lang="en-US" altLang="ja-JP" dirty="0"/>
+              <a:t>(Sample503t)</a:t>
             </a:r>
             <a:br>
               <a:rPr lang="en-US" altLang="ja-JP" dirty="0"/>
             </a:br>
-            <a:br>
-              <a:rPr lang="en-US" altLang="ja-JP" dirty="0">
-                <a:solidFill>
-                  <a:srgbClr val="00B0F0"/>
-                </a:solidFill>
-              </a:rPr>
-            </a:br>
-            <a:r>
-              <a:rPr lang="en-US" altLang="ja-JP" dirty="0">
-                <a:solidFill>
-                  <a:srgbClr val="00B0F0"/>
-                </a:solidFill>
-              </a:rPr>
-              <a:t>robocopy Sample503 Sample503t</a:t>
-            </a:r>
+            <a:endParaRPr lang="en-US" altLang="ja-JP" dirty="0"/>
+          </a:p>
+          <a:p>
+            <a:pPr marL="0" indent="0">
+              <a:buNone/>
+            </a:pPr>
             <a:br>
               <a:rPr lang="en-US" altLang="ja-JP" dirty="0"/>
             </a:br>
-            <a:r>
-              <a:rPr lang="en-US" altLang="ja-JP" dirty="0">
-                <a:solidFill>
-                  <a:srgbClr val="00B0F0"/>
-                </a:solidFill>
-              </a:rPr>
-              <a:t>cd Sample503t</a:t>
-            </a:r>
             <a:br>
               <a:rPr lang="en-US" altLang="ja-JP" dirty="0"/>
             </a:br>
-            <a:endParaRPr lang="en-US" altLang="ja-JP" dirty="0"/>
-          </a:p>
-          <a:p>
-            <a:r>
-              <a:rPr lang="en-US" altLang="ja-JP" dirty="0" err="1"/>
-              <a:t>calc.h</a:t>
-            </a:r>
-            <a:r>
-              <a:rPr lang="ja-JP" altLang="en-US" dirty="0"/>
-              <a:t>， </a:t>
-            </a:r>
-            <a:r>
+            <a:br>
               <a:rPr lang="en-US" altLang="ja-JP" dirty="0"/>
-              <a:t>calc.cpp</a:t>
-            </a:r>
-            <a:r>
-              <a:rPr lang="ja-JP" altLang="en-US" dirty="0" err="1"/>
-              <a:t>，</a:t>
-            </a:r>
-            <a:r>
-              <a:rPr lang="ja-JP" altLang="en-US" dirty="0"/>
-              <a:t> </a:t>
-            </a:r>
-            <a:r>
-              <a:rPr lang="en-US" altLang="ja-JP" dirty="0"/>
-              <a:t>main.cpp</a:t>
-            </a:r>
-            <a:r>
-              <a:rPr lang="ja-JP" altLang="en-US" dirty="0"/>
-              <a:t>を変更</a:t>
-            </a:r>
-            <a:br>
-              <a:rPr lang="en-US" altLang="ja-JP" dirty="0"/>
-            </a:br>
-            <a:endParaRPr lang="en-US" altLang="ja-JP" sz="3200" dirty="0"/>
+            </a:br>
+            <a:br>
+              <a:rPr lang="en-US" altLang="ja-JP" sz="2400" dirty="0"/>
+            </a:br>
+            <a:br>
+              <a:rPr lang="en-US" altLang="ja-JP" sz="2400" dirty="0"/>
+            </a:br>
+            <a:endParaRPr lang="en-US" altLang="ja-JP" sz="2400" dirty="0"/>
+          </a:p>
+          <a:p>
+            <a:pPr marL="0" indent="0">
+              <a:buNone/>
+            </a:pPr>
+            <a:br>
+              <a:rPr lang="en-US" altLang="ja-JP" sz="2400" dirty="0"/>
+            </a:br>
+            <a:endParaRPr lang="en-US" altLang="ja-JP" dirty="0">
+              <a:solidFill>
+                <a:srgbClr val="FF0000"/>
+              </a:solidFill>
+            </a:endParaRPr>
+          </a:p>
+        </p:txBody>
+      </p:sp>
+      <p:sp>
+        <p:nvSpPr>
+          <p:cNvPr id="5" name="テキスト ボックス 4">
+            <a:extLst>
+              <a:ext uri="{FF2B5EF4-FFF2-40B4-BE49-F238E27FC236}">
+                <a16:creationId xmlns:a16="http://schemas.microsoft.com/office/drawing/2014/main" id="{9E32883C-0E37-4F07-9861-27609819CE8C}"/>
+              </a:ext>
+            </a:extLst>
+          </p:cNvPr>
+          <p:cNvSpPr txBox="1"/>
+          <p:nvPr/>
+        </p:nvSpPr>
+        <p:spPr>
+          <a:xfrm>
+            <a:off x="1048255" y="1864708"/>
+            <a:ext cx="10688220" cy="4893647"/>
+          </a:xfrm>
+          <a:prstGeom prst="rect">
+            <a:avLst/>
+          </a:prstGeom>
+          <a:noFill/>
+          <a:ln>
+            <a:solidFill>
+              <a:schemeClr val="tx1"/>
+            </a:solidFill>
+          </a:ln>
+        </p:spPr>
+        <p:txBody>
+          <a:bodyPr wrap="square" rtlCol="0">
+            <a:spAutoFit/>
+          </a:bodyPr>
+          <a:lstStyle/>
+          <a:p>
+            <a:r>
+              <a:rPr kumimoji="1" lang="en-US" altLang="ja-JP" sz="2400" dirty="0"/>
+              <a:t>				</a:t>
+            </a:r>
+            <a:r>
+              <a:rPr kumimoji="1" lang="ja-JP" altLang="en-US" sz="2400" dirty="0"/>
+              <a:t>（略）</a:t>
+            </a:r>
+            <a:endParaRPr kumimoji="1" lang="en-US" altLang="ja-JP" sz="2400" dirty="0"/>
+          </a:p>
+          <a:p>
+            <a:r>
+              <a:rPr kumimoji="1" lang="en-US" altLang="ja-JP" sz="2400" dirty="0"/>
+              <a:t>int Calc::add() {</a:t>
+            </a:r>
+          </a:p>
+          <a:p>
+            <a:r>
+              <a:rPr kumimoji="1" lang="en-US" altLang="ja-JP" sz="2400" dirty="0"/>
+              <a:t>	return </a:t>
+            </a:r>
+            <a:r>
+              <a:rPr kumimoji="1" lang="en-US" altLang="ja-JP" sz="2400" dirty="0" err="1"/>
+              <a:t>m_a</a:t>
+            </a:r>
+            <a:r>
+              <a:rPr kumimoji="1" lang="en-US" altLang="ja-JP" sz="2400" dirty="0"/>
+              <a:t> + </a:t>
+            </a:r>
+            <a:r>
+              <a:rPr kumimoji="1" lang="en-US" altLang="ja-JP" sz="2400" dirty="0" err="1"/>
+              <a:t>m_b</a:t>
+            </a:r>
+            <a:r>
+              <a:rPr kumimoji="1" lang="en-US" altLang="ja-JP" sz="2400" dirty="0"/>
+              <a:t>;</a:t>
+            </a:r>
+          </a:p>
+          <a:p>
+            <a:r>
+              <a:rPr kumimoji="1" lang="en-US" altLang="ja-JP" sz="2400" dirty="0"/>
+              <a:t>}</a:t>
+            </a:r>
+          </a:p>
+          <a:p>
+            <a:r>
+              <a:rPr kumimoji="1" lang="en-US" altLang="ja-JP" sz="2400" dirty="0"/>
+              <a:t>int Calc::add(int a, int b) {</a:t>
+            </a:r>
+          </a:p>
+          <a:p>
+            <a:r>
+              <a:rPr kumimoji="1" lang="en-US" altLang="ja-JP" sz="2400" dirty="0"/>
+              <a:t>	return a + b;</a:t>
+            </a:r>
+          </a:p>
+          <a:p>
+            <a:r>
+              <a:rPr kumimoji="1" lang="en-US" altLang="ja-JP" sz="2400" dirty="0"/>
+              <a:t>}</a:t>
+            </a:r>
+          </a:p>
+          <a:p>
+            <a:r>
+              <a:rPr kumimoji="1" lang="en-US" altLang="ja-JP" sz="2400" dirty="0">
+                <a:solidFill>
+                  <a:srgbClr val="FF0000"/>
+                </a:solidFill>
+              </a:rPr>
+              <a:t>double Calc::add(double a, double b) {</a:t>
+            </a:r>
+          </a:p>
+          <a:p>
+            <a:r>
+              <a:rPr kumimoji="1" lang="en-US" altLang="ja-JP" sz="2400" dirty="0">
+                <a:solidFill>
+                  <a:srgbClr val="FF0000"/>
+                </a:solidFill>
+              </a:rPr>
+              <a:t>	return a + b;</a:t>
+            </a:r>
+          </a:p>
+          <a:p>
+            <a:r>
+              <a:rPr kumimoji="1" lang="en-US" altLang="ja-JP" sz="2400" dirty="0">
+                <a:solidFill>
+                  <a:srgbClr val="FF0000"/>
+                </a:solidFill>
+              </a:rPr>
+              <a:t>} </a:t>
+            </a:r>
+          </a:p>
+          <a:p>
+            <a:r>
+              <a:rPr kumimoji="1" lang="en-US" altLang="ja-JP" sz="2400" dirty="0">
+                <a:solidFill>
+                  <a:srgbClr val="FF0000"/>
+                </a:solidFill>
+              </a:rPr>
+              <a:t>string Calc::add(string a, string b) {</a:t>
+            </a:r>
+          </a:p>
+          <a:p>
+            <a:r>
+              <a:rPr kumimoji="1" lang="en-US" altLang="ja-JP" sz="2400" dirty="0">
+                <a:solidFill>
+                  <a:srgbClr val="FF0000"/>
+                </a:solidFill>
+              </a:rPr>
+              <a:t>	return a + b;</a:t>
+            </a:r>
+          </a:p>
+          <a:p>
+            <a:r>
+              <a:rPr kumimoji="1" lang="en-US" altLang="ja-JP" sz="2400" dirty="0">
+                <a:solidFill>
+                  <a:srgbClr val="FF0000"/>
+                </a:solidFill>
+              </a:rPr>
+              <a:t>}</a:t>
+            </a:r>
           </a:p>
         </p:txBody>
       </p:sp>
     </p:spTree>
     <p:extLst>
       <p:ext uri="{BB962C8B-B14F-4D97-AF65-F5344CB8AC3E}">
-        <p14:creationId xmlns:p14="http://schemas.microsoft.com/office/powerpoint/2010/main" val="1946997171"/>
+        <p14:creationId xmlns:p14="http://schemas.microsoft.com/office/powerpoint/2010/main" val="3937069281"/>
       </p:ext>
     </p:extLst>
   </p:cSld>
@@ -5399,8 +6220,12 @@
           <a:lstStyle/>
           <a:p>
             <a:r>
-              <a:rPr kumimoji="1" lang="en-US" altLang="ja-JP" dirty="0" err="1"/>
-              <a:t>calc.h</a:t>
+              <a:rPr kumimoji="1" lang="en-US" altLang="ja-JP" dirty="0"/>
+              <a:t>main.</a:t>
+            </a:r>
+            <a:r>
+              <a:rPr lang="en-US" altLang="ja-JP" dirty="0"/>
+              <a:t>cpp</a:t>
             </a:r>
             <a:r>
               <a:rPr kumimoji="1" lang="ja-JP" altLang="en-US" dirty="0"/>
@@ -5465,8 +6290,8 @@
         </p:nvSpPr>
         <p:spPr>
           <a:xfrm>
-            <a:off x="1048255" y="1942532"/>
-            <a:ext cx="10688220" cy="4524315"/>
+            <a:off x="1048254" y="1709060"/>
+            <a:ext cx="11072409" cy="5078313"/>
           </a:xfrm>
           <a:prstGeom prst="rect">
             <a:avLst/>
@@ -5485,222 +6310,241 @@
           <a:lstStyle/>
           <a:p>
             <a:r>
-              <a:rPr kumimoji="1" lang="en-US" altLang="ja-JP" sz="2400" dirty="0"/>
-              <a:t>#pragma once</a:t>
-            </a:r>
-          </a:p>
-          <a:p>
-            <a:r>
-              <a:rPr kumimoji="1" lang="en-US" altLang="ja-JP" sz="2400" dirty="0"/>
-              <a:t>class Calc {</a:t>
-            </a:r>
-          </a:p>
-          <a:p>
-            <a:r>
-              <a:rPr kumimoji="1" lang="en-US" altLang="ja-JP" sz="2400" dirty="0"/>
-              <a:t>private:</a:t>
-            </a:r>
-          </a:p>
-          <a:p>
-            <a:r>
               <a:rPr kumimoji="1" lang="ja-JP" altLang="en-US" sz="2400" dirty="0"/>
-              <a:t>　　   （略）</a:t>
+              <a:t>　　　　（略）</a:t>
             </a:r>
             <a:endParaRPr kumimoji="1" lang="en-US" altLang="ja-JP" sz="2400" dirty="0"/>
           </a:p>
           <a:p>
             <a:r>
-              <a:rPr kumimoji="1" lang="en-US" altLang="ja-JP" sz="2400" dirty="0"/>
-              <a:t>public:</a:t>
-            </a:r>
-          </a:p>
-          <a:p>
-            <a:r>
-              <a:rPr kumimoji="1" lang="en-US" altLang="ja-JP" sz="2400" dirty="0"/>
-              <a:t>	int add();</a:t>
-            </a:r>
-          </a:p>
-          <a:p>
-            <a:r>
-              <a:rPr kumimoji="1" lang="en-US" altLang="ja-JP" sz="2400" dirty="0"/>
+              <a:rPr kumimoji="1" lang="en-US" altLang="ja-JP" sz="2000" dirty="0"/>
+              <a:t>int main() {</a:t>
+            </a:r>
+          </a:p>
+          <a:p>
+            <a:r>
+              <a:rPr kumimoji="1" lang="en-US" altLang="ja-JP" sz="2000" dirty="0"/>
+              <a:t>	Calc* pC1, * pC2;</a:t>
+            </a:r>
+          </a:p>
+          <a:p>
+            <a:r>
+              <a:rPr kumimoji="1" lang="en-US" altLang="ja-JP" sz="2000" dirty="0"/>
+              <a:t>	pC1 = new Calc();</a:t>
+            </a:r>
+          </a:p>
+          <a:p>
+            <a:r>
+              <a:rPr kumimoji="1" lang="en-US" altLang="ja-JP" sz="2000" dirty="0"/>
+              <a:t>	pC2 = new Calc(1, 2);</a:t>
+            </a:r>
+          </a:p>
+          <a:p>
+            <a:r>
+              <a:rPr kumimoji="1" lang="en-US" altLang="ja-JP" sz="2000" dirty="0"/>
               <a:t>	</a:t>
             </a:r>
             <a:r>
-              <a:rPr kumimoji="1" lang="en-US" altLang="ja-JP" sz="2400" dirty="0">
-                <a:solidFill>
-                  <a:srgbClr val="FF0000"/>
-                </a:solidFill>
-              </a:rPr>
-              <a:t>template &lt;</a:t>
-            </a:r>
-            <a:r>
-              <a:rPr kumimoji="1" lang="en-US" altLang="ja-JP" sz="2400" dirty="0" err="1">
-                <a:solidFill>
-                  <a:srgbClr val="FF0000"/>
-                </a:solidFill>
-              </a:rPr>
-              <a:t>typename</a:t>
-            </a:r>
-            <a:r>
-              <a:rPr kumimoji="1" lang="en-US" altLang="ja-JP" sz="2400" dirty="0">
-                <a:solidFill>
-                  <a:srgbClr val="FF0000"/>
-                </a:solidFill>
-              </a:rPr>
-              <a:t> T&gt;</a:t>
-            </a:r>
-          </a:p>
-          <a:p>
-            <a:r>
-              <a:rPr kumimoji="1" lang="en-US" altLang="ja-JP" sz="2400" dirty="0">
-                <a:solidFill>
-                  <a:srgbClr val="FF0000"/>
-                </a:solidFill>
-              </a:rPr>
-              <a:t>	T add(T a, T b) {</a:t>
-            </a:r>
-            <a:br>
-              <a:rPr kumimoji="1" lang="en-US" altLang="ja-JP" sz="2400" dirty="0">
-                <a:solidFill>
-                  <a:srgbClr val="FF0000"/>
-                </a:solidFill>
-              </a:rPr>
-            </a:br>
-            <a:r>
-              <a:rPr kumimoji="1" lang="en-US" altLang="ja-JP" sz="2400" dirty="0">
-                <a:solidFill>
-                  <a:srgbClr val="FF0000"/>
-                </a:solidFill>
-              </a:rPr>
-              <a:t>		return a + b;</a:t>
-            </a:r>
-          </a:p>
-          <a:p>
-            <a:r>
-              <a:rPr kumimoji="1" lang="en-US" altLang="ja-JP" sz="2400" dirty="0">
-                <a:solidFill>
-                  <a:srgbClr val="FF0000"/>
-                </a:solidFill>
-              </a:rPr>
-              <a:t>	};</a:t>
-            </a:r>
-            <a:br>
-              <a:rPr kumimoji="1" lang="en-US" altLang="ja-JP" sz="2400" dirty="0">
-                <a:solidFill>
-                  <a:srgbClr val="FF0000"/>
-                </a:solidFill>
-              </a:rPr>
-            </a:br>
-            <a:r>
-              <a:rPr kumimoji="1" lang="en-US" altLang="ja-JP" sz="2400" dirty="0"/>
+              <a:rPr kumimoji="1" lang="en-US" altLang="ja-JP" sz="2000" dirty="0" err="1"/>
+              <a:t>cout</a:t>
+            </a:r>
+            <a:r>
+              <a:rPr kumimoji="1" lang="en-US" altLang="ja-JP" sz="2000" dirty="0"/>
+              <a:t> &lt;&lt; 3 &lt;&lt; "+" &lt;&lt; 4 &lt;&lt; "="	&lt;&lt; pC1-&gt;add(3, 4) &lt;&lt; </a:t>
+            </a:r>
+            <a:r>
+              <a:rPr kumimoji="1" lang="en-US" altLang="ja-JP" sz="2000" dirty="0" err="1"/>
+              <a:t>endl</a:t>
+            </a:r>
+            <a:r>
+              <a:rPr kumimoji="1" lang="en-US" altLang="ja-JP" sz="2000" dirty="0"/>
+              <a:t>;</a:t>
+            </a:r>
+          </a:p>
+          <a:p>
+            <a:r>
+              <a:rPr kumimoji="1" lang="en-US" altLang="ja-JP" sz="2000" dirty="0"/>
               <a:t>	</a:t>
             </a:r>
             <a:r>
-              <a:rPr kumimoji="1" lang="ja-JP" altLang="en-US" sz="2400" dirty="0"/>
-              <a:t>　　（略）</a:t>
-            </a:r>
-            <a:endParaRPr kumimoji="1" lang="en-US" altLang="ja-JP" sz="2400" dirty="0"/>
-          </a:p>
-          <a:p>
-            <a:r>
-              <a:rPr kumimoji="1" lang="en-US" altLang="ja-JP" sz="2400" dirty="0"/>
-              <a:t>};</a:t>
-            </a:r>
-            <a:endParaRPr kumimoji="1" lang="ja-JP" altLang="en-US" sz="2400" dirty="0"/>
-          </a:p>
-        </p:txBody>
-      </p:sp>
-      <p:sp>
-        <p:nvSpPr>
-          <p:cNvPr id="4" name="テキスト ボックス 3">
-            <a:extLst>
-              <a:ext uri="{FF2B5EF4-FFF2-40B4-BE49-F238E27FC236}">
-                <a16:creationId xmlns:a16="http://schemas.microsoft.com/office/drawing/2014/main" id="{66CE7F4B-75FF-4B35-95DF-A25B059D18CF}"/>
-              </a:ext>
-            </a:extLst>
-          </p:cNvPr>
-          <p:cNvSpPr txBox="1"/>
-          <p:nvPr/>
-        </p:nvSpPr>
-        <p:spPr>
-          <a:xfrm>
-            <a:off x="5861949" y="2459181"/>
-            <a:ext cx="5359159" cy="1815882"/>
-          </a:xfrm>
-          <a:prstGeom prst="rect">
-            <a:avLst/>
-          </a:prstGeom>
-          <a:solidFill>
-            <a:schemeClr val="bg1"/>
-          </a:solidFill>
-          <a:ln>
-            <a:solidFill>
-              <a:schemeClr val="tx1"/>
-            </a:solidFill>
-          </a:ln>
-          <a:effectLst>
-            <a:outerShdw blurRad="50800" dist="38100" dir="2700000" algn="tl" rotWithShape="0">
-              <a:prstClr val="black">
-                <a:alpha val="40000"/>
-              </a:prstClr>
-            </a:outerShdw>
-          </a:effectLst>
-        </p:spPr>
-        <p:txBody>
-          <a:bodyPr wrap="none" rtlCol="0">
-            <a:spAutoFit/>
-          </a:bodyPr>
-          <a:lstStyle/>
-          <a:p>
-            <a:r>
-              <a:rPr kumimoji="1" lang="en-US" altLang="ja-JP" sz="2800" b="1" dirty="0">
-                <a:solidFill>
-                  <a:srgbClr val="FF0000"/>
-                </a:solidFill>
-              </a:rPr>
-              <a:t>add</a:t>
-            </a:r>
-            <a:r>
-              <a:rPr kumimoji="1" lang="ja-JP" altLang="en-US" sz="2800" b="1" dirty="0">
-                <a:solidFill>
-                  <a:srgbClr val="FF0000"/>
-                </a:solidFill>
-              </a:rPr>
-              <a:t>関数</a:t>
-            </a:r>
-            <a:r>
-              <a:rPr kumimoji="1" lang="ja-JP" altLang="en-US" sz="2800" dirty="0"/>
-              <a:t>をテンプレートを用いて</a:t>
-            </a:r>
-            <a:endParaRPr kumimoji="1" lang="en-US" altLang="ja-JP" sz="2800" dirty="0"/>
-          </a:p>
-          <a:p>
-            <a:r>
-              <a:rPr kumimoji="1" lang="ja-JP" altLang="en-US" sz="2800" dirty="0"/>
-              <a:t>書き換える</a:t>
-            </a:r>
-            <a:br>
-              <a:rPr kumimoji="1" lang="en-US" altLang="ja-JP" sz="2800" dirty="0"/>
-            </a:br>
-            <a:r>
-              <a:rPr kumimoji="1" lang="ja-JP" altLang="en-US" sz="2800" dirty="0"/>
-              <a:t>メンバ関数の場合は、関数の記述</a:t>
-            </a:r>
-            <a:endParaRPr kumimoji="1" lang="en-US" altLang="ja-JP" sz="2800" dirty="0"/>
-          </a:p>
-          <a:p>
-            <a:r>
-              <a:rPr kumimoji="1" lang="ja-JP" altLang="en-US" sz="2800" dirty="0"/>
-              <a:t>もヘッダファイルで行う</a:t>
-            </a:r>
-            <a:endParaRPr kumimoji="1" lang="en-US" altLang="ja-JP" sz="2800" dirty="0"/>
+              <a:rPr kumimoji="1" lang="en-US" altLang="ja-JP" sz="2000" dirty="0" err="1"/>
+              <a:t>cout</a:t>
+            </a:r>
+            <a:r>
+              <a:rPr kumimoji="1" lang="en-US" altLang="ja-JP" sz="2000" dirty="0"/>
+              <a:t> &lt;&lt; pC2-&gt;</a:t>
+            </a:r>
+            <a:r>
+              <a:rPr kumimoji="1" lang="en-US" altLang="ja-JP" sz="2000" dirty="0" err="1"/>
+              <a:t>getA</a:t>
+            </a:r>
+            <a:r>
+              <a:rPr kumimoji="1" lang="en-US" altLang="ja-JP" sz="2000" dirty="0"/>
+              <a:t>() &lt;&lt; “+”	&lt;&lt; pC2-&gt;</a:t>
+            </a:r>
+            <a:r>
+              <a:rPr kumimoji="1" lang="en-US" altLang="ja-JP" sz="2000" dirty="0" err="1"/>
+              <a:t>getB</a:t>
+            </a:r>
+            <a:r>
+              <a:rPr kumimoji="1" lang="en-US" altLang="ja-JP" sz="2000" dirty="0"/>
+              <a:t>() </a:t>
+            </a:r>
+            <a:br>
+              <a:rPr kumimoji="1" lang="en-US" altLang="ja-JP" sz="2000" dirty="0"/>
+            </a:br>
+            <a:r>
+              <a:rPr kumimoji="1" lang="ja-JP" altLang="en-US" sz="2000" dirty="0"/>
+              <a:t>     </a:t>
+            </a:r>
+            <a:r>
+              <a:rPr kumimoji="1" lang="en-US" altLang="ja-JP" sz="2000" dirty="0"/>
+              <a:t>&lt;&lt; "=“ &lt;&lt; pC2-&gt;add() &lt;&lt; </a:t>
+            </a:r>
+            <a:r>
+              <a:rPr kumimoji="1" lang="en-US" altLang="ja-JP" sz="2000" dirty="0" err="1"/>
+              <a:t>endl</a:t>
+            </a:r>
+            <a:r>
+              <a:rPr kumimoji="1" lang="en-US" altLang="ja-JP" sz="2000" dirty="0"/>
+              <a:t>;</a:t>
+            </a:r>
+          </a:p>
+          <a:p>
+            <a:r>
+              <a:rPr kumimoji="1" lang="en-US" altLang="ja-JP" sz="2000" dirty="0"/>
+              <a:t>	</a:t>
+            </a:r>
+            <a:r>
+              <a:rPr kumimoji="1" lang="en-US" altLang="ja-JP" sz="2000" dirty="0" err="1">
+                <a:solidFill>
+                  <a:srgbClr val="FF0000"/>
+                </a:solidFill>
+              </a:rPr>
+              <a:t>cout</a:t>
+            </a:r>
+            <a:r>
+              <a:rPr kumimoji="1" lang="en-US" altLang="ja-JP" sz="2000" dirty="0">
+                <a:solidFill>
+                  <a:srgbClr val="FF0000"/>
+                </a:solidFill>
+              </a:rPr>
+              <a:t> &lt;&lt; 1.1 &lt;&lt; “+” &lt;&lt; 2.5 &lt;&lt; “=“ &lt;&lt; pC1-&gt;add1.1, 2.5) </a:t>
+            </a:r>
+            <a:br>
+              <a:rPr kumimoji="1" lang="en-US" altLang="ja-JP" sz="2000" dirty="0">
+                <a:solidFill>
+                  <a:srgbClr val="FF0000"/>
+                </a:solidFill>
+              </a:rPr>
+            </a:br>
+            <a:r>
+              <a:rPr kumimoji="1" lang="en-US" altLang="ja-JP" sz="2000" dirty="0">
+                <a:solidFill>
+                  <a:srgbClr val="FF0000"/>
+                </a:solidFill>
+              </a:rPr>
+              <a:t>			&lt;&lt; </a:t>
+            </a:r>
+            <a:r>
+              <a:rPr kumimoji="1" lang="en-US" altLang="ja-JP" sz="2000" dirty="0" err="1">
+                <a:solidFill>
+                  <a:srgbClr val="FF0000"/>
+                </a:solidFill>
+              </a:rPr>
+              <a:t>endl</a:t>
+            </a:r>
+            <a:r>
+              <a:rPr kumimoji="1" lang="en-US" altLang="ja-JP" sz="2000" dirty="0">
+                <a:solidFill>
+                  <a:srgbClr val="FF0000"/>
+                </a:solidFill>
+              </a:rPr>
+              <a:t>;</a:t>
+            </a:r>
+          </a:p>
+          <a:p>
+            <a:r>
+              <a:rPr kumimoji="1" lang="en-US" altLang="ja-JP" sz="2000" dirty="0">
+                <a:solidFill>
+                  <a:srgbClr val="FF0000"/>
+                </a:solidFill>
+              </a:rPr>
+              <a:t>	</a:t>
+            </a:r>
+            <a:r>
+              <a:rPr kumimoji="1" lang="en-US" altLang="ja-JP" sz="2000" dirty="0" err="1">
+                <a:solidFill>
+                  <a:srgbClr val="FF0000"/>
+                </a:solidFill>
+              </a:rPr>
+              <a:t>cout</a:t>
+            </a:r>
+            <a:r>
+              <a:rPr kumimoji="1" lang="en-US" altLang="ja-JP" sz="2000" dirty="0">
+                <a:solidFill>
+                  <a:srgbClr val="FF0000"/>
+                </a:solidFill>
+              </a:rPr>
+              <a:t> &lt;&lt; “ABC” &lt;&lt; “+” &lt;&lt; “DEF” &lt;&lt; “=“ </a:t>
+            </a:r>
+          </a:p>
+          <a:p>
+            <a:r>
+              <a:rPr kumimoji="1" lang="en-US" altLang="ja-JP" sz="2000" dirty="0">
+                <a:solidFill>
+                  <a:srgbClr val="FF0000"/>
+                </a:solidFill>
+              </a:rPr>
+              <a:t>			&lt;&lt; pC1-&gt;add(“ABC”, “DEF”) &lt;&lt; </a:t>
+            </a:r>
+            <a:r>
+              <a:rPr kumimoji="1" lang="en-US" altLang="ja-JP" sz="2000" dirty="0" err="1">
+                <a:solidFill>
+                  <a:srgbClr val="FF0000"/>
+                </a:solidFill>
+              </a:rPr>
+              <a:t>endl</a:t>
+            </a:r>
+            <a:r>
+              <a:rPr kumimoji="1" lang="en-US" altLang="ja-JP" sz="2000" dirty="0">
+                <a:solidFill>
+                  <a:srgbClr val="FF0000"/>
+                </a:solidFill>
+              </a:rPr>
+              <a:t>;</a:t>
+            </a:r>
+          </a:p>
+          <a:p>
+            <a:r>
+              <a:rPr kumimoji="1" lang="en-US" altLang="ja-JP" sz="2000" dirty="0"/>
+              <a:t>	delete pC1;</a:t>
+            </a:r>
+          </a:p>
+          <a:p>
+            <a:r>
+              <a:rPr kumimoji="1" lang="en-US" altLang="ja-JP" sz="2000" dirty="0"/>
+              <a:t>	delete pC2;</a:t>
+            </a:r>
+          </a:p>
+          <a:p>
+            <a:r>
+              <a:rPr kumimoji="1" lang="en-US" altLang="ja-JP" sz="2000" dirty="0"/>
+              <a:t>	return 0;</a:t>
+            </a:r>
+          </a:p>
+          <a:p>
+            <a:r>
+              <a:rPr kumimoji="1" lang="en-US" altLang="ja-JP" sz="2000" dirty="0"/>
+              <a:t>}</a:t>
+            </a:r>
           </a:p>
         </p:txBody>
       </p:sp>
     </p:spTree>
     <p:extLst>
       <p:ext uri="{BB962C8B-B14F-4D97-AF65-F5344CB8AC3E}">
-        <p14:creationId xmlns:p14="http://schemas.microsoft.com/office/powerpoint/2010/main" val="534155200"/>
+        <p14:creationId xmlns:p14="http://schemas.microsoft.com/office/powerpoint/2010/main" val="3936164053"/>
       </p:ext>
     </p:extLst>
   </p:cSld>
@@ -5732,7 +6576,7 @@
           <p:cNvPr id="2" name="タイトル 1">
             <a:extLst>
               <a:ext uri="{FF2B5EF4-FFF2-40B4-BE49-F238E27FC236}">
-                <a16:creationId xmlns:a16="http://schemas.microsoft.com/office/drawing/2014/main" id="{F11F3668-F205-48C5-AC01-19611EFE561B}"/>
+                <a16:creationId xmlns:a16="http://schemas.microsoft.com/office/drawing/2014/main" id="{9F789731-37C4-49DD-AEE8-78E5514E279E}"/>
               </a:ext>
             </a:extLst>
           </p:cNvPr>
@@ -5761,7 +6605,7 @@
           <p:cNvPr id="3" name="コンテンツ プレースホルダー 2">
             <a:extLst>
               <a:ext uri="{FF2B5EF4-FFF2-40B4-BE49-F238E27FC236}">
-                <a16:creationId xmlns:a16="http://schemas.microsoft.com/office/drawing/2014/main" id="{64DBE417-57E9-44A6-BB52-B2F9986BB7B2}"/>
+                <a16:creationId xmlns:a16="http://schemas.microsoft.com/office/drawing/2014/main" id="{39562F0E-6033-40BD-BCB8-F015661306FD}"/>
               </a:ext>
             </a:extLst>
           </p:cNvPr>
@@ -5774,8 +6618,8 @@
         </p:nvSpPr>
         <p:spPr>
           <a:xfrm>
-            <a:off x="838200" y="1162976"/>
-            <a:ext cx="10515600" cy="5193373"/>
+            <a:off x="838200" y="1376038"/>
+            <a:ext cx="10515600" cy="5374958"/>
           </a:xfrm>
         </p:spPr>
         <p:txBody>
@@ -5785,30 +6629,33 @@
           <a:lstStyle/>
           <a:p>
             <a:r>
-              <a:rPr kumimoji="1" lang="en-US" altLang="ja-JP" dirty="0"/>
-              <a:t>calc.</a:t>
-            </a:r>
-            <a:r>
+              <a:rPr lang="ja-JP" altLang="en-US" sz="4400" b="1" u="sng" dirty="0"/>
+              <a:t>関数テンプレート</a:t>
+            </a:r>
+            <a:br>
+              <a:rPr lang="en-US" altLang="ja-JP" b="1" u="sng" dirty="0"/>
+            </a:br>
+            <a:br>
+              <a:rPr lang="en-US" altLang="ja-JP" sz="1800" dirty="0"/>
+            </a:br>
+            <a:r>
+              <a:rPr lang="ja-JP" altLang="en-US" dirty="0"/>
+              <a:t>メンバ関数のオーバーロード（多重定義）を行う</a:t>
+            </a:r>
+            <a:br>
               <a:rPr lang="en-US" altLang="ja-JP" dirty="0"/>
-              <a:t>cpp</a:t>
-            </a:r>
-            <a:r>
-              <a:rPr kumimoji="1" lang="ja-JP" altLang="en-US" dirty="0"/>
-              <a:t>　</a:t>
-            </a:r>
-            <a:r>
-              <a:rPr kumimoji="1" lang="en-US" altLang="ja-JP" dirty="0"/>
-              <a:t>(Sample503t)</a:t>
+            </a:br>
+            <a:r>
+              <a:rPr lang="ja-JP" altLang="en-US" dirty="0"/>
+              <a:t>ときに引数の数は同じだが、引数の型が異なる</a:t>
             </a:r>
             <a:br>
               <a:rPr lang="en-US" altLang="ja-JP" dirty="0"/>
             </a:br>
-            <a:endParaRPr lang="en-US" altLang="ja-JP" dirty="0"/>
-          </a:p>
-          <a:p>
-            <a:pPr marL="0" indent="0">
-              <a:buNone/>
-            </a:pPr>
+            <a:r>
+              <a:rPr lang="ja-JP" altLang="en-US" dirty="0"/>
+              <a:t>と、似たような記述を何回もしないといけない</a:t>
+            </a:r>
             <a:br>
               <a:rPr lang="en-US" altLang="ja-JP" dirty="0"/>
             </a:br>
@@ -5818,35 +6665,16 @@
             <a:br>
               <a:rPr lang="en-US" altLang="ja-JP" dirty="0"/>
             </a:br>
-            <a:br>
-              <a:rPr lang="en-US" altLang="ja-JP" sz="2400" dirty="0"/>
-            </a:br>
-            <a:br>
-              <a:rPr lang="en-US" altLang="ja-JP" sz="2400" dirty="0"/>
-            </a:br>
-            <a:endParaRPr lang="en-US" altLang="ja-JP" sz="2400" dirty="0"/>
-          </a:p>
-          <a:p>
-            <a:pPr marL="0" indent="0">
-              <a:buNone/>
-            </a:pPr>
-            <a:br>
-              <a:rPr lang="en-US" altLang="ja-JP" sz="2400" dirty="0"/>
-            </a:br>
-            <a:endParaRPr lang="en-US" altLang="ja-JP" dirty="0">
-              <a:solidFill>
-                <a:srgbClr val="FF0000"/>
-              </a:solidFill>
-            </a:endParaRPr>
-          </a:p>
-        </p:txBody>
-      </p:sp>
-      <p:sp>
-        <p:nvSpPr>
-          <p:cNvPr id="5" name="テキスト ボックス 4">
+            <a:endParaRPr lang="en-US" altLang="ja-JP" sz="3200" dirty="0"/>
+          </a:p>
+        </p:txBody>
+      </p:sp>
+      <p:sp>
+        <p:nvSpPr>
+          <p:cNvPr id="4" name="テキスト ボックス 3">
             <a:extLst>
               <a:ext uri="{FF2B5EF4-FFF2-40B4-BE49-F238E27FC236}">
-                <a16:creationId xmlns:a16="http://schemas.microsoft.com/office/drawing/2014/main" id="{9E32883C-0E37-4F07-9861-27609819CE8C}"/>
+                <a16:creationId xmlns:a16="http://schemas.microsoft.com/office/drawing/2014/main" id="{13D7D604-E293-095C-3CE4-9C5587FC1A86}"/>
               </a:ext>
             </a:extLst>
           </p:cNvPr>
@@ -5855,212 +6683,8 @@
         </p:nvSpPr>
         <p:spPr>
           <a:xfrm>
-            <a:off x="1048255" y="1864708"/>
-            <a:ext cx="10688220" cy="4893647"/>
-          </a:xfrm>
-          <a:prstGeom prst="rect">
-            <a:avLst/>
-          </a:prstGeom>
-          <a:noFill/>
-          <a:ln>
-            <a:solidFill>
-              <a:schemeClr val="tx1"/>
-            </a:solidFill>
-          </a:ln>
-        </p:spPr>
-        <p:txBody>
-          <a:bodyPr wrap="square" rtlCol="0">
-            <a:spAutoFit/>
-          </a:bodyPr>
-          <a:lstStyle/>
-          <a:p>
-            <a:r>
-              <a:rPr kumimoji="1" lang="en-US" altLang="ja-JP" sz="2400" dirty="0"/>
-              <a:t>#include "</a:t>
-            </a:r>
-            <a:r>
-              <a:rPr kumimoji="1" lang="en-US" altLang="ja-JP" sz="2400" dirty="0" err="1"/>
-              <a:t>calc.h</a:t>
-            </a:r>
-            <a:r>
-              <a:rPr kumimoji="1" lang="en-US" altLang="ja-JP" sz="2400" dirty="0"/>
-              <a:t>"</a:t>
-            </a:r>
-          </a:p>
-          <a:p>
-            <a:r>
-              <a:rPr kumimoji="1" lang="en-US" altLang="ja-JP" sz="2400" dirty="0"/>
-              <a:t>Calc::Calc() : </a:t>
-            </a:r>
-            <a:r>
-              <a:rPr kumimoji="1" lang="en-US" altLang="ja-JP" sz="2400" dirty="0" err="1"/>
-              <a:t>m_a</a:t>
-            </a:r>
-            <a:r>
-              <a:rPr kumimoji="1" lang="en-US" altLang="ja-JP" sz="2400" dirty="0"/>
-              <a:t>(0), </a:t>
-            </a:r>
-            <a:r>
-              <a:rPr kumimoji="1" lang="en-US" altLang="ja-JP" sz="2400" dirty="0" err="1"/>
-              <a:t>m_b</a:t>
-            </a:r>
-            <a:r>
-              <a:rPr kumimoji="1" lang="en-US" altLang="ja-JP" sz="2400" dirty="0"/>
-              <a:t>(0) {}</a:t>
-            </a:r>
-          </a:p>
-          <a:p>
-            <a:r>
-              <a:rPr kumimoji="1" lang="en-US" altLang="ja-JP" sz="2400" dirty="0"/>
-              <a:t>Calc::Calc(int a, int b) : </a:t>
-            </a:r>
-            <a:r>
-              <a:rPr kumimoji="1" lang="en-US" altLang="ja-JP" sz="2400" dirty="0" err="1"/>
-              <a:t>m_a</a:t>
-            </a:r>
-            <a:r>
-              <a:rPr kumimoji="1" lang="en-US" altLang="ja-JP" sz="2400" dirty="0"/>
-              <a:t>(a), </a:t>
-            </a:r>
-            <a:r>
-              <a:rPr kumimoji="1" lang="en-US" altLang="ja-JP" sz="2400" dirty="0" err="1"/>
-              <a:t>m_b</a:t>
-            </a:r>
-            <a:r>
-              <a:rPr kumimoji="1" lang="en-US" altLang="ja-JP" sz="2400" dirty="0"/>
-              <a:t>(b) {}</a:t>
-            </a:r>
-          </a:p>
-          <a:p>
-            <a:r>
-              <a:rPr kumimoji="1" lang="en-US" altLang="ja-JP" sz="2400" dirty="0"/>
-              <a:t>int Calc::add() {</a:t>
-            </a:r>
-          </a:p>
-          <a:p>
-            <a:r>
-              <a:rPr kumimoji="1" lang="en-US" altLang="ja-JP" sz="2400" dirty="0"/>
-              <a:t>	return </a:t>
-            </a:r>
-            <a:r>
-              <a:rPr kumimoji="1" lang="en-US" altLang="ja-JP" sz="2400" dirty="0" err="1"/>
-              <a:t>m_a</a:t>
-            </a:r>
-            <a:r>
-              <a:rPr kumimoji="1" lang="en-US" altLang="ja-JP" sz="2400" dirty="0"/>
-              <a:t> + </a:t>
-            </a:r>
-            <a:r>
-              <a:rPr kumimoji="1" lang="en-US" altLang="ja-JP" sz="2400" dirty="0" err="1"/>
-              <a:t>m_b</a:t>
-            </a:r>
-            <a:r>
-              <a:rPr kumimoji="1" lang="en-US" altLang="ja-JP" sz="2400" dirty="0"/>
-              <a:t>;</a:t>
-            </a:r>
-          </a:p>
-          <a:p>
-            <a:r>
-              <a:rPr kumimoji="1" lang="en-US" altLang="ja-JP" sz="2400" dirty="0"/>
-              <a:t>}</a:t>
-            </a:r>
-          </a:p>
-          <a:p>
-            <a:r>
-              <a:rPr kumimoji="1" lang="en-US" altLang="ja-JP" sz="2400" strike="dblStrike" dirty="0">
-                <a:solidFill>
-                  <a:srgbClr val="FF0000"/>
-                </a:solidFill>
-              </a:rPr>
-              <a:t>int Calc::add(int a, int b) {</a:t>
-            </a:r>
-          </a:p>
-          <a:p>
-            <a:r>
-              <a:rPr kumimoji="1" lang="en-US" altLang="ja-JP" sz="2400" strike="dblStrike" dirty="0">
-                <a:solidFill>
-                  <a:srgbClr val="FF0000"/>
-                </a:solidFill>
-              </a:rPr>
-              <a:t>	return a + b;</a:t>
-            </a:r>
-          </a:p>
-          <a:p>
-            <a:r>
-              <a:rPr kumimoji="1" lang="en-US" altLang="ja-JP" sz="2400" strike="dblStrike" dirty="0">
-                <a:solidFill>
-                  <a:srgbClr val="FF0000"/>
-                </a:solidFill>
-              </a:rPr>
-              <a:t>}</a:t>
-            </a:r>
-          </a:p>
-          <a:p>
-            <a:r>
-              <a:rPr kumimoji="1" lang="en-US" altLang="ja-JP" sz="2400" dirty="0"/>
-              <a:t>void Calc::</a:t>
-            </a:r>
-            <a:r>
-              <a:rPr kumimoji="1" lang="en-US" altLang="ja-JP" sz="2400" dirty="0" err="1"/>
-              <a:t>setValue</a:t>
-            </a:r>
-            <a:r>
-              <a:rPr kumimoji="1" lang="en-US" altLang="ja-JP" sz="2400" dirty="0"/>
-              <a:t>(int a, int b) {</a:t>
-            </a:r>
-          </a:p>
-          <a:p>
-            <a:r>
-              <a:rPr kumimoji="1" lang="en-US" altLang="ja-JP" sz="2400" dirty="0"/>
-              <a:t>	</a:t>
-            </a:r>
-            <a:r>
-              <a:rPr kumimoji="1" lang="en-US" altLang="ja-JP" sz="2400" dirty="0" err="1"/>
-              <a:t>m_a</a:t>
-            </a:r>
-            <a:r>
-              <a:rPr kumimoji="1" lang="en-US" altLang="ja-JP" sz="2400" dirty="0"/>
-              <a:t> = a;</a:t>
-            </a:r>
-          </a:p>
-          <a:p>
-            <a:r>
-              <a:rPr kumimoji="1" lang="en-US" altLang="ja-JP" sz="2400" dirty="0"/>
-              <a:t>	</a:t>
-            </a:r>
-            <a:r>
-              <a:rPr kumimoji="1" lang="en-US" altLang="ja-JP" sz="2400" dirty="0" err="1"/>
-              <a:t>m_b</a:t>
-            </a:r>
-            <a:r>
-              <a:rPr kumimoji="1" lang="en-US" altLang="ja-JP" sz="2400" dirty="0"/>
-              <a:t> = b;</a:t>
-            </a:r>
-          </a:p>
-          <a:p>
-            <a:r>
-              <a:rPr kumimoji="1" lang="en-US" altLang="ja-JP" sz="2400" dirty="0"/>
-              <a:t>}</a:t>
-            </a:r>
-          </a:p>
-        </p:txBody>
-      </p:sp>
-      <p:sp>
-        <p:nvSpPr>
-          <p:cNvPr id="4" name="テキスト ボックス 3">
-            <a:extLst>
-              <a:ext uri="{FF2B5EF4-FFF2-40B4-BE49-F238E27FC236}">
-                <a16:creationId xmlns:a16="http://schemas.microsoft.com/office/drawing/2014/main" id="{66CE7F4B-75FF-4B35-95DF-A25B059D18CF}"/>
-              </a:ext>
-            </a:extLst>
-          </p:cNvPr>
-          <p:cNvSpPr txBox="1"/>
-          <p:nvPr/>
-        </p:nvSpPr>
-        <p:spPr>
-          <a:xfrm>
-            <a:off x="4826948" y="4741714"/>
-            <a:ext cx="6114174" cy="954107"/>
+            <a:off x="1003804" y="3769679"/>
+            <a:ext cx="6699324" cy="2862322"/>
           </a:xfrm>
           <a:prstGeom prst="rect">
             <a:avLst/>
@@ -6082,6 +6706,219 @@
           </a:effectLst>
         </p:spPr>
         <p:txBody>
+          <a:bodyPr wrap="square" rtlCol="0">
+            <a:spAutoFit/>
+          </a:bodyPr>
+          <a:lstStyle/>
+          <a:p>
+            <a:r>
+              <a:rPr kumimoji="1" lang="en-US" altLang="ja-JP" sz="2000" b="1" dirty="0">
+                <a:solidFill>
+                  <a:srgbClr val="00B0F0"/>
+                </a:solidFill>
+              </a:rPr>
+              <a:t>double</a:t>
+            </a:r>
+            <a:r>
+              <a:rPr kumimoji="1" lang="en-US" altLang="ja-JP" sz="2000" dirty="0"/>
+              <a:t> Calc::add(</a:t>
+            </a:r>
+            <a:r>
+              <a:rPr kumimoji="1" lang="en-US" altLang="ja-JP" sz="2000" dirty="0">
+                <a:solidFill>
+                  <a:srgbClr val="00B0F0"/>
+                </a:solidFill>
+              </a:rPr>
+              <a:t>double </a:t>
+            </a:r>
+            <a:r>
+              <a:rPr kumimoji="1" lang="en-US" altLang="ja-JP" sz="2000" dirty="0" err="1"/>
+              <a:t>a,</a:t>
+            </a:r>
+            <a:r>
+              <a:rPr kumimoji="1" lang="en-US" altLang="ja-JP" sz="2000" dirty="0" err="1">
+                <a:solidFill>
+                  <a:srgbClr val="00B0F0"/>
+                </a:solidFill>
+              </a:rPr>
+              <a:t>double</a:t>
+            </a:r>
+            <a:r>
+              <a:rPr kumimoji="1" lang="en-US" altLang="ja-JP" sz="2000" dirty="0">
+                <a:solidFill>
+                  <a:srgbClr val="00B0F0"/>
+                </a:solidFill>
+              </a:rPr>
+              <a:t> </a:t>
+            </a:r>
+            <a:r>
+              <a:rPr kumimoji="1" lang="en-US" altLang="ja-JP" sz="2000" dirty="0"/>
+              <a:t>b)</a:t>
+            </a:r>
+            <a:r>
+              <a:rPr kumimoji="1" lang="en-US" altLang="ja-JP" sz="2000" dirty="0">
+                <a:solidFill>
+                  <a:srgbClr val="00B0F0"/>
+                </a:solidFill>
+              </a:rPr>
+              <a:t> </a:t>
+            </a:r>
+            <a:r>
+              <a:rPr kumimoji="1" lang="en-US" altLang="ja-JP" sz="2000" dirty="0"/>
+              <a:t>{</a:t>
+            </a:r>
+          </a:p>
+          <a:p>
+            <a:r>
+              <a:rPr kumimoji="1" lang="en-US" altLang="ja-JP" sz="2000" dirty="0"/>
+              <a:t>	return a + b;</a:t>
+            </a:r>
+          </a:p>
+          <a:p>
+            <a:r>
+              <a:rPr kumimoji="1" lang="en-US" altLang="ja-JP" sz="2000" dirty="0"/>
+              <a:t>}</a:t>
+            </a:r>
+          </a:p>
+          <a:p>
+            <a:r>
+              <a:rPr kumimoji="1" lang="en-US" altLang="ja-JP" sz="2000" b="1" dirty="0">
+                <a:solidFill>
+                  <a:srgbClr val="FF0000"/>
+                </a:solidFill>
+              </a:rPr>
+              <a:t>int</a:t>
+            </a:r>
+            <a:r>
+              <a:rPr kumimoji="1" lang="en-US" altLang="ja-JP" sz="2000" dirty="0"/>
+              <a:t> Calc::add(</a:t>
+            </a:r>
+            <a:r>
+              <a:rPr kumimoji="1" lang="en-US" altLang="ja-JP" sz="2000" dirty="0">
+                <a:solidFill>
+                  <a:srgbClr val="FF0000"/>
+                </a:solidFill>
+              </a:rPr>
+              <a:t>int </a:t>
+            </a:r>
+            <a:r>
+              <a:rPr kumimoji="1" lang="en-US" altLang="ja-JP" sz="2000" dirty="0"/>
+              <a:t>a,</a:t>
+            </a:r>
+            <a:r>
+              <a:rPr kumimoji="1" lang="en-US" altLang="ja-JP" sz="2000" dirty="0">
+                <a:solidFill>
+                  <a:srgbClr val="FF0000"/>
+                </a:solidFill>
+              </a:rPr>
+              <a:t> int </a:t>
+            </a:r>
+            <a:r>
+              <a:rPr kumimoji="1" lang="en-US" altLang="ja-JP" sz="2000" dirty="0"/>
+              <a:t>b)</a:t>
+            </a:r>
+            <a:r>
+              <a:rPr kumimoji="1" lang="en-US" altLang="ja-JP" sz="2000" dirty="0">
+                <a:solidFill>
+                  <a:srgbClr val="FF0000"/>
+                </a:solidFill>
+              </a:rPr>
+              <a:t> </a:t>
+            </a:r>
+            <a:r>
+              <a:rPr kumimoji="1" lang="en-US" altLang="ja-JP" sz="2000" dirty="0"/>
+              <a:t>{</a:t>
+            </a:r>
+          </a:p>
+          <a:p>
+            <a:r>
+              <a:rPr kumimoji="1" lang="en-US" altLang="ja-JP" sz="2000" dirty="0"/>
+              <a:t>	return a + b;</a:t>
+            </a:r>
+          </a:p>
+          <a:p>
+            <a:r>
+              <a:rPr kumimoji="1" lang="en-US" altLang="ja-JP" sz="2000" dirty="0"/>
+              <a:t>}</a:t>
+            </a:r>
+            <a:br>
+              <a:rPr kumimoji="1" lang="en-US" altLang="ja-JP" sz="2000" dirty="0"/>
+            </a:br>
+            <a:r>
+              <a:rPr kumimoji="1" lang="en-US" altLang="ja-JP" sz="2000" b="1" dirty="0">
+                <a:solidFill>
+                  <a:srgbClr val="00B050"/>
+                </a:solidFill>
+              </a:rPr>
+              <a:t>string</a:t>
+            </a:r>
+            <a:r>
+              <a:rPr kumimoji="1" lang="en-US" altLang="ja-JP" sz="2000" dirty="0"/>
+              <a:t> Calc::add(</a:t>
+            </a:r>
+            <a:r>
+              <a:rPr kumimoji="1" lang="en-US" altLang="ja-JP" sz="2000" dirty="0">
+                <a:solidFill>
+                  <a:srgbClr val="00B050"/>
+                </a:solidFill>
+              </a:rPr>
+              <a:t>string </a:t>
+            </a:r>
+            <a:r>
+              <a:rPr kumimoji="1" lang="en-US" altLang="ja-JP" sz="2000" dirty="0"/>
+              <a:t>a,</a:t>
+            </a:r>
+            <a:r>
+              <a:rPr kumimoji="1" lang="en-US" altLang="ja-JP" sz="2000" dirty="0">
+                <a:solidFill>
+                  <a:srgbClr val="00B050"/>
+                </a:solidFill>
+              </a:rPr>
+              <a:t> string </a:t>
+            </a:r>
+            <a:r>
+              <a:rPr kumimoji="1" lang="en-US" altLang="ja-JP" sz="2000" dirty="0"/>
+              <a:t>b) {</a:t>
+            </a:r>
+          </a:p>
+          <a:p>
+            <a:r>
+              <a:rPr kumimoji="1" lang="en-US" altLang="ja-JP" sz="2000" dirty="0"/>
+              <a:t>  return a + b;</a:t>
+            </a:r>
+          </a:p>
+          <a:p>
+            <a:r>
+              <a:rPr kumimoji="1" lang="en-US" altLang="ja-JP" sz="2000" dirty="0"/>
+              <a:t>}</a:t>
+            </a:r>
+            <a:endParaRPr kumimoji="1" lang="ja-JP" altLang="en-US" sz="2000" dirty="0"/>
+          </a:p>
+        </p:txBody>
+      </p:sp>
+      <p:sp>
+        <p:nvSpPr>
+          <p:cNvPr id="6" name="テキスト ボックス 5">
+            <a:extLst>
+              <a:ext uri="{FF2B5EF4-FFF2-40B4-BE49-F238E27FC236}">
+                <a16:creationId xmlns:a16="http://schemas.microsoft.com/office/drawing/2014/main" id="{E57DA12E-3F50-9D67-8DC8-05794E67A480}"/>
+              </a:ext>
+            </a:extLst>
+          </p:cNvPr>
+          <p:cNvSpPr txBox="1"/>
+          <p:nvPr/>
+        </p:nvSpPr>
+        <p:spPr>
+          <a:xfrm>
+            <a:off x="7786254" y="5666509"/>
+            <a:ext cx="3597460" cy="954107"/>
+          </a:xfrm>
+          <a:prstGeom prst="rect">
+            <a:avLst/>
+          </a:prstGeom>
+          <a:noFill/>
+        </p:spPr>
+        <p:txBody>
           <a:bodyPr wrap="none" rtlCol="0">
             <a:spAutoFit/>
           </a:bodyPr>
@@ -6089,23 +6926,27 @@
           <a:p>
             <a:r>
               <a:rPr kumimoji="1" lang="ja-JP" altLang="en-US" sz="2800" dirty="0"/>
-              <a:t>ヘッダファイルで処理を記述したので</a:t>
+              <a:t>型名が異なるだけで</a:t>
             </a:r>
             <a:endParaRPr kumimoji="1" lang="en-US" altLang="ja-JP" sz="2800" dirty="0"/>
           </a:p>
           <a:p>
             <a:r>
               <a:rPr kumimoji="1" lang="ja-JP" altLang="en-US" sz="2800" dirty="0"/>
-              <a:t>従来の関数処理を削除</a:t>
-            </a:r>
-            <a:endParaRPr kumimoji="1" lang="en-US" altLang="ja-JP" sz="2800" dirty="0"/>
+              <a:t>処理内容はほぼ同じ</a:t>
+            </a:r>
+            <a:r>
+              <a:rPr kumimoji="1" lang="en-US" altLang="ja-JP" sz="2800" dirty="0"/>
+              <a:t>…</a:t>
+            </a:r>
+            <a:endParaRPr kumimoji="1" lang="ja-JP" altLang="en-US" sz="2800" dirty="0"/>
           </a:p>
         </p:txBody>
       </p:sp>
     </p:spTree>
     <p:extLst>
       <p:ext uri="{BB962C8B-B14F-4D97-AF65-F5344CB8AC3E}">
-        <p14:creationId xmlns:p14="http://schemas.microsoft.com/office/powerpoint/2010/main" val="3803394863"/>
+        <p14:creationId xmlns:p14="http://schemas.microsoft.com/office/powerpoint/2010/main" val="4029243710"/>
       </p:ext>
     </p:extLst>
   </p:cSld>
@@ -6137,7 +6978,7 @@
           <p:cNvPr id="2" name="タイトル 1">
             <a:extLst>
               <a:ext uri="{FF2B5EF4-FFF2-40B4-BE49-F238E27FC236}">
-                <a16:creationId xmlns:a16="http://schemas.microsoft.com/office/drawing/2014/main" id="{F11F3668-F205-48C5-AC01-19611EFE561B}"/>
+                <a16:creationId xmlns:a16="http://schemas.microsoft.com/office/drawing/2014/main" id="{9F789731-37C4-49DD-AEE8-78E5514E279E}"/>
               </a:ext>
             </a:extLst>
           </p:cNvPr>
@@ -6166,7 +7007,7 @@
           <p:cNvPr id="3" name="コンテンツ プレースホルダー 2">
             <a:extLst>
               <a:ext uri="{FF2B5EF4-FFF2-40B4-BE49-F238E27FC236}">
-                <a16:creationId xmlns:a16="http://schemas.microsoft.com/office/drawing/2014/main" id="{64DBE417-57E9-44A6-BB52-B2F9986BB7B2}"/>
+                <a16:creationId xmlns:a16="http://schemas.microsoft.com/office/drawing/2014/main" id="{39562F0E-6033-40BD-BCB8-F015661306FD}"/>
               </a:ext>
             </a:extLst>
           </p:cNvPr>
@@ -6179,8 +7020,8 @@
         </p:nvSpPr>
         <p:spPr>
           <a:xfrm>
-            <a:off x="838200" y="1162976"/>
-            <a:ext cx="10515600" cy="5193373"/>
+            <a:off x="838200" y="1376038"/>
+            <a:ext cx="10515600" cy="5374958"/>
           </a:xfrm>
         </p:spPr>
         <p:txBody>
@@ -6190,68 +7031,39 @@
           <a:lstStyle/>
           <a:p>
             <a:r>
-              <a:rPr kumimoji="1" lang="en-US" altLang="ja-JP" dirty="0"/>
-              <a:t>main.</a:t>
-            </a:r>
-            <a:r>
+              <a:rPr lang="ja-JP" altLang="en-US" sz="4400" b="1" u="sng" dirty="0"/>
+              <a:t>関数テンプレート</a:t>
+            </a:r>
+            <a:br>
+              <a:rPr lang="en-US" altLang="ja-JP" b="1" u="sng" dirty="0"/>
+            </a:br>
+            <a:br>
+              <a:rPr lang="en-US" altLang="ja-JP" sz="1800" dirty="0"/>
+            </a:br>
+            <a:r>
+              <a:rPr lang="ja-JP" altLang="en-US" dirty="0"/>
+              <a:t>メンバ型名のところをテンプレート機能を使って、別の文字に置き換えて関数を定義することで</a:t>
+            </a:r>
+            <a:br>
               <a:rPr lang="en-US" altLang="ja-JP" dirty="0"/>
-              <a:t>cpp</a:t>
-            </a:r>
-            <a:r>
-              <a:rPr kumimoji="1" lang="ja-JP" altLang="en-US" dirty="0"/>
-              <a:t>　</a:t>
-            </a:r>
-            <a:r>
-              <a:rPr kumimoji="1" lang="en-US" altLang="ja-JP" dirty="0"/>
-              <a:t>(Sample503t)</a:t>
+            </a:br>
+            <a:r>
+              <a:rPr lang="ja-JP" altLang="en-US" dirty="0"/>
+              <a:t>ひとつにまとめることが可能な仕組み</a:t>
             </a:r>
             <a:br>
               <a:rPr lang="en-US" altLang="ja-JP" dirty="0"/>
             </a:br>
-            <a:endParaRPr lang="en-US" altLang="ja-JP" dirty="0"/>
-          </a:p>
-          <a:p>
-            <a:pPr marL="0" indent="0">
-              <a:buNone/>
-            </a:pPr>
-            <a:br>
-              <a:rPr lang="en-US" altLang="ja-JP" dirty="0"/>
-            </a:br>
-            <a:br>
-              <a:rPr lang="en-US" altLang="ja-JP" dirty="0"/>
-            </a:br>
-            <a:br>
-              <a:rPr lang="en-US" altLang="ja-JP" dirty="0"/>
-            </a:br>
-            <a:br>
-              <a:rPr lang="en-US" altLang="ja-JP" sz="2400" dirty="0"/>
-            </a:br>
-            <a:br>
-              <a:rPr lang="en-US" altLang="ja-JP" sz="2400" dirty="0"/>
-            </a:br>
-            <a:endParaRPr lang="en-US" altLang="ja-JP" sz="2400" dirty="0"/>
-          </a:p>
-          <a:p>
-            <a:pPr marL="0" indent="0">
-              <a:buNone/>
-            </a:pPr>
-            <a:br>
-              <a:rPr lang="en-US" altLang="ja-JP" sz="2400" dirty="0"/>
-            </a:br>
-            <a:endParaRPr lang="en-US" altLang="ja-JP" dirty="0">
-              <a:solidFill>
-                <a:srgbClr val="FF0000"/>
-              </a:solidFill>
-            </a:endParaRPr>
-          </a:p>
-        </p:txBody>
-      </p:sp>
-      <p:sp>
-        <p:nvSpPr>
-          <p:cNvPr id="5" name="テキスト ボックス 4">
+            <a:endParaRPr lang="en-US" altLang="ja-JP" sz="3200" dirty="0"/>
+          </a:p>
+        </p:txBody>
+      </p:sp>
+      <p:sp>
+        <p:nvSpPr>
+          <p:cNvPr id="4" name="テキスト ボックス 3">
             <a:extLst>
               <a:ext uri="{FF2B5EF4-FFF2-40B4-BE49-F238E27FC236}">
-                <a16:creationId xmlns:a16="http://schemas.microsoft.com/office/drawing/2014/main" id="{9E32883C-0E37-4F07-9861-27609819CE8C}"/>
+                <a16:creationId xmlns:a16="http://schemas.microsoft.com/office/drawing/2014/main" id="{13D7D604-E293-095C-3CE4-9C5587FC1A86}"/>
               </a:ext>
             </a:extLst>
           </p:cNvPr>
@@ -6260,18 +7072,27 @@
         </p:nvSpPr>
         <p:spPr>
           <a:xfrm>
-            <a:off x="1048254" y="1709060"/>
-            <a:ext cx="11072409" cy="5078313"/>
+            <a:off x="366494" y="3922079"/>
+            <a:ext cx="5009069" cy="2339102"/>
           </a:xfrm>
           <a:prstGeom prst="rect">
             <a:avLst/>
           </a:prstGeom>
-          <a:noFill/>
+          <a:solidFill>
+            <a:schemeClr val="bg1"/>
+          </a:solidFill>
           <a:ln>
             <a:solidFill>
               <a:schemeClr val="tx1"/>
             </a:solidFill>
           </a:ln>
+          <a:effectLst>
+            <a:outerShdw blurRad="50800" dist="38100" dir="2700000" algn="tl" rotWithShape="0">
+              <a:prstClr val="black">
+                <a:alpha val="40000"/>
+              </a:prstClr>
+            </a:outerShdw>
+          </a:effectLst>
         </p:spPr>
         <p:txBody>
           <a:bodyPr wrap="square" rtlCol="0">
@@ -6280,253 +7101,384 @@
           <a:lstStyle/>
           <a:p>
             <a:r>
-              <a:rPr kumimoji="1" lang="ja-JP" altLang="en-US" sz="2400" dirty="0"/>
-              <a:t>　　　　（略）</a:t>
-            </a:r>
-            <a:endParaRPr kumimoji="1" lang="en-US" altLang="ja-JP" sz="2400" dirty="0"/>
-          </a:p>
-          <a:p>
-            <a:r>
-              <a:rPr kumimoji="1" lang="en-US" altLang="ja-JP" sz="2000" dirty="0"/>
-              <a:t>int main() {</a:t>
-            </a:r>
-          </a:p>
-          <a:p>
-            <a:r>
-              <a:rPr kumimoji="1" lang="en-US" altLang="ja-JP" sz="2000" dirty="0"/>
-              <a:t>	Calc* pC1, * pC2;</a:t>
-            </a:r>
-          </a:p>
-          <a:p>
-            <a:r>
-              <a:rPr kumimoji="1" lang="en-US" altLang="ja-JP" sz="2000" dirty="0"/>
-              <a:t>	pC1 = new Calc();</a:t>
-            </a:r>
-          </a:p>
-          <a:p>
-            <a:r>
-              <a:rPr kumimoji="1" lang="en-US" altLang="ja-JP" sz="2000" dirty="0"/>
-              <a:t>	pC2 = new Calc(1, 2);</a:t>
-            </a:r>
-          </a:p>
-          <a:p>
-            <a:r>
-              <a:rPr kumimoji="1" lang="en-US" altLang="ja-JP" sz="2000" dirty="0"/>
-              <a:t>	</a:t>
-            </a:r>
-            <a:r>
-              <a:rPr kumimoji="1" lang="en-US" altLang="ja-JP" sz="2000" dirty="0" err="1"/>
-              <a:t>cout</a:t>
-            </a:r>
-            <a:r>
-              <a:rPr kumimoji="1" lang="en-US" altLang="ja-JP" sz="2000" dirty="0"/>
-              <a:t> &lt;&lt; 3 &lt;&lt; "+" &lt;&lt; 4 &lt;&lt; "="	&lt;&lt; pC1-&gt;add</a:t>
-            </a:r>
-            <a:r>
-              <a:rPr kumimoji="1" lang="en-US" altLang="ja-JP" sz="2000" dirty="0">
-                <a:solidFill>
-                  <a:srgbClr val="FF0000"/>
-                </a:solidFill>
-              </a:rPr>
-              <a:t>&lt;int&gt;</a:t>
-            </a:r>
-            <a:r>
-              <a:rPr kumimoji="1" lang="en-US" altLang="ja-JP" sz="2000" dirty="0"/>
-              <a:t>(3, 4) &lt;&lt; </a:t>
-            </a:r>
-            <a:r>
-              <a:rPr kumimoji="1" lang="en-US" altLang="ja-JP" sz="2000" dirty="0" err="1"/>
-              <a:t>endl</a:t>
-            </a:r>
-            <a:r>
-              <a:rPr kumimoji="1" lang="en-US" altLang="ja-JP" sz="2000" dirty="0"/>
-              <a:t>;</a:t>
-            </a:r>
-          </a:p>
-          <a:p>
-            <a:r>
-              <a:rPr kumimoji="1" lang="en-US" altLang="ja-JP" sz="2000" dirty="0"/>
-              <a:t>	</a:t>
-            </a:r>
-            <a:r>
-              <a:rPr kumimoji="1" lang="en-US" altLang="ja-JP" sz="2000" dirty="0" err="1"/>
-              <a:t>cout</a:t>
-            </a:r>
-            <a:r>
-              <a:rPr kumimoji="1" lang="en-US" altLang="ja-JP" sz="2000" dirty="0"/>
-              <a:t> &lt;&lt; pC2-&gt;</a:t>
-            </a:r>
-            <a:r>
-              <a:rPr kumimoji="1" lang="en-US" altLang="ja-JP" sz="2000" dirty="0" err="1"/>
-              <a:t>getA</a:t>
-            </a:r>
-            <a:r>
-              <a:rPr kumimoji="1" lang="en-US" altLang="ja-JP" sz="2000" dirty="0"/>
-              <a:t>() &lt;&lt; “+”	&lt;&lt; pC2-&gt;</a:t>
-            </a:r>
-            <a:r>
-              <a:rPr kumimoji="1" lang="en-US" altLang="ja-JP" sz="2000" dirty="0" err="1"/>
-              <a:t>getB</a:t>
-            </a:r>
-            <a:r>
-              <a:rPr kumimoji="1" lang="en-US" altLang="ja-JP" sz="2000" dirty="0"/>
-              <a:t>() </a:t>
-            </a:r>
-            <a:br>
-              <a:rPr kumimoji="1" lang="en-US" altLang="ja-JP" sz="2000" dirty="0"/>
-            </a:br>
-            <a:r>
-              <a:rPr kumimoji="1" lang="ja-JP" altLang="en-US" sz="2000" dirty="0"/>
-              <a:t>     </a:t>
-            </a:r>
-            <a:r>
-              <a:rPr kumimoji="1" lang="en-US" altLang="ja-JP" sz="2000" dirty="0"/>
-              <a:t>&lt;&lt; "=“ &lt;&lt; pC2-&gt;add() &lt;&lt; </a:t>
-            </a:r>
-            <a:r>
-              <a:rPr kumimoji="1" lang="en-US" altLang="ja-JP" sz="2000" dirty="0" err="1"/>
-              <a:t>endl</a:t>
-            </a:r>
-            <a:r>
-              <a:rPr kumimoji="1" lang="en-US" altLang="ja-JP" sz="2000" dirty="0"/>
-              <a:t>;</a:t>
-            </a:r>
-          </a:p>
-          <a:p>
-            <a:r>
-              <a:rPr kumimoji="1" lang="en-US" altLang="ja-JP" sz="2000" dirty="0"/>
-              <a:t>	</a:t>
-            </a:r>
-            <a:r>
-              <a:rPr kumimoji="1" lang="en-US" altLang="ja-JP" sz="2000" dirty="0" err="1">
-                <a:solidFill>
-                  <a:srgbClr val="FF0000"/>
-                </a:solidFill>
-              </a:rPr>
-              <a:t>cout</a:t>
-            </a:r>
-            <a:r>
-              <a:rPr kumimoji="1" lang="en-US" altLang="ja-JP" sz="2000" dirty="0">
-                <a:solidFill>
-                  <a:srgbClr val="FF0000"/>
-                </a:solidFill>
-              </a:rPr>
-              <a:t> &lt;&lt; 1.1 &lt;&lt; “+” &lt;&lt; 2.5 &lt;&lt; “=“ &lt;&lt; pC1-&gt;add&lt;double&gt;(1.1, 2.5) </a:t>
-            </a:r>
-            <a:br>
-              <a:rPr kumimoji="1" lang="en-US" altLang="ja-JP" sz="2000" dirty="0">
-                <a:solidFill>
-                  <a:srgbClr val="FF0000"/>
-                </a:solidFill>
-              </a:rPr>
-            </a:br>
-            <a:r>
-              <a:rPr kumimoji="1" lang="en-US" altLang="ja-JP" sz="2000" dirty="0">
-                <a:solidFill>
-                  <a:srgbClr val="FF0000"/>
-                </a:solidFill>
-              </a:rPr>
-              <a:t>			&lt;&lt; </a:t>
-            </a:r>
-            <a:r>
-              <a:rPr kumimoji="1" lang="en-US" altLang="ja-JP" sz="2000" dirty="0" err="1">
-                <a:solidFill>
-                  <a:srgbClr val="FF0000"/>
-                </a:solidFill>
-              </a:rPr>
-              <a:t>endl</a:t>
-            </a:r>
-            <a:r>
-              <a:rPr kumimoji="1" lang="en-US" altLang="ja-JP" sz="2000" dirty="0">
-                <a:solidFill>
-                  <a:srgbClr val="FF0000"/>
-                </a:solidFill>
-              </a:rPr>
-              <a:t>;</a:t>
-            </a:r>
-          </a:p>
-          <a:p>
-            <a:r>
-              <a:rPr kumimoji="1" lang="en-US" altLang="ja-JP" sz="2000" dirty="0">
-                <a:solidFill>
-                  <a:srgbClr val="FF0000"/>
-                </a:solidFill>
-              </a:rPr>
-              <a:t>	</a:t>
-            </a:r>
-            <a:r>
-              <a:rPr kumimoji="1" lang="en-US" altLang="ja-JP" sz="2000" dirty="0" err="1">
-                <a:solidFill>
-                  <a:srgbClr val="FF0000"/>
-                </a:solidFill>
-              </a:rPr>
-              <a:t>cout</a:t>
-            </a:r>
-            <a:r>
-              <a:rPr kumimoji="1" lang="en-US" altLang="ja-JP" sz="2000" dirty="0">
-                <a:solidFill>
-                  <a:srgbClr val="FF0000"/>
-                </a:solidFill>
-              </a:rPr>
-              <a:t> &lt;&lt; “ABC” &lt;&lt; “+” &lt;&lt; “DEF” &lt;&lt; “=“ </a:t>
-            </a:r>
-          </a:p>
-          <a:p>
-            <a:r>
-              <a:rPr kumimoji="1" lang="en-US" altLang="ja-JP" sz="2000" dirty="0">
-                <a:solidFill>
-                  <a:srgbClr val="FF0000"/>
-                </a:solidFill>
-              </a:rPr>
-              <a:t>			&lt;&lt; pC1-&gt;add&lt;string&gt;(“ABC”, “DEF”) &lt;&lt; </a:t>
-            </a:r>
-            <a:r>
-              <a:rPr kumimoji="1" lang="en-US" altLang="ja-JP" sz="2000" dirty="0" err="1">
-                <a:solidFill>
-                  <a:srgbClr val="FF0000"/>
-                </a:solidFill>
-              </a:rPr>
-              <a:t>endl</a:t>
-            </a:r>
-            <a:r>
-              <a:rPr kumimoji="1" lang="en-US" altLang="ja-JP" sz="2000" dirty="0">
-                <a:solidFill>
-                  <a:srgbClr val="FF0000"/>
-                </a:solidFill>
-              </a:rPr>
-              <a:t>;</a:t>
-            </a:r>
-          </a:p>
-          <a:p>
-            <a:r>
-              <a:rPr kumimoji="1" lang="en-US" altLang="ja-JP" sz="2000" dirty="0"/>
-              <a:t>	delete pC1;</a:t>
-            </a:r>
-          </a:p>
-          <a:p>
-            <a:r>
-              <a:rPr kumimoji="1" lang="en-US" altLang="ja-JP" sz="2000" dirty="0"/>
-              <a:t>	delete pC2;</a:t>
-            </a:r>
-          </a:p>
-          <a:p>
-            <a:r>
-              <a:rPr kumimoji="1" lang="en-US" altLang="ja-JP" sz="2000" dirty="0"/>
-              <a:t>	return 0;</a:t>
-            </a:r>
-          </a:p>
-          <a:p>
-            <a:r>
-              <a:rPr kumimoji="1" lang="en-US" altLang="ja-JP" sz="2000" dirty="0"/>
+              <a:rPr kumimoji="1" lang="en-US" altLang="ja-JP" sz="1600" b="1" dirty="0">
+                <a:solidFill>
+                  <a:srgbClr val="00B0F0"/>
+                </a:solidFill>
+              </a:rPr>
+              <a:t>double</a:t>
+            </a:r>
+            <a:r>
+              <a:rPr kumimoji="1" lang="en-US" altLang="ja-JP" sz="1600" dirty="0"/>
+              <a:t> Calc::add(</a:t>
+            </a:r>
+            <a:r>
+              <a:rPr kumimoji="1" lang="en-US" altLang="ja-JP" sz="1600" dirty="0">
+                <a:solidFill>
+                  <a:srgbClr val="00B0F0"/>
+                </a:solidFill>
+              </a:rPr>
+              <a:t>double </a:t>
+            </a:r>
+            <a:r>
+              <a:rPr kumimoji="1" lang="en-US" altLang="ja-JP" sz="1600" dirty="0" err="1"/>
+              <a:t>a,</a:t>
+            </a:r>
+            <a:r>
+              <a:rPr kumimoji="1" lang="en-US" altLang="ja-JP" sz="1600" dirty="0" err="1">
+                <a:solidFill>
+                  <a:srgbClr val="00B0F0"/>
+                </a:solidFill>
+              </a:rPr>
+              <a:t>double</a:t>
+            </a:r>
+            <a:r>
+              <a:rPr kumimoji="1" lang="en-US" altLang="ja-JP" sz="1600" dirty="0">
+                <a:solidFill>
+                  <a:srgbClr val="00B0F0"/>
+                </a:solidFill>
+              </a:rPr>
+              <a:t> </a:t>
+            </a:r>
+            <a:r>
+              <a:rPr kumimoji="1" lang="en-US" altLang="ja-JP" sz="1600" dirty="0"/>
+              <a:t>b)</a:t>
+            </a:r>
+            <a:r>
+              <a:rPr kumimoji="1" lang="en-US" altLang="ja-JP" sz="1600" dirty="0">
+                <a:solidFill>
+                  <a:srgbClr val="00B0F0"/>
+                </a:solidFill>
+              </a:rPr>
+              <a:t> </a:t>
+            </a:r>
+            <a:r>
+              <a:rPr kumimoji="1" lang="en-US" altLang="ja-JP" sz="1600" dirty="0"/>
+              <a:t>{</a:t>
+            </a:r>
+          </a:p>
+          <a:p>
+            <a:r>
+              <a:rPr kumimoji="1" lang="en-US" altLang="ja-JP" sz="1600" dirty="0"/>
+              <a:t>	return a + b;</a:t>
+            </a:r>
+          </a:p>
+          <a:p>
+            <a:r>
+              <a:rPr kumimoji="1" lang="en-US" altLang="ja-JP" sz="1600" dirty="0"/>
               <a:t>}</a:t>
             </a:r>
+          </a:p>
+          <a:p>
+            <a:r>
+              <a:rPr kumimoji="1" lang="en-US" altLang="ja-JP" sz="1600" b="1" dirty="0">
+                <a:solidFill>
+                  <a:srgbClr val="FF0000"/>
+                </a:solidFill>
+              </a:rPr>
+              <a:t>int</a:t>
+            </a:r>
+            <a:r>
+              <a:rPr kumimoji="1" lang="en-US" altLang="ja-JP" sz="1600" dirty="0"/>
+              <a:t> Calc::add(</a:t>
+            </a:r>
+            <a:r>
+              <a:rPr kumimoji="1" lang="en-US" altLang="ja-JP" sz="1600" dirty="0">
+                <a:solidFill>
+                  <a:srgbClr val="FF0000"/>
+                </a:solidFill>
+              </a:rPr>
+              <a:t>int </a:t>
+            </a:r>
+            <a:r>
+              <a:rPr kumimoji="1" lang="en-US" altLang="ja-JP" sz="1600" dirty="0"/>
+              <a:t>a,</a:t>
+            </a:r>
+            <a:r>
+              <a:rPr kumimoji="1" lang="en-US" altLang="ja-JP" sz="1600" dirty="0">
+                <a:solidFill>
+                  <a:srgbClr val="FF0000"/>
+                </a:solidFill>
+              </a:rPr>
+              <a:t> int </a:t>
+            </a:r>
+            <a:r>
+              <a:rPr kumimoji="1" lang="en-US" altLang="ja-JP" sz="1600" dirty="0"/>
+              <a:t>b)</a:t>
+            </a:r>
+            <a:r>
+              <a:rPr kumimoji="1" lang="en-US" altLang="ja-JP" sz="1600" dirty="0">
+                <a:solidFill>
+                  <a:srgbClr val="FF0000"/>
+                </a:solidFill>
+              </a:rPr>
+              <a:t> </a:t>
+            </a:r>
+            <a:r>
+              <a:rPr kumimoji="1" lang="en-US" altLang="ja-JP" sz="1600" dirty="0"/>
+              <a:t>{</a:t>
+            </a:r>
+          </a:p>
+          <a:p>
+            <a:r>
+              <a:rPr kumimoji="1" lang="en-US" altLang="ja-JP" sz="1600" dirty="0"/>
+              <a:t>	return a + b;</a:t>
+            </a:r>
+          </a:p>
+          <a:p>
+            <a:r>
+              <a:rPr kumimoji="1" lang="en-US" altLang="ja-JP" sz="1600" dirty="0"/>
+              <a:t>}</a:t>
+            </a:r>
+            <a:br>
+              <a:rPr kumimoji="1" lang="en-US" altLang="ja-JP" sz="1600" dirty="0"/>
+            </a:br>
+            <a:r>
+              <a:rPr kumimoji="1" lang="en-US" altLang="ja-JP" sz="1600" b="1" dirty="0">
+                <a:solidFill>
+                  <a:srgbClr val="00B050"/>
+                </a:solidFill>
+              </a:rPr>
+              <a:t>string</a:t>
+            </a:r>
+            <a:r>
+              <a:rPr kumimoji="1" lang="en-US" altLang="ja-JP" sz="1600" dirty="0"/>
+              <a:t> Calc::add(</a:t>
+            </a:r>
+            <a:r>
+              <a:rPr kumimoji="1" lang="en-US" altLang="ja-JP" sz="1600" dirty="0">
+                <a:solidFill>
+                  <a:srgbClr val="00B050"/>
+                </a:solidFill>
+              </a:rPr>
+              <a:t>string </a:t>
+            </a:r>
+            <a:r>
+              <a:rPr kumimoji="1" lang="en-US" altLang="ja-JP" sz="1600" dirty="0"/>
+              <a:t>a,</a:t>
+            </a:r>
+            <a:r>
+              <a:rPr kumimoji="1" lang="en-US" altLang="ja-JP" sz="1600" dirty="0">
+                <a:solidFill>
+                  <a:srgbClr val="00B050"/>
+                </a:solidFill>
+              </a:rPr>
+              <a:t> string </a:t>
+            </a:r>
+            <a:r>
+              <a:rPr kumimoji="1" lang="en-US" altLang="ja-JP" sz="1600" dirty="0"/>
+              <a:t>b) {</a:t>
+            </a:r>
+          </a:p>
+          <a:p>
+            <a:r>
+              <a:rPr kumimoji="1" lang="en-US" altLang="ja-JP" sz="1600" dirty="0"/>
+              <a:t>  return a + b;</a:t>
+            </a:r>
+          </a:p>
+          <a:p>
+            <a:r>
+              <a:rPr kumimoji="1" lang="en-US" altLang="ja-JP" sz="1600" dirty="0"/>
+              <a:t>}</a:t>
+            </a:r>
+            <a:endParaRPr kumimoji="1" lang="ja-JP" altLang="en-US" sz="1600" dirty="0"/>
+          </a:p>
+        </p:txBody>
+      </p:sp>
+      <p:sp>
+        <p:nvSpPr>
+          <p:cNvPr id="5" name="テキスト ボックス 4">
+            <a:extLst>
+              <a:ext uri="{FF2B5EF4-FFF2-40B4-BE49-F238E27FC236}">
+                <a16:creationId xmlns:a16="http://schemas.microsoft.com/office/drawing/2014/main" id="{F4C36944-7C12-A9B5-143B-DD53B781E29C}"/>
+              </a:ext>
+            </a:extLst>
+          </p:cNvPr>
+          <p:cNvSpPr txBox="1"/>
+          <p:nvPr/>
+        </p:nvSpPr>
+        <p:spPr>
+          <a:xfrm>
+            <a:off x="5811329" y="4143752"/>
+            <a:ext cx="6228271" cy="2062103"/>
+          </a:xfrm>
+          <a:prstGeom prst="rect">
+            <a:avLst/>
+          </a:prstGeom>
+          <a:solidFill>
+            <a:schemeClr val="bg1"/>
+          </a:solidFill>
+          <a:ln>
+            <a:solidFill>
+              <a:schemeClr val="tx1"/>
+            </a:solidFill>
+          </a:ln>
+          <a:effectLst>
+            <a:outerShdw blurRad="50800" dist="38100" dir="2700000" algn="tl" rotWithShape="0">
+              <a:prstClr val="black">
+                <a:alpha val="40000"/>
+              </a:prstClr>
+            </a:outerShdw>
+          </a:effectLst>
+        </p:spPr>
+        <p:txBody>
+          <a:bodyPr wrap="square" rtlCol="0">
+            <a:spAutoFit/>
+          </a:bodyPr>
+          <a:lstStyle/>
+          <a:p>
+            <a:r>
+              <a:rPr kumimoji="1" lang="en-US" altLang="ja-JP" sz="3200" dirty="0">
+                <a:solidFill>
+                  <a:srgbClr val="00B050"/>
+                </a:solidFill>
+              </a:rPr>
+              <a:t>template &lt;</a:t>
+            </a:r>
+            <a:r>
+              <a:rPr kumimoji="1" lang="en-US" altLang="ja-JP" sz="3200" dirty="0" err="1">
+                <a:solidFill>
+                  <a:srgbClr val="00B050"/>
+                </a:solidFill>
+              </a:rPr>
+              <a:t>typename</a:t>
+            </a:r>
+            <a:r>
+              <a:rPr kumimoji="1" lang="en-US" altLang="ja-JP" sz="3200" dirty="0"/>
+              <a:t> </a:t>
+            </a:r>
+            <a:r>
+              <a:rPr kumimoji="1" lang="en-US" altLang="ja-JP" sz="3200" dirty="0">
+                <a:solidFill>
+                  <a:srgbClr val="FF0000"/>
+                </a:solidFill>
+              </a:rPr>
+              <a:t>T</a:t>
+            </a:r>
+            <a:r>
+              <a:rPr kumimoji="1" lang="en-US" altLang="ja-JP" sz="3200" dirty="0">
+                <a:solidFill>
+                  <a:srgbClr val="00B050"/>
+                </a:solidFill>
+              </a:rPr>
+              <a:t>&gt;</a:t>
+            </a:r>
+          </a:p>
+          <a:p>
+            <a:r>
+              <a:rPr kumimoji="1" lang="en-US" altLang="ja-JP" sz="3200" b="1" dirty="0">
+                <a:solidFill>
+                  <a:srgbClr val="FF0000"/>
+                </a:solidFill>
+              </a:rPr>
+              <a:t>T</a:t>
+            </a:r>
+            <a:r>
+              <a:rPr kumimoji="1" lang="en-US" altLang="ja-JP" sz="3200" dirty="0"/>
+              <a:t> Calc::add(</a:t>
+            </a:r>
+            <a:r>
+              <a:rPr kumimoji="1" lang="en-US" altLang="ja-JP" sz="3200" dirty="0">
+                <a:solidFill>
+                  <a:srgbClr val="FF0000"/>
+                </a:solidFill>
+              </a:rPr>
+              <a:t>T </a:t>
+            </a:r>
+            <a:r>
+              <a:rPr kumimoji="1" lang="en-US" altLang="ja-JP" sz="3200" dirty="0"/>
+              <a:t>a,</a:t>
+            </a:r>
+            <a:r>
+              <a:rPr kumimoji="1" lang="en-US" altLang="ja-JP" sz="3200" dirty="0">
+                <a:solidFill>
+                  <a:srgbClr val="FF0000"/>
+                </a:solidFill>
+              </a:rPr>
+              <a:t> T </a:t>
+            </a:r>
+            <a:r>
+              <a:rPr kumimoji="1" lang="en-US" altLang="ja-JP" sz="3200" dirty="0"/>
+              <a:t>b)</a:t>
+            </a:r>
+            <a:r>
+              <a:rPr kumimoji="1" lang="en-US" altLang="ja-JP" sz="3200" dirty="0">
+                <a:solidFill>
+                  <a:srgbClr val="FF0000"/>
+                </a:solidFill>
+              </a:rPr>
+              <a:t> </a:t>
+            </a:r>
+            <a:r>
+              <a:rPr kumimoji="1" lang="en-US" altLang="ja-JP" sz="3200" dirty="0"/>
+              <a:t>{</a:t>
+            </a:r>
+          </a:p>
+          <a:p>
+            <a:r>
+              <a:rPr kumimoji="1" lang="en-US" altLang="ja-JP" sz="3200" dirty="0"/>
+              <a:t>	return a + b;</a:t>
+            </a:r>
+          </a:p>
+          <a:p>
+            <a:r>
+              <a:rPr kumimoji="1" lang="en-US" altLang="ja-JP" sz="3200" dirty="0"/>
+              <a:t>}</a:t>
+            </a:r>
+            <a:endParaRPr kumimoji="1" lang="ja-JP" altLang="en-US" sz="3200" dirty="0"/>
+          </a:p>
+        </p:txBody>
+      </p:sp>
+      <p:sp>
+        <p:nvSpPr>
+          <p:cNvPr id="7" name="矢印: 右 6">
+            <a:extLst>
+              <a:ext uri="{FF2B5EF4-FFF2-40B4-BE49-F238E27FC236}">
+                <a16:creationId xmlns:a16="http://schemas.microsoft.com/office/drawing/2014/main" id="{E30CD400-6522-537C-7B43-8BCD61923C2C}"/>
+              </a:ext>
+            </a:extLst>
+          </p:cNvPr>
+          <p:cNvSpPr/>
+          <p:nvPr/>
+        </p:nvSpPr>
+        <p:spPr>
+          <a:xfrm>
+            <a:off x="5195454" y="4876800"/>
+            <a:ext cx="554182" cy="401782"/>
+          </a:xfrm>
+          <a:prstGeom prst="rightArrow">
+            <a:avLst/>
+          </a:prstGeom>
+        </p:spPr>
+        <p:style>
+          <a:lnRef idx="2">
+            <a:schemeClr val="accent1">
+              <a:shade val="15000"/>
+            </a:schemeClr>
+          </a:lnRef>
+          <a:fillRef idx="1">
+            <a:schemeClr val="accent1"/>
+          </a:fillRef>
+          <a:effectRef idx="0">
+            <a:schemeClr val="accent1"/>
+          </a:effectRef>
+          <a:fontRef idx="minor">
+            <a:schemeClr val="lt1"/>
+          </a:fontRef>
+        </p:style>
+        <p:txBody>
+          <a:bodyPr rtlCol="0" anchor="ctr"/>
+          <a:lstStyle/>
+          <a:p>
+            <a:pPr algn="ctr"/>
+            <a:endParaRPr kumimoji="1" lang="ja-JP" altLang="en-US"/>
           </a:p>
         </p:txBody>
       </p:sp>
     </p:spTree>
     <p:extLst>
       <p:ext uri="{BB962C8B-B14F-4D97-AF65-F5344CB8AC3E}">
-        <p14:creationId xmlns:p14="http://schemas.microsoft.com/office/powerpoint/2010/main" val="1493828005"/>
+        <p14:creationId xmlns:p14="http://schemas.microsoft.com/office/powerpoint/2010/main" val="1331575307"/>
       </p:ext>
     </p:extLst>
   </p:cSld>
@@ -6558,7 +7510,7 @@
           <p:cNvPr id="2" name="タイトル 1">
             <a:extLst>
               <a:ext uri="{FF2B5EF4-FFF2-40B4-BE49-F238E27FC236}">
-                <a16:creationId xmlns:a16="http://schemas.microsoft.com/office/drawing/2014/main" id="{9F789731-37C4-49DD-AEE8-78E5514E279E}"/>
+                <a16:creationId xmlns:a16="http://schemas.microsoft.com/office/drawing/2014/main" id="{F11F3668-F205-48C5-AC01-19611EFE561B}"/>
               </a:ext>
             </a:extLst>
           </p:cNvPr>
@@ -6587,7 +7539,7 @@
           <p:cNvPr id="3" name="コンテンツ プレースホルダー 2">
             <a:extLst>
               <a:ext uri="{FF2B5EF4-FFF2-40B4-BE49-F238E27FC236}">
-                <a16:creationId xmlns:a16="http://schemas.microsoft.com/office/drawing/2014/main" id="{39562F0E-6033-40BD-BCB8-F015661306FD}"/>
+                <a16:creationId xmlns:a16="http://schemas.microsoft.com/office/drawing/2014/main" id="{64DBE417-57E9-44A6-BB52-B2F9986BB7B2}"/>
               </a:ext>
             </a:extLst>
           </p:cNvPr>
@@ -6600,8 +7552,8 @@
         </p:nvSpPr>
         <p:spPr>
           <a:xfrm>
-            <a:off x="838200" y="1376038"/>
-            <a:ext cx="10515600" cy="5374958"/>
+            <a:off x="838200" y="1162976"/>
+            <a:ext cx="10515600" cy="5193373"/>
           </a:xfrm>
         </p:spPr>
         <p:txBody>
@@ -6611,254 +7563,324 @@
           <a:lstStyle/>
           <a:p>
             <a:r>
-              <a:rPr lang="ja-JP" altLang="en-US" sz="4400" b="1" u="sng" dirty="0"/>
-              <a:t>関数テンプレート</a:t>
-            </a:r>
-            <a:endParaRPr lang="en-US" altLang="ja-JP" sz="4400" dirty="0"/>
-          </a:p>
-          <a:p>
-            <a:r>
-              <a:rPr lang="ja-JP" altLang="en-US" dirty="0"/>
-              <a:t>テンプレートを用いることで、引数の数が同じだが引数の戻り値や型だけが異なる関数の記述をまとめることができる</a:t>
+              <a:rPr kumimoji="1" lang="en-US" altLang="ja-JP" dirty="0" err="1"/>
+              <a:t>calc.h</a:t>
+            </a:r>
+            <a:r>
+              <a:rPr kumimoji="1" lang="ja-JP" altLang="en-US" dirty="0"/>
+              <a:t>　</a:t>
+            </a:r>
+            <a:r>
+              <a:rPr kumimoji="1" lang="en-US" altLang="ja-JP" dirty="0"/>
+              <a:t>(Sample503t)</a:t>
             </a:r>
             <a:br>
               <a:rPr lang="en-US" altLang="ja-JP" dirty="0"/>
             </a:br>
-            <a:r>
+            <a:endParaRPr lang="en-US" altLang="ja-JP" dirty="0"/>
+          </a:p>
+          <a:p>
+            <a:pPr marL="0" indent="0">
+              <a:buNone/>
+            </a:pPr>
+            <a:br>
               <a:rPr lang="en-US" altLang="ja-JP" dirty="0"/>
-              <a:t>【</a:t>
-            </a:r>
-            <a:r>
-              <a:rPr lang="ja-JP" altLang="en-US" dirty="0"/>
-              <a:t>宣言方法</a:t>
-            </a:r>
-            <a:r>
+            </a:br>
+            <a:br>
               <a:rPr lang="en-US" altLang="ja-JP" dirty="0"/>
-              <a:t>】</a:t>
-            </a:r>
+            </a:br>
             <a:br>
               <a:rPr lang="en-US" altLang="ja-JP" dirty="0"/>
             </a:br>
-            <a:r>
-              <a:rPr lang="en-US" altLang="ja-JP" dirty="0">
-                <a:solidFill>
-                  <a:srgbClr val="FF0000"/>
-                </a:solidFill>
-              </a:rPr>
-              <a:t>template &lt;</a:t>
-            </a:r>
-            <a:r>
-              <a:rPr lang="en-US" altLang="ja-JP" dirty="0" err="1">
-                <a:solidFill>
-                  <a:srgbClr val="FF0000"/>
-                </a:solidFill>
-              </a:rPr>
-              <a:t>typename</a:t>
-            </a:r>
-            <a:r>
-              <a:rPr lang="en-US" altLang="ja-JP" dirty="0">
-                <a:solidFill>
-                  <a:srgbClr val="FF0000"/>
-                </a:solidFill>
-              </a:rPr>
-              <a:t> T&gt;</a:t>
-            </a:r>
-            <a:br>
-              <a:rPr lang="en-US" altLang="ja-JP" dirty="0">
-                <a:solidFill>
-                  <a:srgbClr val="FF0000"/>
-                </a:solidFill>
-              </a:rPr>
-            </a:br>
-            <a:r>
-              <a:rPr lang="en-US" altLang="ja-JP" dirty="0">
-                <a:solidFill>
-                  <a:srgbClr val="FF0000"/>
-                </a:solidFill>
-              </a:rPr>
-              <a:t>T </a:t>
-            </a:r>
-            <a:r>
-              <a:rPr lang="ja-JP" altLang="en-US" dirty="0">
-                <a:solidFill>
-                  <a:srgbClr val="FF0000"/>
-                </a:solidFill>
-              </a:rPr>
-              <a:t>関数名</a:t>
-            </a:r>
-            <a:r>
-              <a:rPr lang="en-US" altLang="ja-JP" dirty="0">
-                <a:solidFill>
-                  <a:srgbClr val="FF0000"/>
-                </a:solidFill>
-              </a:rPr>
-              <a:t>(T </a:t>
-            </a:r>
-            <a:r>
-              <a:rPr lang="ja-JP" altLang="en-US" dirty="0">
-                <a:solidFill>
-                  <a:srgbClr val="FF0000"/>
-                </a:solidFill>
-              </a:rPr>
-              <a:t>引数</a:t>
-            </a:r>
-            <a:r>
-              <a:rPr lang="en-US" altLang="ja-JP" dirty="0">
-                <a:solidFill>
-                  <a:srgbClr val="FF0000"/>
-                </a:solidFill>
-              </a:rPr>
-              <a:t>1, T </a:t>
-            </a:r>
-            <a:r>
-              <a:rPr lang="ja-JP" altLang="en-US" dirty="0">
-                <a:solidFill>
-                  <a:srgbClr val="FF0000"/>
-                </a:solidFill>
-              </a:rPr>
-              <a:t>引数</a:t>
-            </a:r>
-            <a:r>
-              <a:rPr lang="en-US" altLang="ja-JP" dirty="0">
-                <a:solidFill>
-                  <a:srgbClr val="FF0000"/>
-                </a:solidFill>
-              </a:rPr>
-              <a:t>2,</a:t>
-            </a:r>
-            <a:r>
-              <a:rPr lang="ja-JP" altLang="en-US" dirty="0">
-                <a:solidFill>
-                  <a:srgbClr val="FF0000"/>
-                </a:solidFill>
-              </a:rPr>
-              <a:t>・・・</a:t>
-            </a:r>
-            <a:r>
-              <a:rPr lang="en-US" altLang="ja-JP" dirty="0">
-                <a:solidFill>
-                  <a:srgbClr val="FF0000"/>
-                </a:solidFill>
-              </a:rPr>
-              <a:t>)</a:t>
-            </a:r>
-            <a:br>
-              <a:rPr lang="en-US" altLang="ja-JP" dirty="0">
-                <a:solidFill>
-                  <a:srgbClr val="FF0000"/>
-                </a:solidFill>
-              </a:rPr>
-            </a:br>
-            <a:br>
-              <a:rPr lang="en-US" altLang="ja-JP" dirty="0"/>
-            </a:br>
-            <a:r>
-              <a:rPr lang="en-US" altLang="ja-JP" dirty="0"/>
-              <a:t>【</a:t>
-            </a:r>
-            <a:r>
-              <a:rPr lang="ja-JP" altLang="en-US" dirty="0"/>
-              <a:t>実行方法</a:t>
-            </a:r>
-            <a:r>
-              <a:rPr lang="en-US" altLang="ja-JP" dirty="0"/>
-              <a:t>】</a:t>
-            </a:r>
-            <a:br>
-              <a:rPr lang="en-US" altLang="ja-JP" dirty="0"/>
-            </a:br>
-            <a:r>
-              <a:rPr lang="ja-JP" altLang="en-US" dirty="0">
-                <a:solidFill>
-                  <a:srgbClr val="0070C0"/>
-                </a:solidFill>
-              </a:rPr>
-              <a:t>関数名</a:t>
-            </a:r>
-            <a:r>
-              <a:rPr lang="en-US" altLang="ja-JP" dirty="0">
-                <a:solidFill>
-                  <a:srgbClr val="0070C0"/>
-                </a:solidFill>
-              </a:rPr>
-              <a:t>&lt;</a:t>
-            </a:r>
-            <a:r>
-              <a:rPr lang="ja-JP" altLang="en-US" dirty="0">
-                <a:solidFill>
-                  <a:srgbClr val="0070C0"/>
-                </a:solidFill>
-              </a:rPr>
-              <a:t>型名</a:t>
-            </a:r>
-            <a:r>
-              <a:rPr lang="en-US" altLang="ja-JP" dirty="0">
-                <a:solidFill>
-                  <a:srgbClr val="0070C0"/>
-                </a:solidFill>
-              </a:rPr>
-              <a:t>&gt;(</a:t>
-            </a:r>
-            <a:r>
-              <a:rPr lang="ja-JP" altLang="en-US" dirty="0">
-                <a:solidFill>
-                  <a:srgbClr val="0070C0"/>
-                </a:solidFill>
-              </a:rPr>
-              <a:t>引数</a:t>
-            </a:r>
-            <a:r>
-              <a:rPr lang="en-US" altLang="ja-JP" dirty="0">
-                <a:solidFill>
-                  <a:srgbClr val="0070C0"/>
-                </a:solidFill>
-              </a:rPr>
-              <a:t>1, </a:t>
-            </a:r>
-            <a:r>
-              <a:rPr lang="ja-JP" altLang="en-US" dirty="0">
-                <a:solidFill>
-                  <a:srgbClr val="0070C0"/>
-                </a:solidFill>
-              </a:rPr>
-              <a:t>引数</a:t>
-            </a:r>
-            <a:r>
-              <a:rPr lang="en-US" altLang="ja-JP" dirty="0">
-                <a:solidFill>
-                  <a:srgbClr val="0070C0"/>
-                </a:solidFill>
-              </a:rPr>
-              <a:t>2,</a:t>
-            </a:r>
-            <a:r>
-              <a:rPr lang="ja-JP" altLang="en-US" dirty="0">
-                <a:solidFill>
-                  <a:srgbClr val="0070C0"/>
-                </a:solidFill>
-              </a:rPr>
-              <a:t>・・・</a:t>
-            </a:r>
-            <a:r>
-              <a:rPr lang="en-US" altLang="ja-JP" dirty="0">
-                <a:solidFill>
-                  <a:srgbClr val="0070C0"/>
-                </a:solidFill>
-              </a:rPr>
-              <a:t>)</a:t>
-            </a:r>
-            <a:endParaRPr lang="en-US" altLang="ja-JP" sz="3200" dirty="0">
+            <a:br>
+              <a:rPr lang="en-US" altLang="ja-JP" sz="2400" dirty="0"/>
+            </a:br>
+            <a:br>
+              <a:rPr lang="en-US" altLang="ja-JP" sz="2400" dirty="0"/>
+            </a:br>
+            <a:endParaRPr lang="en-US" altLang="ja-JP" sz="2400" dirty="0"/>
+          </a:p>
+          <a:p>
+            <a:pPr marL="0" indent="0">
+              <a:buNone/>
+            </a:pPr>
+            <a:br>
+              <a:rPr lang="en-US" altLang="ja-JP" sz="2400" dirty="0"/>
+            </a:br>
+            <a:endParaRPr lang="en-US" altLang="ja-JP" dirty="0">
               <a:solidFill>
-                <a:srgbClr val="0070C0"/>
+                <a:srgbClr val="FF0000"/>
               </a:solidFill>
             </a:endParaRPr>
+          </a:p>
+        </p:txBody>
+      </p:sp>
+      <p:sp>
+        <p:nvSpPr>
+          <p:cNvPr id="5" name="テキスト ボックス 4">
+            <a:extLst>
+              <a:ext uri="{FF2B5EF4-FFF2-40B4-BE49-F238E27FC236}">
+                <a16:creationId xmlns:a16="http://schemas.microsoft.com/office/drawing/2014/main" id="{9E32883C-0E37-4F07-9861-27609819CE8C}"/>
+              </a:ext>
+            </a:extLst>
+          </p:cNvPr>
+          <p:cNvSpPr txBox="1"/>
+          <p:nvPr/>
+        </p:nvSpPr>
+        <p:spPr>
+          <a:xfrm>
+            <a:off x="1048255" y="1942532"/>
+            <a:ext cx="10688220" cy="4524315"/>
+          </a:xfrm>
+          <a:prstGeom prst="rect">
+            <a:avLst/>
+          </a:prstGeom>
+          <a:noFill/>
+          <a:ln>
+            <a:solidFill>
+              <a:schemeClr val="tx1"/>
+            </a:solidFill>
+          </a:ln>
+        </p:spPr>
+        <p:txBody>
+          <a:bodyPr wrap="square" rtlCol="0">
+            <a:spAutoFit/>
+          </a:bodyPr>
+          <a:lstStyle/>
+          <a:p>
+            <a:r>
+              <a:rPr kumimoji="1" lang="en-US" altLang="ja-JP" sz="2400" dirty="0"/>
+              <a:t>#pragma once</a:t>
+            </a:r>
+          </a:p>
+          <a:p>
+            <a:r>
+              <a:rPr kumimoji="1" lang="en-US" altLang="ja-JP" sz="2400" dirty="0"/>
+              <a:t>class Calc {</a:t>
+            </a:r>
+          </a:p>
+          <a:p>
+            <a:r>
+              <a:rPr kumimoji="1" lang="en-US" altLang="ja-JP" sz="2400" dirty="0"/>
+              <a:t>private:</a:t>
+            </a:r>
+          </a:p>
+          <a:p>
+            <a:r>
+              <a:rPr kumimoji="1" lang="ja-JP" altLang="en-US" sz="2400" dirty="0"/>
+              <a:t>　　   （略）</a:t>
+            </a:r>
+            <a:endParaRPr kumimoji="1" lang="en-US" altLang="ja-JP" sz="2400" dirty="0"/>
+          </a:p>
+          <a:p>
+            <a:r>
+              <a:rPr kumimoji="1" lang="en-US" altLang="ja-JP" sz="2400" dirty="0"/>
+              <a:t>public:</a:t>
+            </a:r>
+          </a:p>
+          <a:p>
+            <a:r>
+              <a:rPr kumimoji="1" lang="en-US" altLang="ja-JP" sz="2400" dirty="0"/>
+              <a:t>	int add();</a:t>
+            </a:r>
+          </a:p>
+          <a:p>
+            <a:r>
+              <a:rPr kumimoji="1" lang="en-US" altLang="ja-JP" sz="2400" dirty="0"/>
+              <a:t>	</a:t>
+            </a:r>
+            <a:r>
+              <a:rPr kumimoji="1" lang="en-US" altLang="ja-JP" sz="2400" dirty="0">
+                <a:solidFill>
+                  <a:srgbClr val="FF0000"/>
+                </a:solidFill>
+              </a:rPr>
+              <a:t>template &lt;</a:t>
+            </a:r>
+            <a:r>
+              <a:rPr kumimoji="1" lang="en-US" altLang="ja-JP" sz="2400" dirty="0" err="1">
+                <a:solidFill>
+                  <a:srgbClr val="FF0000"/>
+                </a:solidFill>
+              </a:rPr>
+              <a:t>typename</a:t>
+            </a:r>
+            <a:r>
+              <a:rPr kumimoji="1" lang="en-US" altLang="ja-JP" sz="2400" dirty="0">
+                <a:solidFill>
+                  <a:srgbClr val="FF0000"/>
+                </a:solidFill>
+              </a:rPr>
+              <a:t> T&gt;</a:t>
+            </a:r>
+          </a:p>
+          <a:p>
+            <a:r>
+              <a:rPr kumimoji="1" lang="en-US" altLang="ja-JP" sz="2400" dirty="0">
+                <a:solidFill>
+                  <a:srgbClr val="FF0000"/>
+                </a:solidFill>
+              </a:rPr>
+              <a:t>	T add(T a, T b) {</a:t>
+            </a:r>
+            <a:br>
+              <a:rPr kumimoji="1" lang="en-US" altLang="ja-JP" sz="2400" dirty="0">
+                <a:solidFill>
+                  <a:srgbClr val="FF0000"/>
+                </a:solidFill>
+              </a:rPr>
+            </a:br>
+            <a:r>
+              <a:rPr kumimoji="1" lang="en-US" altLang="ja-JP" sz="2400" dirty="0">
+                <a:solidFill>
+                  <a:srgbClr val="FF0000"/>
+                </a:solidFill>
+              </a:rPr>
+              <a:t>		return a + b;</a:t>
+            </a:r>
+          </a:p>
+          <a:p>
+            <a:r>
+              <a:rPr kumimoji="1" lang="en-US" altLang="ja-JP" sz="2400" dirty="0">
+                <a:solidFill>
+                  <a:srgbClr val="FF0000"/>
+                </a:solidFill>
+              </a:rPr>
+              <a:t>	};</a:t>
+            </a:r>
+            <a:br>
+              <a:rPr kumimoji="1" lang="en-US" altLang="ja-JP" sz="2400" dirty="0">
+                <a:solidFill>
+                  <a:srgbClr val="FF0000"/>
+                </a:solidFill>
+              </a:rPr>
+            </a:br>
+            <a:r>
+              <a:rPr kumimoji="1" lang="en-US" altLang="ja-JP" sz="2400" dirty="0"/>
+              <a:t>	</a:t>
+            </a:r>
+            <a:r>
+              <a:rPr kumimoji="1" lang="ja-JP" altLang="en-US" sz="2400" dirty="0"/>
+              <a:t>　　（略）</a:t>
+            </a:r>
+            <a:endParaRPr kumimoji="1" lang="en-US" altLang="ja-JP" sz="2400" dirty="0"/>
+          </a:p>
+          <a:p>
+            <a:r>
+              <a:rPr kumimoji="1" lang="en-US" altLang="ja-JP" sz="2400" dirty="0"/>
+              <a:t>};</a:t>
+            </a:r>
+            <a:endParaRPr kumimoji="1" lang="ja-JP" altLang="en-US" sz="2400" dirty="0"/>
+          </a:p>
+        </p:txBody>
+      </p:sp>
+      <p:sp>
+        <p:nvSpPr>
+          <p:cNvPr id="4" name="テキスト ボックス 3">
+            <a:extLst>
+              <a:ext uri="{FF2B5EF4-FFF2-40B4-BE49-F238E27FC236}">
+                <a16:creationId xmlns:a16="http://schemas.microsoft.com/office/drawing/2014/main" id="{66CE7F4B-75FF-4B35-95DF-A25B059D18CF}"/>
+              </a:ext>
+            </a:extLst>
+          </p:cNvPr>
+          <p:cNvSpPr txBox="1"/>
+          <p:nvPr/>
+        </p:nvSpPr>
+        <p:spPr>
+          <a:xfrm>
+            <a:off x="5517526" y="2225717"/>
+            <a:ext cx="6027612" cy="1815882"/>
+          </a:xfrm>
+          <a:prstGeom prst="rect">
+            <a:avLst/>
+          </a:prstGeom>
+          <a:solidFill>
+            <a:schemeClr val="bg1"/>
+          </a:solidFill>
+          <a:ln>
+            <a:solidFill>
+              <a:schemeClr val="tx1"/>
+            </a:solidFill>
+          </a:ln>
+          <a:effectLst>
+            <a:outerShdw blurRad="50800" dist="38100" dir="2700000" algn="tl" rotWithShape="0">
+              <a:prstClr val="black">
+                <a:alpha val="40000"/>
+              </a:prstClr>
+            </a:outerShdw>
+          </a:effectLst>
+        </p:spPr>
+        <p:txBody>
+          <a:bodyPr wrap="none" rtlCol="0">
+            <a:spAutoFit/>
+          </a:bodyPr>
+          <a:lstStyle/>
+          <a:p>
+            <a:r>
+              <a:rPr kumimoji="1" lang="en-US" altLang="ja-JP" sz="2800" b="1" dirty="0">
+                <a:solidFill>
+                  <a:srgbClr val="FF0000"/>
+                </a:solidFill>
+              </a:rPr>
+              <a:t>add</a:t>
+            </a:r>
+            <a:r>
+              <a:rPr kumimoji="1" lang="ja-JP" altLang="en-US" sz="2800" b="1" dirty="0">
+                <a:solidFill>
+                  <a:srgbClr val="FF0000"/>
+                </a:solidFill>
+              </a:rPr>
+              <a:t>関数</a:t>
+            </a:r>
+            <a:r>
+              <a:rPr kumimoji="1" lang="en-US" altLang="ja-JP" sz="2800" b="1" dirty="0">
+                <a:solidFill>
+                  <a:srgbClr val="FF0000"/>
+                </a:solidFill>
+              </a:rPr>
+              <a:t>(</a:t>
+            </a:r>
+            <a:r>
+              <a:rPr kumimoji="1" lang="ja-JP" altLang="en-US" sz="2800" b="1" dirty="0">
+                <a:solidFill>
+                  <a:srgbClr val="FF0000"/>
+                </a:solidFill>
+              </a:rPr>
+              <a:t>引数あり）</a:t>
+            </a:r>
+            <a:r>
+              <a:rPr kumimoji="1" lang="ja-JP" altLang="en-US" sz="2800" dirty="0"/>
+              <a:t>をテンプレートを</a:t>
+            </a:r>
+            <a:endParaRPr kumimoji="1" lang="en-US" altLang="ja-JP" sz="2800" dirty="0"/>
+          </a:p>
+          <a:p>
+            <a:r>
+              <a:rPr kumimoji="1" lang="ja-JP" altLang="en-US" sz="2800" dirty="0"/>
+              <a:t>用いて書き換える</a:t>
+            </a:r>
+            <a:br>
+              <a:rPr kumimoji="1" lang="en-US" altLang="ja-JP" sz="2800" dirty="0"/>
+            </a:br>
+            <a:r>
+              <a:rPr kumimoji="1" lang="ja-JP" altLang="en-US" sz="2800" dirty="0"/>
+              <a:t>メンバ関数の場合は、関数の記述も</a:t>
+            </a:r>
+            <a:endParaRPr kumimoji="1" lang="en-US" altLang="ja-JP" sz="2800" dirty="0"/>
+          </a:p>
+          <a:p>
+            <a:r>
+              <a:rPr kumimoji="1" lang="ja-JP" altLang="en-US" sz="2800" dirty="0"/>
+              <a:t>ヘッダファイルで行う</a:t>
+            </a:r>
+            <a:endParaRPr kumimoji="1" lang="en-US" altLang="ja-JP" sz="2800" dirty="0"/>
           </a:p>
         </p:txBody>
       </p:sp>
     </p:spTree>
     <p:extLst>
       <p:ext uri="{BB962C8B-B14F-4D97-AF65-F5344CB8AC3E}">
-        <p14:creationId xmlns:p14="http://schemas.microsoft.com/office/powerpoint/2010/main" val="4247757912"/>
+        <p14:creationId xmlns:p14="http://schemas.microsoft.com/office/powerpoint/2010/main" val="534155200"/>
       </p:ext>
     </p:extLst>
   </p:cSld>
@@ -6890,7 +7912,7 @@
           <p:cNvPr id="2" name="タイトル 1">
             <a:extLst>
               <a:ext uri="{FF2B5EF4-FFF2-40B4-BE49-F238E27FC236}">
-                <a16:creationId xmlns:a16="http://schemas.microsoft.com/office/drawing/2014/main" id="{9F789731-37C4-49DD-AEE8-78E5514E279E}"/>
+                <a16:creationId xmlns:a16="http://schemas.microsoft.com/office/drawing/2014/main" id="{F11F3668-F205-48C5-AC01-19611EFE561B}"/>
               </a:ext>
             </a:extLst>
           </p:cNvPr>
@@ -6919,7 +7941,7 @@
           <p:cNvPr id="3" name="コンテンツ プレースホルダー 2">
             <a:extLst>
               <a:ext uri="{FF2B5EF4-FFF2-40B4-BE49-F238E27FC236}">
-                <a16:creationId xmlns:a16="http://schemas.microsoft.com/office/drawing/2014/main" id="{39562F0E-6033-40BD-BCB8-F015661306FD}"/>
+                <a16:creationId xmlns:a16="http://schemas.microsoft.com/office/drawing/2014/main" id="{64DBE417-57E9-44A6-BB52-B2F9986BB7B2}"/>
               </a:ext>
             </a:extLst>
           </p:cNvPr>
@@ -6932,8 +7954,8 @@
         </p:nvSpPr>
         <p:spPr>
           <a:xfrm>
-            <a:off x="838200" y="1376038"/>
-            <a:ext cx="10515600" cy="5374958"/>
+            <a:off x="838200" y="1162976"/>
+            <a:ext cx="10515600" cy="5193373"/>
           </a:xfrm>
         </p:spPr>
         <p:txBody>
@@ -6943,297 +7965,303 @@
           <a:lstStyle/>
           <a:p>
             <a:r>
-              <a:rPr lang="ja-JP" altLang="en-US" sz="4400" b="1" u="sng" dirty="0"/>
-              <a:t>関数テンプレート</a:t>
-            </a:r>
-            <a:endParaRPr lang="en-US" altLang="ja-JP" sz="4400" dirty="0"/>
-          </a:p>
-          <a:p>
-            <a:r>
-              <a:rPr lang="ja-JP" altLang="en-US" dirty="0"/>
-              <a:t>引数の型を複数もつテンプレート関数も定義可能</a:t>
-            </a:r>
-            <a:br>
+              <a:rPr kumimoji="1" lang="en-US" altLang="ja-JP" dirty="0"/>
+              <a:t>calc.</a:t>
+            </a:r>
+            <a:r>
               <a:rPr lang="en-US" altLang="ja-JP" dirty="0"/>
-            </a:br>
+              <a:t>cpp</a:t>
+            </a:r>
+            <a:r>
+              <a:rPr kumimoji="1" lang="ja-JP" altLang="en-US" dirty="0"/>
+              <a:t>　</a:t>
+            </a:r>
+            <a:r>
+              <a:rPr kumimoji="1" lang="en-US" altLang="ja-JP" dirty="0"/>
+              <a:t>(Sample503t)</a:t>
+            </a:r>
             <a:br>
               <a:rPr lang="en-US" altLang="ja-JP" dirty="0"/>
             </a:br>
-            <a:r>
+            <a:endParaRPr lang="en-US" altLang="ja-JP" dirty="0"/>
+          </a:p>
+          <a:p>
+            <a:pPr marL="0" indent="0">
+              <a:buNone/>
+            </a:pPr>
+            <a:br>
               <a:rPr lang="en-US" altLang="ja-JP" dirty="0"/>
-              <a:t>【</a:t>
-            </a:r>
-            <a:r>
-              <a:rPr lang="ja-JP" altLang="en-US" dirty="0"/>
-              <a:t>宣言方法</a:t>
-            </a:r>
-            <a:r>
+            </a:br>
+            <a:br>
               <a:rPr lang="en-US" altLang="ja-JP" dirty="0"/>
-              <a:t>】</a:t>
-            </a:r>
+            </a:br>
             <a:br>
               <a:rPr lang="en-US" altLang="ja-JP" dirty="0"/>
             </a:br>
-            <a:r>
-              <a:rPr lang="en-US" altLang="ja-JP" dirty="0">
-                <a:solidFill>
-                  <a:srgbClr val="FF0000"/>
-                </a:solidFill>
-              </a:rPr>
-              <a:t>template &lt;</a:t>
-            </a:r>
-            <a:r>
-              <a:rPr lang="en-US" altLang="ja-JP" dirty="0" err="1">
-                <a:solidFill>
-                  <a:srgbClr val="FF0000"/>
-                </a:solidFill>
-              </a:rPr>
-              <a:t>typename</a:t>
-            </a:r>
-            <a:r>
-              <a:rPr lang="en-US" altLang="ja-JP" dirty="0">
-                <a:solidFill>
-                  <a:srgbClr val="FF0000"/>
-                </a:solidFill>
-              </a:rPr>
-              <a:t> </a:t>
-            </a:r>
-            <a:r>
-              <a:rPr lang="en-US" altLang="ja-JP" b="1" dirty="0">
-                <a:solidFill>
-                  <a:srgbClr val="FF0000"/>
-                </a:solidFill>
-              </a:rPr>
-              <a:t>T</a:t>
-            </a:r>
-            <a:r>
-              <a:rPr lang="en-US" altLang="ja-JP" dirty="0">
-                <a:solidFill>
-                  <a:srgbClr val="FF0000"/>
-                </a:solidFill>
-              </a:rPr>
-              <a:t>, </a:t>
-            </a:r>
-            <a:r>
-              <a:rPr lang="en-US" altLang="ja-JP" dirty="0" err="1">
-                <a:solidFill>
-                  <a:srgbClr val="FF0000"/>
-                </a:solidFill>
-              </a:rPr>
-              <a:t>typename</a:t>
-            </a:r>
-            <a:r>
-              <a:rPr lang="en-US" altLang="ja-JP" dirty="0">
-                <a:solidFill>
-                  <a:srgbClr val="FF0000"/>
-                </a:solidFill>
-              </a:rPr>
-              <a:t> </a:t>
-            </a:r>
-            <a:r>
-              <a:rPr lang="en-US" altLang="ja-JP" b="1" dirty="0">
-                <a:solidFill>
-                  <a:srgbClr val="FF0000"/>
-                </a:solidFill>
-              </a:rPr>
-              <a:t>U</a:t>
-            </a:r>
-            <a:r>
-              <a:rPr lang="en-US" altLang="ja-JP" dirty="0">
-                <a:solidFill>
-                  <a:srgbClr val="FF0000"/>
-                </a:solidFill>
-              </a:rPr>
-              <a:t>&gt;</a:t>
-            </a:r>
-            <a:br>
-              <a:rPr lang="en-US" altLang="ja-JP" dirty="0">
-                <a:solidFill>
-                  <a:srgbClr val="FF0000"/>
-                </a:solidFill>
-              </a:rPr>
-            </a:br>
-            <a:r>
-              <a:rPr lang="en-US" altLang="ja-JP" b="1" dirty="0">
-                <a:solidFill>
-                  <a:srgbClr val="FF0000"/>
-                </a:solidFill>
-              </a:rPr>
-              <a:t>auto</a:t>
-            </a:r>
-            <a:r>
-              <a:rPr lang="en-US" altLang="ja-JP" dirty="0">
-                <a:solidFill>
-                  <a:srgbClr val="FF0000"/>
-                </a:solidFill>
-              </a:rPr>
-              <a:t> </a:t>
-            </a:r>
-            <a:r>
-              <a:rPr lang="ja-JP" altLang="en-US" dirty="0">
-                <a:solidFill>
-                  <a:srgbClr val="FF0000"/>
-                </a:solidFill>
-              </a:rPr>
-              <a:t>関数名</a:t>
-            </a:r>
-            <a:r>
-              <a:rPr lang="en-US" altLang="ja-JP" dirty="0">
-                <a:solidFill>
-                  <a:srgbClr val="FF0000"/>
-                </a:solidFill>
-              </a:rPr>
-              <a:t>(</a:t>
-            </a:r>
-            <a:r>
-              <a:rPr lang="en-US" altLang="ja-JP" b="1" dirty="0">
-                <a:solidFill>
-                  <a:srgbClr val="FF0000"/>
-                </a:solidFill>
-              </a:rPr>
-              <a:t>T</a:t>
-            </a:r>
-            <a:r>
-              <a:rPr lang="en-US" altLang="ja-JP" dirty="0">
-                <a:solidFill>
-                  <a:srgbClr val="FF0000"/>
-                </a:solidFill>
-              </a:rPr>
-              <a:t> </a:t>
-            </a:r>
-            <a:r>
-              <a:rPr lang="ja-JP" altLang="en-US" dirty="0">
-                <a:solidFill>
-                  <a:srgbClr val="FF0000"/>
-                </a:solidFill>
-              </a:rPr>
-              <a:t>引数</a:t>
-            </a:r>
-            <a:r>
-              <a:rPr lang="en-US" altLang="ja-JP" dirty="0">
-                <a:solidFill>
-                  <a:srgbClr val="FF0000"/>
-                </a:solidFill>
-              </a:rPr>
-              <a:t>1, </a:t>
-            </a:r>
-            <a:r>
-              <a:rPr lang="en-US" altLang="ja-JP" b="1" dirty="0">
-                <a:solidFill>
-                  <a:srgbClr val="FF0000"/>
-                </a:solidFill>
-              </a:rPr>
-              <a:t>U</a:t>
-            </a:r>
-            <a:r>
-              <a:rPr lang="en-US" altLang="ja-JP" dirty="0">
-                <a:solidFill>
-                  <a:srgbClr val="FF0000"/>
-                </a:solidFill>
-              </a:rPr>
-              <a:t> </a:t>
-            </a:r>
-            <a:r>
-              <a:rPr lang="ja-JP" altLang="en-US" dirty="0">
-                <a:solidFill>
-                  <a:srgbClr val="FF0000"/>
-                </a:solidFill>
-              </a:rPr>
-              <a:t>引数</a:t>
-            </a:r>
-            <a:r>
-              <a:rPr lang="en-US" altLang="ja-JP" dirty="0">
-                <a:solidFill>
-                  <a:srgbClr val="FF0000"/>
-                </a:solidFill>
-              </a:rPr>
-              <a:t>2)</a:t>
-            </a:r>
-            <a:br>
-              <a:rPr lang="en-US" altLang="ja-JP" dirty="0">
-                <a:solidFill>
-                  <a:srgbClr val="FF0000"/>
-                </a:solidFill>
-              </a:rPr>
-            </a:br>
-            <a:br>
-              <a:rPr lang="en-US" altLang="ja-JP" dirty="0"/>
-            </a:br>
-            <a:r>
-              <a:rPr lang="en-US" altLang="ja-JP" dirty="0"/>
-              <a:t>【</a:t>
-            </a:r>
-            <a:r>
-              <a:rPr lang="ja-JP" altLang="en-US" dirty="0"/>
-              <a:t>実行方法</a:t>
-            </a:r>
-            <a:r>
-              <a:rPr lang="en-US" altLang="ja-JP" dirty="0"/>
-              <a:t>】</a:t>
-            </a:r>
-            <a:br>
-              <a:rPr lang="en-US" altLang="ja-JP" dirty="0"/>
-            </a:br>
-            <a:r>
-              <a:rPr lang="ja-JP" altLang="en-US" dirty="0">
-                <a:solidFill>
-                  <a:srgbClr val="0070C0"/>
-                </a:solidFill>
-              </a:rPr>
-              <a:t>関数名</a:t>
-            </a:r>
-            <a:r>
-              <a:rPr lang="en-US" altLang="ja-JP" dirty="0">
-                <a:solidFill>
-                  <a:srgbClr val="0070C0"/>
-                </a:solidFill>
-              </a:rPr>
-              <a:t>(</a:t>
-            </a:r>
-            <a:r>
-              <a:rPr lang="ja-JP" altLang="en-US" dirty="0">
-                <a:solidFill>
-                  <a:srgbClr val="0070C0"/>
-                </a:solidFill>
-              </a:rPr>
-              <a:t>引数</a:t>
-            </a:r>
-            <a:r>
-              <a:rPr lang="en-US" altLang="ja-JP" dirty="0">
-                <a:solidFill>
-                  <a:srgbClr val="0070C0"/>
-                </a:solidFill>
-              </a:rPr>
-              <a:t>1, </a:t>
-            </a:r>
-            <a:r>
-              <a:rPr lang="ja-JP" altLang="en-US" dirty="0">
-                <a:solidFill>
-                  <a:srgbClr val="0070C0"/>
-                </a:solidFill>
-              </a:rPr>
-              <a:t>引数</a:t>
-            </a:r>
-            <a:r>
-              <a:rPr lang="en-US" altLang="ja-JP" dirty="0">
-                <a:solidFill>
-                  <a:srgbClr val="0070C0"/>
-                </a:solidFill>
-              </a:rPr>
-              <a:t>2)</a:t>
-            </a:r>
-            <a:endParaRPr lang="en-US" altLang="ja-JP" sz="3200" dirty="0">
+            <a:br>
+              <a:rPr lang="en-US" altLang="ja-JP" sz="2400" dirty="0"/>
+            </a:br>
+            <a:br>
+              <a:rPr lang="en-US" altLang="ja-JP" sz="2400" dirty="0"/>
+            </a:br>
+            <a:endParaRPr lang="en-US" altLang="ja-JP" sz="2400" dirty="0"/>
+          </a:p>
+          <a:p>
+            <a:pPr marL="0" indent="0">
+              <a:buNone/>
+            </a:pPr>
+            <a:br>
+              <a:rPr lang="en-US" altLang="ja-JP" sz="2400" dirty="0"/>
+            </a:br>
+            <a:endParaRPr lang="en-US" altLang="ja-JP" dirty="0">
               <a:solidFill>
-                <a:srgbClr val="0070C0"/>
+                <a:srgbClr val="FF0000"/>
               </a:solidFill>
             </a:endParaRPr>
+          </a:p>
+        </p:txBody>
+      </p:sp>
+      <p:sp>
+        <p:nvSpPr>
+          <p:cNvPr id="5" name="テキスト ボックス 4">
+            <a:extLst>
+              <a:ext uri="{FF2B5EF4-FFF2-40B4-BE49-F238E27FC236}">
+                <a16:creationId xmlns:a16="http://schemas.microsoft.com/office/drawing/2014/main" id="{9E32883C-0E37-4F07-9861-27609819CE8C}"/>
+              </a:ext>
+            </a:extLst>
+          </p:cNvPr>
+          <p:cNvSpPr txBox="1"/>
+          <p:nvPr/>
+        </p:nvSpPr>
+        <p:spPr>
+          <a:xfrm>
+            <a:off x="1048255" y="1864708"/>
+            <a:ext cx="10688220" cy="4893647"/>
+          </a:xfrm>
+          <a:prstGeom prst="rect">
+            <a:avLst/>
+          </a:prstGeom>
+          <a:noFill/>
+          <a:ln>
+            <a:solidFill>
+              <a:schemeClr val="tx1"/>
+            </a:solidFill>
+          </a:ln>
+        </p:spPr>
+        <p:txBody>
+          <a:bodyPr wrap="square" rtlCol="0">
+            <a:spAutoFit/>
+          </a:bodyPr>
+          <a:lstStyle/>
+          <a:p>
+            <a:r>
+              <a:rPr kumimoji="1" lang="en-US" altLang="ja-JP" sz="2400" dirty="0"/>
+              <a:t>Calc::Calc(int a, int b) : </a:t>
+            </a:r>
+            <a:r>
+              <a:rPr kumimoji="1" lang="en-US" altLang="ja-JP" sz="2400" dirty="0" err="1"/>
+              <a:t>m_a</a:t>
+            </a:r>
+            <a:r>
+              <a:rPr kumimoji="1" lang="en-US" altLang="ja-JP" sz="2400" dirty="0"/>
+              <a:t>(a), </a:t>
+            </a:r>
+            <a:r>
+              <a:rPr kumimoji="1" lang="en-US" altLang="ja-JP" sz="2400" dirty="0" err="1"/>
+              <a:t>m_b</a:t>
+            </a:r>
+            <a:r>
+              <a:rPr kumimoji="1" lang="en-US" altLang="ja-JP" sz="2400" dirty="0"/>
+              <a:t>(b) {}</a:t>
+            </a:r>
+          </a:p>
+          <a:p>
+            <a:r>
+              <a:rPr kumimoji="1" lang="en-US" altLang="ja-JP" sz="2400" dirty="0"/>
+              <a:t>int Calc::add() {</a:t>
+            </a:r>
+          </a:p>
+          <a:p>
+            <a:r>
+              <a:rPr kumimoji="1" lang="en-US" altLang="ja-JP" sz="2400" dirty="0"/>
+              <a:t>	return </a:t>
+            </a:r>
+            <a:r>
+              <a:rPr kumimoji="1" lang="en-US" altLang="ja-JP" sz="2400" dirty="0" err="1"/>
+              <a:t>m_a</a:t>
+            </a:r>
+            <a:r>
+              <a:rPr kumimoji="1" lang="en-US" altLang="ja-JP" sz="2400" dirty="0"/>
+              <a:t> + </a:t>
+            </a:r>
+            <a:r>
+              <a:rPr kumimoji="1" lang="en-US" altLang="ja-JP" sz="2400" dirty="0" err="1"/>
+              <a:t>m_b</a:t>
+            </a:r>
+            <a:r>
+              <a:rPr kumimoji="1" lang="en-US" altLang="ja-JP" sz="2400" dirty="0"/>
+              <a:t>;</a:t>
+            </a:r>
+          </a:p>
+          <a:p>
+            <a:r>
+              <a:rPr kumimoji="1" lang="en-US" altLang="ja-JP" sz="2400" dirty="0"/>
+              <a:t>}</a:t>
+            </a:r>
+          </a:p>
+          <a:p>
+            <a:r>
+              <a:rPr kumimoji="1" lang="en-US" altLang="ja-JP" sz="2400" strike="dblStrike" dirty="0">
+                <a:solidFill>
+                  <a:srgbClr val="FF0000"/>
+                </a:solidFill>
+              </a:rPr>
+              <a:t>int Calc::add(int a, int b) {</a:t>
+            </a:r>
+          </a:p>
+          <a:p>
+            <a:r>
+              <a:rPr kumimoji="1" lang="en-US" altLang="ja-JP" sz="2400" strike="dblStrike" dirty="0">
+                <a:solidFill>
+                  <a:srgbClr val="FF0000"/>
+                </a:solidFill>
+              </a:rPr>
+              <a:t>	return a + b;</a:t>
+            </a:r>
+          </a:p>
+          <a:p>
+            <a:r>
+              <a:rPr kumimoji="1" lang="en-US" altLang="ja-JP" sz="2400" strike="dblStrike" dirty="0">
+                <a:solidFill>
+                  <a:srgbClr val="FF0000"/>
+                </a:solidFill>
+              </a:rPr>
+              <a:t>}</a:t>
+            </a:r>
+          </a:p>
+          <a:p>
+            <a:r>
+              <a:rPr kumimoji="1" lang="en-US" altLang="ja-JP" sz="2400" strike="dblStrike" dirty="0">
+                <a:solidFill>
+                  <a:srgbClr val="FF0000"/>
+                </a:solidFill>
+              </a:rPr>
+              <a:t>double Calc::add(double a, double b) {</a:t>
+            </a:r>
+          </a:p>
+          <a:p>
+            <a:r>
+              <a:rPr kumimoji="1" lang="en-US" altLang="ja-JP" sz="2400" strike="dblStrike" dirty="0">
+                <a:solidFill>
+                  <a:srgbClr val="FF0000"/>
+                </a:solidFill>
+              </a:rPr>
+              <a:t>	return a + b;</a:t>
+            </a:r>
+          </a:p>
+          <a:p>
+            <a:r>
+              <a:rPr kumimoji="1" lang="en-US" altLang="ja-JP" sz="2400" strike="dblStrike" dirty="0">
+                <a:solidFill>
+                  <a:srgbClr val="FF0000"/>
+                </a:solidFill>
+              </a:rPr>
+              <a:t>}</a:t>
+            </a:r>
+          </a:p>
+          <a:p>
+            <a:r>
+              <a:rPr kumimoji="1" lang="en-US" altLang="ja-JP" sz="2400" strike="dblStrike" dirty="0">
+                <a:solidFill>
+                  <a:srgbClr val="FF0000"/>
+                </a:solidFill>
+              </a:rPr>
+              <a:t>string Calc::add(string a, string b) {</a:t>
+            </a:r>
+          </a:p>
+          <a:p>
+            <a:r>
+              <a:rPr kumimoji="1" lang="en-US" altLang="ja-JP" sz="2400" strike="dblStrike" dirty="0">
+                <a:solidFill>
+                  <a:srgbClr val="FF0000"/>
+                </a:solidFill>
+              </a:rPr>
+              <a:t>	return a + b;</a:t>
+            </a:r>
+          </a:p>
+          <a:p>
+            <a:r>
+              <a:rPr kumimoji="1" lang="en-US" altLang="ja-JP" sz="2400" strike="dblStrike" dirty="0">
+                <a:solidFill>
+                  <a:srgbClr val="FF0000"/>
+                </a:solidFill>
+              </a:rPr>
+              <a:t>}</a:t>
+            </a:r>
+          </a:p>
+        </p:txBody>
+      </p:sp>
+      <p:sp>
+        <p:nvSpPr>
+          <p:cNvPr id="4" name="テキスト ボックス 3">
+            <a:extLst>
+              <a:ext uri="{FF2B5EF4-FFF2-40B4-BE49-F238E27FC236}">
+                <a16:creationId xmlns:a16="http://schemas.microsoft.com/office/drawing/2014/main" id="{66CE7F4B-75FF-4B35-95DF-A25B059D18CF}"/>
+              </a:ext>
+            </a:extLst>
+          </p:cNvPr>
+          <p:cNvSpPr txBox="1"/>
+          <p:nvPr/>
+        </p:nvSpPr>
+        <p:spPr>
+          <a:xfrm>
+            <a:off x="2502037" y="2231978"/>
+            <a:ext cx="6114174" cy="954107"/>
+          </a:xfrm>
+          <a:prstGeom prst="rect">
+            <a:avLst/>
+          </a:prstGeom>
+          <a:solidFill>
+            <a:schemeClr val="bg1"/>
+          </a:solidFill>
+          <a:ln>
+            <a:solidFill>
+              <a:schemeClr val="tx1"/>
+            </a:solidFill>
+          </a:ln>
+          <a:effectLst>
+            <a:outerShdw blurRad="50800" dist="38100" dir="2700000" algn="tl" rotWithShape="0">
+              <a:prstClr val="black">
+                <a:alpha val="40000"/>
+              </a:prstClr>
+            </a:outerShdw>
+          </a:effectLst>
+        </p:spPr>
+        <p:txBody>
+          <a:bodyPr wrap="none" rtlCol="0">
+            <a:spAutoFit/>
+          </a:bodyPr>
+          <a:lstStyle/>
+          <a:p>
+            <a:r>
+              <a:rPr kumimoji="1" lang="ja-JP" altLang="en-US" sz="2800" dirty="0"/>
+              <a:t>ヘッダファイルで処理を記述したので</a:t>
+            </a:r>
+            <a:endParaRPr kumimoji="1" lang="en-US" altLang="ja-JP" sz="2800" dirty="0"/>
+          </a:p>
+          <a:p>
+            <a:r>
+              <a:rPr kumimoji="1" lang="ja-JP" altLang="en-US" sz="2800" dirty="0"/>
+              <a:t>従来の関数処理を削除</a:t>
+            </a:r>
+            <a:endParaRPr kumimoji="1" lang="en-US" altLang="ja-JP" sz="2800" dirty="0"/>
           </a:p>
         </p:txBody>
       </p:sp>
     </p:spTree>
     <p:extLst>
       <p:ext uri="{BB962C8B-B14F-4D97-AF65-F5344CB8AC3E}">
-        <p14:creationId xmlns:p14="http://schemas.microsoft.com/office/powerpoint/2010/main" val="2495998508"/>
+        <p14:creationId xmlns:p14="http://schemas.microsoft.com/office/powerpoint/2010/main" val="3803394863"/>
       </p:ext>
     </p:extLst>
   </p:cSld>
@@ -7318,8 +8346,12 @@
           <a:lstStyle/>
           <a:p>
             <a:r>
-              <a:rPr kumimoji="1" lang="en-US" altLang="ja-JP" dirty="0" err="1"/>
-              <a:t>calc.h</a:t>
+              <a:rPr kumimoji="1" lang="en-US" altLang="ja-JP" dirty="0"/>
+              <a:t>main.</a:t>
+            </a:r>
+            <a:r>
+              <a:rPr lang="en-US" altLang="ja-JP" dirty="0"/>
+              <a:t>cpp</a:t>
             </a:r>
             <a:r>
               <a:rPr kumimoji="1" lang="ja-JP" altLang="en-US" dirty="0"/>
@@ -7330,42 +8362,43 @@
               <a:t>(Sample503t)</a:t>
             </a:r>
             <a:br>
-              <a:rPr kumimoji="1" lang="en-US" altLang="ja-JP" dirty="0"/>
-            </a:br>
-            <a:br>
-              <a:rPr kumimoji="1" lang="en-US" altLang="ja-JP" dirty="0"/>
-            </a:br>
-            <a:br>
-              <a:rPr kumimoji="1" lang="en-US" altLang="ja-JP" dirty="0"/>
-            </a:br>
-            <a:br>
-              <a:rPr kumimoji="1" lang="en-US" altLang="ja-JP" dirty="0"/>
-            </a:br>
-            <a:br>
-              <a:rPr kumimoji="1" lang="en-US" altLang="ja-JP" dirty="0"/>
-            </a:br>
-            <a:endParaRPr kumimoji="1" lang="en-US" altLang="ja-JP" dirty="0"/>
-          </a:p>
-          <a:p>
-            <a:r>
-              <a:rPr kumimoji="1" lang="en-US" altLang="ja-JP" dirty="0"/>
-              <a:t>main.cpp</a:t>
-            </a:r>
-            <a:r>
-              <a:rPr kumimoji="1" lang="ja-JP" altLang="en-US" dirty="0"/>
-              <a:t>　</a:t>
-            </a:r>
-            <a:r>
-              <a:rPr kumimoji="1" lang="en-US" altLang="ja-JP" dirty="0"/>
-              <a:t>(Sample503t)</a:t>
-            </a:r>
-            <a:br>
               <a:rPr lang="en-US" altLang="ja-JP" dirty="0"/>
             </a:br>
             <a:endParaRPr lang="en-US" altLang="ja-JP" dirty="0"/>
           </a:p>
           <a:p>
-            <a:endParaRPr lang="en-US" altLang="ja-JP" dirty="0"/>
+            <a:pPr marL="0" indent="0">
+              <a:buNone/>
+            </a:pPr>
+            <a:br>
+              <a:rPr lang="en-US" altLang="ja-JP" dirty="0"/>
+            </a:br>
+            <a:br>
+              <a:rPr lang="en-US" altLang="ja-JP" dirty="0"/>
+            </a:br>
+            <a:br>
+              <a:rPr lang="en-US" altLang="ja-JP" dirty="0"/>
+            </a:br>
+            <a:br>
+              <a:rPr lang="en-US" altLang="ja-JP" sz="2400" dirty="0"/>
+            </a:br>
+            <a:br>
+              <a:rPr lang="en-US" altLang="ja-JP" sz="2400" dirty="0"/>
+            </a:br>
+            <a:endParaRPr lang="en-US" altLang="ja-JP" sz="2400" dirty="0"/>
+          </a:p>
+          <a:p>
+            <a:pPr marL="0" indent="0">
+              <a:buNone/>
+            </a:pPr>
+            <a:br>
+              <a:rPr lang="en-US" altLang="ja-JP" sz="2400" dirty="0"/>
+            </a:br>
+            <a:endParaRPr lang="en-US" altLang="ja-JP" dirty="0">
+              <a:solidFill>
+                <a:srgbClr val="FF0000"/>
+              </a:solidFill>
+            </a:endParaRPr>
           </a:p>
         </p:txBody>
       </p:sp>
@@ -7383,8 +8416,8 @@
         </p:nvSpPr>
         <p:spPr>
           <a:xfrm>
-            <a:off x="1048256" y="1786889"/>
-            <a:ext cx="10688220" cy="2062103"/>
+            <a:off x="1048254" y="1709060"/>
+            <a:ext cx="11072409" cy="5078313"/>
           </a:xfrm>
           <a:prstGeom prst="rect">
             <a:avLst/>
@@ -7403,215 +8436,253 @@
           <a:lstStyle/>
           <a:p>
             <a:r>
-              <a:rPr kumimoji="1" lang="en-US" altLang="ja-JP" sz="3200" dirty="0">
-                <a:solidFill>
-                  <a:srgbClr val="FF0000"/>
-                </a:solidFill>
-              </a:rPr>
-              <a:t>template &lt;</a:t>
-            </a:r>
-            <a:r>
-              <a:rPr kumimoji="1" lang="en-US" altLang="ja-JP" sz="3200" dirty="0" err="1">
-                <a:solidFill>
-                  <a:srgbClr val="FF0000"/>
-                </a:solidFill>
-              </a:rPr>
-              <a:t>typename</a:t>
-            </a:r>
-            <a:r>
-              <a:rPr kumimoji="1" lang="en-US" altLang="ja-JP" sz="3200" dirty="0">
-                <a:solidFill>
-                  <a:srgbClr val="FF0000"/>
-                </a:solidFill>
-              </a:rPr>
-              <a:t> T, </a:t>
-            </a:r>
-            <a:r>
-              <a:rPr kumimoji="1" lang="en-US" altLang="ja-JP" sz="3200" dirty="0" err="1">
-                <a:solidFill>
-                  <a:srgbClr val="FF0000"/>
-                </a:solidFill>
-              </a:rPr>
-              <a:t>typename</a:t>
-            </a:r>
-            <a:r>
-              <a:rPr kumimoji="1" lang="en-US" altLang="ja-JP" sz="3200" dirty="0">
-                <a:solidFill>
-                  <a:srgbClr val="FF0000"/>
-                </a:solidFill>
-              </a:rPr>
-              <a:t> U&gt;</a:t>
-            </a:r>
-          </a:p>
-          <a:p>
-            <a:r>
-              <a:rPr kumimoji="1" lang="en-US" altLang="ja-JP" sz="3200" dirty="0">
-                <a:solidFill>
-                  <a:srgbClr val="FF0000"/>
-                </a:solidFill>
-              </a:rPr>
-              <a:t>auto add(T a, U b) {</a:t>
-            </a:r>
-            <a:br>
-              <a:rPr kumimoji="1" lang="en-US" altLang="ja-JP" sz="3200" dirty="0">
-                <a:solidFill>
-                  <a:srgbClr val="FF0000"/>
-                </a:solidFill>
-              </a:rPr>
-            </a:br>
-            <a:r>
-              <a:rPr kumimoji="1" lang="en-US" altLang="ja-JP" sz="3200" dirty="0">
-                <a:solidFill>
-                  <a:srgbClr val="FF0000"/>
-                </a:solidFill>
-              </a:rPr>
-              <a:t>		return a + b;</a:t>
-            </a:r>
-          </a:p>
-          <a:p>
-            <a:r>
-              <a:rPr kumimoji="1" lang="en-US" altLang="ja-JP" sz="3200" dirty="0">
-                <a:solidFill>
-                  <a:srgbClr val="FF0000"/>
-                </a:solidFill>
-              </a:rPr>
-              <a:t>};</a:t>
-            </a:r>
-            <a:endParaRPr kumimoji="1" lang="ja-JP" altLang="en-US" sz="3200" dirty="0"/>
-          </a:p>
-        </p:txBody>
-      </p:sp>
-      <p:sp>
-        <p:nvSpPr>
-          <p:cNvPr id="6" name="テキスト ボックス 5">
-            <a:extLst>
-              <a:ext uri="{FF2B5EF4-FFF2-40B4-BE49-F238E27FC236}">
-                <a16:creationId xmlns:a16="http://schemas.microsoft.com/office/drawing/2014/main" id="{6CD96987-1B2A-8258-0019-E86C27889FA7}"/>
-              </a:ext>
-            </a:extLst>
-          </p:cNvPr>
-          <p:cNvSpPr txBox="1"/>
-          <p:nvPr/>
-        </p:nvSpPr>
-        <p:spPr>
-          <a:xfrm>
-            <a:off x="1048256" y="4804709"/>
-            <a:ext cx="10688220" cy="1569660"/>
-          </a:xfrm>
-          <a:prstGeom prst="rect">
-            <a:avLst/>
-          </a:prstGeom>
-          <a:noFill/>
-          <a:ln>
-            <a:solidFill>
-              <a:schemeClr val="tx1"/>
-            </a:solidFill>
-          </a:ln>
-        </p:spPr>
-        <p:txBody>
-          <a:bodyPr wrap="square" rtlCol="0">
-            <a:spAutoFit/>
-          </a:bodyPr>
-          <a:lstStyle/>
-          <a:p>
-            <a:r>
-              <a:rPr kumimoji="1" lang="en-US" altLang="ja-JP" sz="3200" dirty="0" err="1">
-                <a:solidFill>
-                  <a:srgbClr val="FF0000"/>
-                </a:solidFill>
-              </a:rPr>
+              <a:rPr kumimoji="1" lang="ja-JP" altLang="en-US" sz="2400" dirty="0"/>
+              <a:t>　　　　（略）</a:t>
+            </a:r>
+            <a:endParaRPr kumimoji="1" lang="en-US" altLang="ja-JP" sz="2400" dirty="0"/>
+          </a:p>
+          <a:p>
+            <a:r>
+              <a:rPr kumimoji="1" lang="en-US" altLang="ja-JP" sz="2000" dirty="0"/>
+              <a:t>int main() {</a:t>
+            </a:r>
+          </a:p>
+          <a:p>
+            <a:r>
+              <a:rPr kumimoji="1" lang="en-US" altLang="ja-JP" sz="2000" dirty="0"/>
+              <a:t>	Calc* pC1, * pC2;</a:t>
+            </a:r>
+          </a:p>
+          <a:p>
+            <a:r>
+              <a:rPr kumimoji="1" lang="en-US" altLang="ja-JP" sz="2000" dirty="0"/>
+              <a:t>	pC1 = new Calc();</a:t>
+            </a:r>
+          </a:p>
+          <a:p>
+            <a:r>
+              <a:rPr kumimoji="1" lang="en-US" altLang="ja-JP" sz="2000" dirty="0"/>
+              <a:t>	pC2 = new Calc(1, 2);</a:t>
+            </a:r>
+          </a:p>
+          <a:p>
+            <a:r>
+              <a:rPr kumimoji="1" lang="en-US" altLang="ja-JP" sz="2000" dirty="0"/>
+              <a:t>	</a:t>
+            </a:r>
+            <a:r>
+              <a:rPr kumimoji="1" lang="en-US" altLang="ja-JP" sz="2000" dirty="0" err="1"/>
               <a:t>cout</a:t>
             </a:r>
             <a:r>
-              <a:rPr kumimoji="1" lang="en-US" altLang="ja-JP" sz="3200" dirty="0">
-                <a:solidFill>
-                  <a:srgbClr val="FF0000"/>
-                </a:solidFill>
-              </a:rPr>
-              <a:t> &lt;&lt; 5 &lt;&lt; “+” &lt;&lt; 3.2 &lt;&lt; “=“ </a:t>
-            </a:r>
-            <a:br>
-              <a:rPr kumimoji="1" lang="en-US" altLang="ja-JP" sz="3200" dirty="0">
-                <a:solidFill>
-                  <a:srgbClr val="FF0000"/>
-                </a:solidFill>
-              </a:rPr>
-            </a:br>
-            <a:r>
-              <a:rPr kumimoji="1" lang="en-US" altLang="ja-JP" sz="3200" dirty="0">
-                <a:solidFill>
-                  <a:srgbClr val="FF0000"/>
-                </a:solidFill>
-              </a:rPr>
-              <a:t>	&lt;&lt; pC1-&gt;add(5, 3.2) &lt;&lt; </a:t>
-            </a:r>
-            <a:r>
-              <a:rPr kumimoji="1" lang="en-US" altLang="ja-JP" sz="3200" dirty="0" err="1">
-                <a:solidFill>
-                  <a:srgbClr val="FF0000"/>
-                </a:solidFill>
-              </a:rPr>
+              <a:rPr kumimoji="1" lang="en-US" altLang="ja-JP" sz="2000" dirty="0"/>
+              <a:t> &lt;&lt; 3 &lt;&lt; "+" &lt;&lt; 4 &lt;&lt; "="	&lt;&lt; pC1-&gt;add</a:t>
+            </a:r>
+            <a:r>
+              <a:rPr kumimoji="1" lang="en-US" altLang="ja-JP" sz="2000" dirty="0">
+                <a:solidFill>
+                  <a:srgbClr val="FF0000"/>
+                </a:solidFill>
+              </a:rPr>
+              <a:t>&lt;int&gt;</a:t>
+            </a:r>
+            <a:r>
+              <a:rPr kumimoji="1" lang="en-US" altLang="ja-JP" sz="2000" dirty="0"/>
+              <a:t>(3, 4) &lt;&lt; </a:t>
+            </a:r>
+            <a:r>
+              <a:rPr kumimoji="1" lang="en-US" altLang="ja-JP" sz="2000" dirty="0" err="1"/>
               <a:t>endl</a:t>
             </a:r>
             <a:r>
-              <a:rPr kumimoji="1" lang="en-US" altLang="ja-JP" sz="3200" dirty="0">
-                <a:solidFill>
-                  <a:srgbClr val="FF0000"/>
-                </a:solidFill>
-              </a:rPr>
+              <a:rPr kumimoji="1" lang="en-US" altLang="ja-JP" sz="2000" dirty="0"/>
               <a:t>;</a:t>
             </a:r>
-            <a:br>
-              <a:rPr kumimoji="1" lang="en-US" altLang="ja-JP" sz="3200" dirty="0">
-                <a:solidFill>
-                  <a:srgbClr val="FF0000"/>
-                </a:solidFill>
-              </a:rPr>
-            </a:br>
-            <a:r>
-              <a:rPr kumimoji="1" lang="en-US" altLang="ja-JP" sz="3200" dirty="0">
-                <a:solidFill>
-                  <a:srgbClr val="FF0000"/>
-                </a:solidFill>
-              </a:rPr>
-              <a:t>         </a:t>
-            </a:r>
-            <a:r>
-              <a:rPr kumimoji="1" lang="ja-JP" altLang="en-US" sz="3200" dirty="0">
-                <a:solidFill>
-                  <a:srgbClr val="FF0000"/>
-                </a:solidFill>
-              </a:rPr>
-              <a:t>　　</a:t>
-            </a:r>
-            <a:r>
-              <a:rPr kumimoji="1" lang="en-US" altLang="ja-JP" sz="2800" dirty="0">
-                <a:solidFill>
-                  <a:srgbClr val="00B050"/>
-                </a:solidFill>
-              </a:rPr>
-              <a:t>//</a:t>
-            </a:r>
-            <a:r>
-              <a:rPr kumimoji="1" lang="ja-JP" altLang="en-US" sz="2800" dirty="0">
-                <a:solidFill>
-                  <a:srgbClr val="00B050"/>
-                </a:solidFill>
-              </a:rPr>
-              <a:t>整数と実数の足し算</a:t>
-            </a:r>
-            <a:endParaRPr kumimoji="1" lang="en-US" altLang="ja-JP" sz="3200" dirty="0">
-              <a:solidFill>
-                <a:srgbClr val="00B050"/>
-              </a:solidFill>
-            </a:endParaRPr>
+          </a:p>
+          <a:p>
+            <a:r>
+              <a:rPr kumimoji="1" lang="en-US" altLang="ja-JP" sz="2000" dirty="0"/>
+              <a:t>	</a:t>
+            </a:r>
+            <a:r>
+              <a:rPr kumimoji="1" lang="en-US" altLang="ja-JP" sz="2000" dirty="0" err="1"/>
+              <a:t>cout</a:t>
+            </a:r>
+            <a:r>
+              <a:rPr kumimoji="1" lang="en-US" altLang="ja-JP" sz="2000" dirty="0"/>
+              <a:t> &lt;&lt; pC2-&gt;</a:t>
+            </a:r>
+            <a:r>
+              <a:rPr kumimoji="1" lang="en-US" altLang="ja-JP" sz="2000" dirty="0" err="1"/>
+              <a:t>getA</a:t>
+            </a:r>
+            <a:r>
+              <a:rPr kumimoji="1" lang="en-US" altLang="ja-JP" sz="2000" dirty="0"/>
+              <a:t>() &lt;&lt; “+”	&lt;&lt; pC2-&gt;</a:t>
+            </a:r>
+            <a:r>
+              <a:rPr kumimoji="1" lang="en-US" altLang="ja-JP" sz="2000" dirty="0" err="1"/>
+              <a:t>getB</a:t>
+            </a:r>
+            <a:r>
+              <a:rPr kumimoji="1" lang="en-US" altLang="ja-JP" sz="2000" dirty="0"/>
+              <a:t>() </a:t>
+            </a:r>
+            <a:br>
+              <a:rPr kumimoji="1" lang="en-US" altLang="ja-JP" sz="2000" dirty="0"/>
+            </a:br>
+            <a:r>
+              <a:rPr kumimoji="1" lang="ja-JP" altLang="en-US" sz="2000" dirty="0"/>
+              <a:t>     </a:t>
+            </a:r>
+            <a:r>
+              <a:rPr kumimoji="1" lang="en-US" altLang="ja-JP" sz="2000" dirty="0"/>
+              <a:t>&lt;&lt; "=“ &lt;&lt; pC2-&gt;add() &lt;&lt; </a:t>
+            </a:r>
+            <a:r>
+              <a:rPr kumimoji="1" lang="en-US" altLang="ja-JP" sz="2000" dirty="0" err="1"/>
+              <a:t>endl</a:t>
+            </a:r>
+            <a:r>
+              <a:rPr kumimoji="1" lang="en-US" altLang="ja-JP" sz="2000" dirty="0"/>
+              <a:t>;</a:t>
+            </a:r>
+          </a:p>
+          <a:p>
+            <a:r>
+              <a:rPr kumimoji="1" lang="en-US" altLang="ja-JP" sz="2000" dirty="0"/>
+              <a:t>	</a:t>
+            </a:r>
+            <a:r>
+              <a:rPr kumimoji="1" lang="en-US" altLang="ja-JP" sz="2000" dirty="0" err="1">
+                <a:solidFill>
+                  <a:srgbClr val="FF0000"/>
+                </a:solidFill>
+              </a:rPr>
+              <a:t>cout</a:t>
+            </a:r>
+            <a:r>
+              <a:rPr kumimoji="1" lang="en-US" altLang="ja-JP" sz="2000" dirty="0">
+                <a:solidFill>
+                  <a:srgbClr val="FF0000"/>
+                </a:solidFill>
+              </a:rPr>
+              <a:t> &lt;&lt; 1.1 &lt;&lt; “+” &lt;&lt; 2.5 &lt;&lt; “=“ &lt;&lt; pC1-&gt;add&lt;double&gt;(1.1, 2.5) </a:t>
+            </a:r>
+            <a:br>
+              <a:rPr kumimoji="1" lang="en-US" altLang="ja-JP" sz="2000" dirty="0">
+                <a:solidFill>
+                  <a:srgbClr val="FF0000"/>
+                </a:solidFill>
+              </a:rPr>
+            </a:br>
+            <a:r>
+              <a:rPr kumimoji="1" lang="en-US" altLang="ja-JP" sz="2000" dirty="0">
+                <a:solidFill>
+                  <a:srgbClr val="FF0000"/>
+                </a:solidFill>
+              </a:rPr>
+              <a:t>			&lt;&lt; </a:t>
+            </a:r>
+            <a:r>
+              <a:rPr kumimoji="1" lang="en-US" altLang="ja-JP" sz="2000" dirty="0" err="1">
+                <a:solidFill>
+                  <a:srgbClr val="FF0000"/>
+                </a:solidFill>
+              </a:rPr>
+              <a:t>endl</a:t>
+            </a:r>
+            <a:r>
+              <a:rPr kumimoji="1" lang="en-US" altLang="ja-JP" sz="2000" dirty="0">
+                <a:solidFill>
+                  <a:srgbClr val="FF0000"/>
+                </a:solidFill>
+              </a:rPr>
+              <a:t>;</a:t>
+            </a:r>
+          </a:p>
+          <a:p>
+            <a:r>
+              <a:rPr kumimoji="1" lang="en-US" altLang="ja-JP" sz="2000" dirty="0">
+                <a:solidFill>
+                  <a:srgbClr val="FF0000"/>
+                </a:solidFill>
+              </a:rPr>
+              <a:t>	</a:t>
+            </a:r>
+            <a:r>
+              <a:rPr kumimoji="1" lang="en-US" altLang="ja-JP" sz="2000" dirty="0" err="1">
+                <a:solidFill>
+                  <a:srgbClr val="FF0000"/>
+                </a:solidFill>
+              </a:rPr>
+              <a:t>cout</a:t>
+            </a:r>
+            <a:r>
+              <a:rPr kumimoji="1" lang="en-US" altLang="ja-JP" sz="2000" dirty="0">
+                <a:solidFill>
+                  <a:srgbClr val="FF0000"/>
+                </a:solidFill>
+              </a:rPr>
+              <a:t> &lt;&lt; “ABC” &lt;&lt; “+” &lt;&lt; “DEF” &lt;&lt; “=“ </a:t>
+            </a:r>
+          </a:p>
+          <a:p>
+            <a:r>
+              <a:rPr kumimoji="1" lang="en-US" altLang="ja-JP" sz="2000" dirty="0">
+                <a:solidFill>
+                  <a:srgbClr val="FF0000"/>
+                </a:solidFill>
+              </a:rPr>
+              <a:t>			&lt;&lt; pC1-&gt;add&lt;string&gt;(“ABC”, “DEF”) &lt;&lt; </a:t>
+            </a:r>
+            <a:r>
+              <a:rPr kumimoji="1" lang="en-US" altLang="ja-JP" sz="2000" dirty="0" err="1">
+                <a:solidFill>
+                  <a:srgbClr val="FF0000"/>
+                </a:solidFill>
+              </a:rPr>
+              <a:t>endl</a:t>
+            </a:r>
+            <a:r>
+              <a:rPr kumimoji="1" lang="en-US" altLang="ja-JP" sz="2000" dirty="0">
+                <a:solidFill>
+                  <a:srgbClr val="FF0000"/>
+                </a:solidFill>
+              </a:rPr>
+              <a:t>;</a:t>
+            </a:r>
+          </a:p>
+          <a:p>
+            <a:r>
+              <a:rPr kumimoji="1" lang="en-US" altLang="ja-JP" sz="2000" dirty="0"/>
+              <a:t>	delete pC1;</a:t>
+            </a:r>
+          </a:p>
+          <a:p>
+            <a:r>
+              <a:rPr kumimoji="1" lang="en-US" altLang="ja-JP" sz="2000" dirty="0"/>
+              <a:t>	delete pC2;</a:t>
+            </a:r>
+          </a:p>
+          <a:p>
+            <a:r>
+              <a:rPr kumimoji="1" lang="en-US" altLang="ja-JP" sz="2000" dirty="0"/>
+              <a:t>	return 0;</a:t>
+            </a:r>
+          </a:p>
+          <a:p>
+            <a:r>
+              <a:rPr kumimoji="1" lang="en-US" altLang="ja-JP" sz="2000" dirty="0"/>
+              <a:t>}</a:t>
+            </a:r>
           </a:p>
         </p:txBody>
       </p:sp>
     </p:spTree>
     <p:extLst>
       <p:ext uri="{BB962C8B-B14F-4D97-AF65-F5344CB8AC3E}">
-        <p14:creationId xmlns:p14="http://schemas.microsoft.com/office/powerpoint/2010/main" val="699213161"/>
+        <p14:creationId xmlns:p14="http://schemas.microsoft.com/office/powerpoint/2010/main" val="1493828005"/>
       </p:ext>
     </p:extLst>
   </p:cSld>

--- a/授業資料/講義資料：テンプレート.pptx
+++ b/授業資料/講義資料：テンプレート.pptx
@@ -257,7 +257,7 @@
           <a:p>
             <a:fld id="{5B96D3F8-CD2E-4A0D-AC38-517181EABB18}" type="datetimeFigureOut">
               <a:rPr kumimoji="1" lang="ja-JP" altLang="en-US" smtClean="0"/>
-              <a:t>2024/10/4</a:t>
+              <a:t>2024/10/8</a:t>
             </a:fld>
             <a:endParaRPr kumimoji="1" lang="ja-JP" altLang="en-US"/>
           </a:p>
@@ -459,7 +459,7 @@
           <a:p>
             <a:fld id="{5B96D3F8-CD2E-4A0D-AC38-517181EABB18}" type="datetimeFigureOut">
               <a:rPr kumimoji="1" lang="ja-JP" altLang="en-US" smtClean="0"/>
-              <a:t>2024/10/4</a:t>
+              <a:t>2024/10/8</a:t>
             </a:fld>
             <a:endParaRPr kumimoji="1" lang="ja-JP" altLang="en-US"/>
           </a:p>
@@ -671,7 +671,7 @@
           <a:p>
             <a:fld id="{5B96D3F8-CD2E-4A0D-AC38-517181EABB18}" type="datetimeFigureOut">
               <a:rPr kumimoji="1" lang="ja-JP" altLang="en-US" smtClean="0"/>
-              <a:t>2024/10/4</a:t>
+              <a:t>2024/10/8</a:t>
             </a:fld>
             <a:endParaRPr kumimoji="1" lang="ja-JP" altLang="en-US"/>
           </a:p>
@@ -873,7 +873,7 @@
           <a:p>
             <a:fld id="{5B96D3F8-CD2E-4A0D-AC38-517181EABB18}" type="datetimeFigureOut">
               <a:rPr kumimoji="1" lang="ja-JP" altLang="en-US" smtClean="0"/>
-              <a:t>2024/10/4</a:t>
+              <a:t>2024/10/8</a:t>
             </a:fld>
             <a:endParaRPr kumimoji="1" lang="ja-JP" altLang="en-US"/>
           </a:p>
@@ -1119,7 +1119,7 @@
           <a:p>
             <a:fld id="{5B96D3F8-CD2E-4A0D-AC38-517181EABB18}" type="datetimeFigureOut">
               <a:rPr kumimoji="1" lang="ja-JP" altLang="en-US" smtClean="0"/>
-              <a:t>2024/10/4</a:t>
+              <a:t>2024/10/8</a:t>
             </a:fld>
             <a:endParaRPr kumimoji="1" lang="ja-JP" altLang="en-US"/>
           </a:p>
@@ -1415,7 +1415,7 @@
           <a:p>
             <a:fld id="{5B96D3F8-CD2E-4A0D-AC38-517181EABB18}" type="datetimeFigureOut">
               <a:rPr kumimoji="1" lang="ja-JP" altLang="en-US" smtClean="0"/>
-              <a:t>2024/10/4</a:t>
+              <a:t>2024/10/8</a:t>
             </a:fld>
             <a:endParaRPr kumimoji="1" lang="ja-JP" altLang="en-US"/>
           </a:p>
@@ -1846,7 +1846,7 @@
           <a:p>
             <a:fld id="{5B96D3F8-CD2E-4A0D-AC38-517181EABB18}" type="datetimeFigureOut">
               <a:rPr kumimoji="1" lang="ja-JP" altLang="en-US" smtClean="0"/>
-              <a:t>2024/10/4</a:t>
+              <a:t>2024/10/8</a:t>
             </a:fld>
             <a:endParaRPr kumimoji="1" lang="ja-JP" altLang="en-US"/>
           </a:p>
@@ -1964,7 +1964,7 @@
           <a:p>
             <a:fld id="{5B96D3F8-CD2E-4A0D-AC38-517181EABB18}" type="datetimeFigureOut">
               <a:rPr kumimoji="1" lang="ja-JP" altLang="en-US" smtClean="0"/>
-              <a:t>2024/10/4</a:t>
+              <a:t>2024/10/8</a:t>
             </a:fld>
             <a:endParaRPr kumimoji="1" lang="ja-JP" altLang="en-US"/>
           </a:p>
@@ -2059,7 +2059,7 @@
           <a:p>
             <a:fld id="{5B96D3F8-CD2E-4A0D-AC38-517181EABB18}" type="datetimeFigureOut">
               <a:rPr kumimoji="1" lang="ja-JP" altLang="en-US" smtClean="0"/>
-              <a:t>2024/10/4</a:t>
+              <a:t>2024/10/8</a:t>
             </a:fld>
             <a:endParaRPr kumimoji="1" lang="ja-JP" altLang="en-US"/>
           </a:p>
@@ -2368,7 +2368,7 @@
           <a:p>
             <a:fld id="{5B96D3F8-CD2E-4A0D-AC38-517181EABB18}" type="datetimeFigureOut">
               <a:rPr kumimoji="1" lang="ja-JP" altLang="en-US" smtClean="0"/>
-              <a:t>2024/10/4</a:t>
+              <a:t>2024/10/8</a:t>
             </a:fld>
             <a:endParaRPr kumimoji="1" lang="ja-JP" altLang="en-US"/>
           </a:p>
@@ -2625,7 +2625,7 @@
           <a:p>
             <a:fld id="{5B96D3F8-CD2E-4A0D-AC38-517181EABB18}" type="datetimeFigureOut">
               <a:rPr kumimoji="1" lang="ja-JP" altLang="en-US" smtClean="0"/>
-              <a:t>2024/10/4</a:t>
+              <a:t>2024/10/8</a:t>
             </a:fld>
             <a:endParaRPr kumimoji="1" lang="ja-JP" altLang="en-US"/>
           </a:p>
@@ -2870,7 +2870,7 @@
           <a:p>
             <a:fld id="{5B96D3F8-CD2E-4A0D-AC38-517181EABB18}" type="datetimeFigureOut">
               <a:rPr kumimoji="1" lang="ja-JP" altLang="en-US" smtClean="0"/>
-              <a:t>2024/10/4</a:t>
+              <a:t>2024/10/8</a:t>
             </a:fld>
             <a:endParaRPr kumimoji="1" lang="ja-JP" altLang="en-US"/>
           </a:p>
@@ -4202,7 +4202,39 @@
                   <a:srgbClr val="0070C0"/>
                 </a:solidFill>
               </a:rPr>
-              <a:t>(</a:t>
+              <a:t>&lt;</a:t>
+            </a:r>
+            <a:r>
+              <a:rPr lang="ja-JP" altLang="en-US" dirty="0">
+                <a:solidFill>
+                  <a:srgbClr val="0070C0"/>
+                </a:solidFill>
+              </a:rPr>
+              <a:t>型名</a:t>
+            </a:r>
+            <a:r>
+              <a:rPr lang="en-US" altLang="ja-JP" dirty="0">
+                <a:solidFill>
+                  <a:srgbClr val="0070C0"/>
+                </a:solidFill>
+              </a:rPr>
+              <a:t>,</a:t>
+            </a:r>
+            <a:r>
+              <a:rPr lang="ja-JP" altLang="en-US" dirty="0">
+                <a:solidFill>
+                  <a:srgbClr val="0070C0"/>
+                </a:solidFill>
+              </a:rPr>
+              <a:t>型名</a:t>
+            </a:r>
+            <a:r>
+              <a:rPr lang="en-US" altLang="ja-JP" dirty="0">
+                <a:solidFill>
+                  <a:srgbClr val="0070C0"/>
+                </a:solidFill>
+              </a:rPr>
+              <a:t>&gt;(</a:t>
             </a:r>
             <a:r>
               <a:rPr lang="ja-JP" altLang="en-US" dirty="0">
@@ -5808,7 +5840,7 @@
         <p:spPr>
           <a:xfrm>
             <a:off x="7885917" y="4209811"/>
-            <a:ext cx="1856598" cy="646331"/>
+            <a:ext cx="3610284" cy="1200329"/>
           </a:xfrm>
           <a:prstGeom prst="rect">
             <a:avLst/>
@@ -5826,8 +5858,19 @@
               <a:t>2</a:t>
             </a:r>
             <a:r>
+              <a:rPr kumimoji="1" lang="ja-JP" altLang="en-US" sz="3600" dirty="0" err="1"/>
+              <a:t>つの</a:t>
+            </a:r>
+            <a:r>
               <a:rPr kumimoji="1" lang="ja-JP" altLang="en-US" sz="3600" dirty="0"/>
-              <a:t>行追加</a:t>
+              <a:t>メンバ関数</a:t>
+            </a:r>
+            <a:br>
+              <a:rPr kumimoji="1" lang="en-US" altLang="ja-JP" sz="3600" dirty="0"/>
+            </a:br>
+            <a:r>
+              <a:rPr kumimoji="1" lang="ja-JP" altLang="en-US" sz="3600" dirty="0"/>
+              <a:t>を追加</a:t>
             </a:r>
           </a:p>
         </p:txBody>
@@ -6128,6 +6171,102 @@
                 </a:solidFill>
               </a:rPr>
               <a:t>}</a:t>
+            </a:r>
+          </a:p>
+        </p:txBody>
+      </p:sp>
+      <p:sp>
+        <p:nvSpPr>
+          <p:cNvPr id="6" name="矢印: 下 5">
+            <a:extLst>
+              <a:ext uri="{FF2B5EF4-FFF2-40B4-BE49-F238E27FC236}">
+                <a16:creationId xmlns:a16="http://schemas.microsoft.com/office/drawing/2014/main" id="{E87312E9-762F-4AF0-9D32-1BB61F0909E3}"/>
+              </a:ext>
+            </a:extLst>
+          </p:cNvPr>
+          <p:cNvSpPr/>
+          <p:nvPr/>
+        </p:nvSpPr>
+        <p:spPr>
+          <a:xfrm rot="2899444">
+            <a:off x="8763281" y="4156365"/>
+            <a:ext cx="369651" cy="749029"/>
+          </a:xfrm>
+          <a:prstGeom prst="downArrow">
+            <a:avLst/>
+          </a:prstGeom>
+        </p:spPr>
+        <p:style>
+          <a:lnRef idx="2">
+            <a:schemeClr val="accent1">
+              <a:shade val="15000"/>
+            </a:schemeClr>
+          </a:lnRef>
+          <a:fillRef idx="1">
+            <a:schemeClr val="accent1"/>
+          </a:fillRef>
+          <a:effectRef idx="0">
+            <a:schemeClr val="accent1"/>
+          </a:effectRef>
+          <a:fontRef idx="minor">
+            <a:schemeClr val="lt1"/>
+          </a:fontRef>
+        </p:style>
+        <p:txBody>
+          <a:bodyPr rtlCol="0" anchor="ctr"/>
+          <a:lstStyle/>
+          <a:p>
+            <a:pPr algn="ctr"/>
+            <a:endParaRPr kumimoji="1" lang="ja-JP" altLang="en-US"/>
+          </a:p>
+        </p:txBody>
+      </p:sp>
+      <p:sp>
+        <p:nvSpPr>
+          <p:cNvPr id="7" name="テキスト ボックス 6">
+            <a:extLst>
+              <a:ext uri="{FF2B5EF4-FFF2-40B4-BE49-F238E27FC236}">
+                <a16:creationId xmlns:a16="http://schemas.microsoft.com/office/drawing/2014/main" id="{21DF21A6-2CD6-4B76-8ABF-A1E466D3EF8A}"/>
+              </a:ext>
+            </a:extLst>
+          </p:cNvPr>
+          <p:cNvSpPr txBox="1"/>
+          <p:nvPr/>
+        </p:nvSpPr>
+        <p:spPr>
+          <a:xfrm>
+            <a:off x="8126191" y="3053364"/>
+            <a:ext cx="3868367" cy="1200329"/>
+          </a:xfrm>
+          <a:prstGeom prst="rect">
+            <a:avLst/>
+          </a:prstGeom>
+          <a:noFill/>
+        </p:spPr>
+        <p:txBody>
+          <a:bodyPr wrap="none" rtlCol="0">
+            <a:spAutoFit/>
+          </a:bodyPr>
+          <a:lstStyle/>
+          <a:p>
+            <a:r>
+              <a:rPr kumimoji="1" lang="en-US" altLang="ja-JP" sz="3600" dirty="0"/>
+              <a:t>2</a:t>
+            </a:r>
+            <a:r>
+              <a:rPr kumimoji="1" lang="ja-JP" altLang="en-US" sz="3600" dirty="0" err="1"/>
+              <a:t>つの</a:t>
+            </a:r>
+            <a:r>
+              <a:rPr kumimoji="1" lang="ja-JP" altLang="en-US" sz="3600" dirty="0"/>
+              <a:t>メンバ関数</a:t>
+            </a:r>
+            <a:br>
+              <a:rPr kumimoji="1" lang="en-US" altLang="ja-JP" sz="3600" dirty="0"/>
+            </a:br>
+            <a:r>
+              <a:rPr kumimoji="1" lang="ja-JP" altLang="en-US" sz="3600" dirty="0"/>
+              <a:t>の処理内容を追加</a:t>
             </a:r>
           </a:p>
         </p:txBody>
